--- a/GEO330_2024_WinterQuarter/exercises/Exercise_01/slides/Exercise01_Template.pptx
+++ b/GEO330_2024_WinterQuarter/exercises/Exercise_01/slides/Exercise01_Template.pptx
@@ -12,6 +12,7 @@
     <p:sldId id="261" r:id="rId6"/>
     <p:sldId id="263" r:id="rId7"/>
     <p:sldId id="264" r:id="rId8"/>
+    <p:sldId id="265" r:id="rId9"/>
   </p:sldIdLst>
   <p:sldSz cx="12192000" cy="6858000"/>
   <p:notesSz cx="6858000" cy="9144000"/>
@@ -6695,57 +6696,8 @@
                 <a:latin typeface="+mj-lt"/>
                 <a:ea typeface="+mj-ea"/>
               </a:rPr>
-              <a:t>GEO 3330 Sustainable </a:t>
-            </a:r>
-            <a:r>
-              <a:rPr lang="en-US" sz="2900">
-                <a:ln>
-                  <a:solidFill>
-                    <a:schemeClr val="bg1">
-                      <a:lumMod val="75000"/>
-                      <a:lumOff val="25000"/>
-                      <a:alpha val="10000"/>
-                    </a:schemeClr>
-                  </a:solidFill>
-                </a:ln>
-                <a:solidFill>
-                  <a:schemeClr val="tx2"/>
-                </a:solidFill>
-                <a:effectLst>
-                  <a:outerShdw blurRad="9525" dist="25400" dir="14640000" algn="tl" rotWithShape="0">
-                    <a:schemeClr val="bg1">
-                      <a:alpha val="30000"/>
-                    </a:schemeClr>
-                  </a:outerShdw>
-                </a:effectLst>
-                <a:latin typeface="+mj-lt"/>
-                <a:ea typeface="+mj-ea"/>
-              </a:rPr>
-              <a:t>Urban Transportation</a:t>
-            </a:r>
-            <a:endParaRPr lang="en-US" sz="2900" dirty="0">
-              <a:ln>
-                <a:solidFill>
-                  <a:schemeClr val="bg1">
-                    <a:lumMod val="75000"/>
-                    <a:lumOff val="25000"/>
-                    <a:alpha val="10000"/>
-                  </a:schemeClr>
-                </a:solidFill>
-              </a:ln>
-              <a:solidFill>
-                <a:schemeClr val="tx2"/>
-              </a:solidFill>
-              <a:effectLst>
-                <a:outerShdw blurRad="9525" dist="25400" dir="14640000" algn="tl" rotWithShape="0">
-                  <a:schemeClr val="bg1">
-                    <a:alpha val="30000"/>
-                  </a:schemeClr>
-                </a:outerShdw>
-              </a:effectLst>
-              <a:latin typeface="+mj-lt"/>
-              <a:ea typeface="+mj-ea"/>
-            </a:endParaRPr>
+              <a:t>GEO 330 Sustainable Urban Transportation</a:t>
+            </a:r>
           </a:p>
           <a:p>
             <a:pPr defTabSz="457200">
@@ -7247,7 +7199,7 @@
                 <a:ea typeface="+mn-ea"/>
                 <a:cs typeface="+mn-cs"/>
               </a:rPr>
-              <a:t>GEO 3330 Sustainable Urban Transportation</a:t>
+              <a:t>GEO 330 Sustainable Urban Transportation</a:t>
             </a:r>
           </a:p>
           <a:p>
@@ -8068,7 +8020,7 @@
                 <a:ea typeface="+mn-ea"/>
                 <a:cs typeface="+mn-cs"/>
               </a:rPr>
-              <a:t>GEO 3330 Sustainable Urban Transportation</a:t>
+              <a:t>GEO 330 Sustainable Urban Transportation</a:t>
             </a:r>
           </a:p>
           <a:p>
@@ -8300,7 +8252,7 @@
         <p:spPr>
           <a:xfrm>
             <a:off x="4845126" y="5003101"/>
-            <a:ext cx="7143049" cy="677108"/>
+            <a:ext cx="7143049" cy="954107"/>
           </a:xfrm>
           <a:prstGeom prst="rect">
             <a:avLst/>
@@ -8345,7 +8297,7 @@
                 <a:ea typeface="+mn-ea"/>
                 <a:cs typeface="+mn-cs"/>
               </a:rPr>
-              <a:t>What trends do you notice over </a:t>
+              <a:t>What commuting trends do you notice over </a:t>
             </a:r>
             <a:r>
               <a:rPr kumimoji="0" lang="en-US" altLang="en-US" sz="1800" b="1" i="0" u="none" strike="noStrike" kern="1200" cap="none" spc="0" normalizeH="0" baseline="0" noProof="0" dirty="0" err="1">
@@ -8371,7 +8323,7 @@
                 </a:solidFill>
                 <a:latin typeface="Calisto MT" panose="02040603050505030304"/>
               </a:rPr>
-              <a:t>e past decade</a:t>
+              <a:t>e past decade in your selected region</a:t>
             </a:r>
             <a:r>
               <a:rPr kumimoji="0" lang="en-US" altLang="en-US" sz="1800" b="1" i="0" u="none" strike="noStrike" kern="1200" cap="none" spc="0" normalizeH="0" baseline="0" noProof="0" dirty="0">
@@ -8682,7 +8634,7 @@
                 <a:ea typeface="+mn-ea"/>
                 <a:cs typeface="+mn-cs"/>
               </a:rPr>
-              <a:t>GEO 3330 Sustainable Urban Transportation</a:t>
+              <a:t>GEO 330 Sustainable Urban Transportation</a:t>
             </a:r>
           </a:p>
           <a:p>
@@ -9111,7 +9063,7 @@
           <p:nvPr>
             <p:extLst>
               <p:ext uri="{D42A27DB-BD31-4B8C-83A1-F6EECF244321}">
-                <p14:modId xmlns:p14="http://schemas.microsoft.com/office/powerpoint/2010/main" val="2486810329"/>
+                <p14:modId xmlns:p14="http://schemas.microsoft.com/office/powerpoint/2010/main" val="1407367678"/>
               </p:ext>
             </p:extLst>
           </p:nvPr>
@@ -9177,7 +9129,7 @@
                     <a:p>
                       <a:r>
                         <a:rPr lang="en-US" dirty="0"/>
-                        <a:t>Division</a:t>
+                        <a:t>State</a:t>
                       </a:r>
                     </a:p>
                   </a:txBody>
@@ -9190,7 +9142,7 @@
                     <a:p>
                       <a:r>
                         <a:rPr lang="en-US" dirty="0"/>
-                        <a:t>State</a:t>
+                        <a:t>Division</a:t>
                       </a:r>
                     </a:p>
                   </a:txBody>
@@ -10194,7 +10146,13 @@
           <p:cNvGraphicFramePr>
             <a:graphicFrameLocks noGrp="1"/>
           </p:cNvGraphicFramePr>
-          <p:nvPr/>
+          <p:nvPr>
+            <p:extLst>
+              <p:ext uri="{D42A27DB-BD31-4B8C-83A1-F6EECF244321}">
+                <p14:modId xmlns:p14="http://schemas.microsoft.com/office/powerpoint/2010/main" val="968814061"/>
+              </p:ext>
+            </p:extLst>
+          </p:nvPr>
         </p:nvGraphicFramePr>
         <p:xfrm>
           <a:off x="4934937" y="730957"/>
@@ -10257,6 +10215,19 @@
                     <a:p>
                       <a:r>
                         <a:rPr lang="en-US" dirty="0"/>
+                        <a:t>State</a:t>
+                      </a:r>
+                    </a:p>
+                  </a:txBody>
+                  <a:tcPr/>
+                </a:tc>
+                <a:tc>
+                  <a:txBody>
+                    <a:bodyPr/>
+                    <a:lstStyle/>
+                    <a:p>
+                      <a:r>
+                        <a:rPr lang="en-US" dirty="0"/>
                         <a:t>Division</a:t>
                       </a:r>
                     </a:p>
@@ -10270,20 +10241,7 @@
                     <a:p>
                       <a:r>
                         <a:rPr lang="en-US" dirty="0"/>
-                        <a:t>State</a:t>
-                      </a:r>
-                    </a:p>
-                  </a:txBody>
-                  <a:tcPr/>
-                </a:tc>
-                <a:tc>
-                  <a:txBody>
-                    <a:bodyPr/>
-                    <a:lstStyle/>
-                    <a:p>
-                      <a:r>
-                        <a:rPr lang="en-US" dirty="0"/>
-                        <a:t>Walk Share</a:t>
+                        <a:t>Bicycle Share</a:t>
                       </a:r>
                     </a:p>
                   </a:txBody>
@@ -10840,7 +10798,7 @@
                 <a:ea typeface="+mn-ea"/>
                 <a:cs typeface="+mn-cs"/>
               </a:rPr>
-              <a:t>GEO 3330 Sustainable Urban Transportation</a:t>
+              <a:t>GEO 330 Sustainable Urban Transportation</a:t>
             </a:r>
           </a:p>
           <a:p>
@@ -11102,7 +11060,7 @@
                 <a:ea typeface="+mn-ea"/>
                 <a:cs typeface="+mn-cs"/>
               </a:rPr>
-              <a:t>GEO 3330 Sustainable Urban Transportation</a:t>
+              <a:t>GEO 330 Sustainable Urban Transportation</a:t>
             </a:r>
           </a:p>
           <a:p>
@@ -11522,7 +11480,13 @@
           <p:cNvGraphicFramePr>
             <a:graphicFrameLocks noGrp="1"/>
           </p:cNvGraphicFramePr>
-          <p:nvPr/>
+          <p:nvPr>
+            <p:extLst>
+              <p:ext uri="{D42A27DB-BD31-4B8C-83A1-F6EECF244321}">
+                <p14:modId xmlns:p14="http://schemas.microsoft.com/office/powerpoint/2010/main" val="556558720"/>
+              </p:ext>
+            </p:extLst>
+          </p:nvPr>
         </p:nvGraphicFramePr>
         <p:xfrm>
           <a:off x="4934937" y="730957"/>
@@ -11585,6 +11549,19 @@
                     <a:p>
                       <a:r>
                         <a:rPr lang="en-US" dirty="0"/>
+                        <a:t>State</a:t>
+                      </a:r>
+                    </a:p>
+                  </a:txBody>
+                  <a:tcPr/>
+                </a:tc>
+                <a:tc>
+                  <a:txBody>
+                    <a:bodyPr/>
+                    <a:lstStyle/>
+                    <a:p>
+                      <a:r>
+                        <a:rPr lang="en-US" dirty="0"/>
                         <a:t>Division</a:t>
                       </a:r>
                     </a:p>
@@ -11598,20 +11575,7 @@
                     <a:p>
                       <a:r>
                         <a:rPr lang="en-US" dirty="0"/>
-                        <a:t>State</a:t>
-                      </a:r>
-                    </a:p>
-                  </a:txBody>
-                  <a:tcPr/>
-                </a:tc>
-                <a:tc>
-                  <a:txBody>
-                    <a:bodyPr/>
-                    <a:lstStyle/>
-                    <a:p>
-                      <a:r>
-                        <a:rPr lang="en-US" dirty="0"/>
-                        <a:t>Walk Share</a:t>
+                        <a:t>Transit Share</a:t>
                       </a:r>
                     </a:p>
                   </a:txBody>
@@ -12646,7 +12610,13 @@
           <p:cNvGraphicFramePr>
             <a:graphicFrameLocks noGrp="1"/>
           </p:cNvGraphicFramePr>
-          <p:nvPr/>
+          <p:nvPr>
+            <p:extLst>
+              <p:ext uri="{D42A27DB-BD31-4B8C-83A1-F6EECF244321}">
+                <p14:modId xmlns:p14="http://schemas.microsoft.com/office/powerpoint/2010/main" val="3914244150"/>
+              </p:ext>
+            </p:extLst>
+          </p:nvPr>
         </p:nvGraphicFramePr>
         <p:xfrm>
           <a:off x="4934937" y="730957"/>
@@ -12709,6 +12679,19 @@
                     <a:p>
                       <a:r>
                         <a:rPr lang="en-US" dirty="0"/>
+                        <a:t>State</a:t>
+                      </a:r>
+                    </a:p>
+                  </a:txBody>
+                  <a:tcPr/>
+                </a:tc>
+                <a:tc>
+                  <a:txBody>
+                    <a:bodyPr/>
+                    <a:lstStyle/>
+                    <a:p>
+                      <a:r>
+                        <a:rPr lang="en-US" dirty="0"/>
                         <a:t>Division</a:t>
                       </a:r>
                     </a:p>
@@ -12722,20 +12705,7 @@
                     <a:p>
                       <a:r>
                         <a:rPr lang="en-US" dirty="0"/>
-                        <a:t>State</a:t>
-                      </a:r>
-                    </a:p>
-                  </a:txBody>
-                  <a:tcPr/>
-                </a:tc>
-                <a:tc>
-                  <a:txBody>
-                    <a:bodyPr/>
-                    <a:lstStyle/>
-                    <a:p>
-                      <a:r>
-                        <a:rPr lang="en-US" dirty="0"/>
-                        <a:t>Walk Share</a:t>
+                        <a:t>Home Share</a:t>
                       </a:r>
                     </a:p>
                   </a:txBody>
@@ -13292,7 +13262,7 @@
                 <a:ea typeface="+mn-ea"/>
                 <a:cs typeface="+mn-cs"/>
               </a:rPr>
-              <a:t>GEO 3330 Sustainable Urban Transportation</a:t>
+              <a:t>GEO 330 Sustainable Urban Transportation</a:t>
             </a:r>
           </a:p>
           <a:p>
@@ -13349,6 +13319,123 @@
     <p:extLst>
       <p:ext uri="{BB962C8B-B14F-4D97-AF65-F5344CB8AC3E}">
         <p14:creationId xmlns:p14="http://schemas.microsoft.com/office/powerpoint/2010/main" val="925576105"/>
+      </p:ext>
+    </p:extLst>
+  </p:cSld>
+  <p:clrMapOvr>
+    <a:masterClrMapping/>
+  </p:clrMapOvr>
+</p:sld>
+</file>
+
+<file path=ppt/slides/slide8.xml><?xml version="1.0" encoding="utf-8"?>
+<p:sld xmlns:a="http://schemas.openxmlformats.org/drawingml/2006/main" xmlns:r="http://schemas.openxmlformats.org/officeDocument/2006/relationships" xmlns:p="http://schemas.openxmlformats.org/presentationml/2006/main">
+  <p:cSld>
+    <p:bg>
+      <p:bgPr>
+        <a:blipFill rotWithShape="1">
+          <a:blip r:embed="rId2">
+            <a:duotone>
+              <a:schemeClr val="bg1">
+                <a:shade val="80000"/>
+                <a:lumMod val="80000"/>
+              </a:schemeClr>
+              <a:schemeClr val="bg1">
+                <a:tint val="98000"/>
+              </a:schemeClr>
+            </a:duotone>
+          </a:blip>
+          <a:stretch/>
+        </a:blipFill>
+        <a:effectLst/>
+      </p:bgPr>
+    </p:bg>
+    <p:spTree>
+      <p:nvGrpSpPr>
+        <p:cNvPr id="1" name=""/>
+        <p:cNvGrpSpPr/>
+        <p:nvPr/>
+      </p:nvGrpSpPr>
+      <p:grpSpPr>
+        <a:xfrm>
+          <a:off x="0" y="0"/>
+          <a:ext cx="0" cy="0"/>
+          <a:chOff x="0" y="0"/>
+          <a:chExt cx="0" cy="0"/>
+        </a:xfrm>
+      </p:grpSpPr>
+      <p:sp>
+        <p:nvSpPr>
+          <p:cNvPr id="5" name="TextBox 4">
+            <a:extLst>
+              <a:ext uri="{FF2B5EF4-FFF2-40B4-BE49-F238E27FC236}">
+                <a16:creationId xmlns:a16="http://schemas.microsoft.com/office/drawing/2014/main" id="{DF43B869-E6A4-406B-24AF-C0477DB7A457}"/>
+              </a:ext>
+            </a:extLst>
+          </p:cNvPr>
+          <p:cNvSpPr txBox="1"/>
+          <p:nvPr/>
+        </p:nvSpPr>
+        <p:spPr>
+          <a:xfrm>
+            <a:off x="0" y="115994"/>
+            <a:ext cx="4457700" cy="2862322"/>
+          </a:xfrm>
+          <a:prstGeom prst="rect">
+            <a:avLst/>
+          </a:prstGeom>
+          <a:noFill/>
+        </p:spPr>
+        <p:txBody>
+          <a:bodyPr wrap="square" rtlCol="0">
+            <a:spAutoFit/>
+          </a:bodyPr>
+          <a:lstStyle/>
+          <a:p>
+            <a:r>
+              <a:rPr lang="en-US" dirty="0">
+                <a:latin typeface="+mj-lt"/>
+                <a:cs typeface="Courier New" panose="02070309020205020404" pitchFamily="49" charset="0"/>
+              </a:rPr>
+              <a:t>Use this slide to create an annotated mockup of a sustainable urban transportation dashboard.</a:t>
+            </a:r>
+          </a:p>
+          <a:p>
+            <a:endParaRPr lang="en-US" dirty="0">
+              <a:latin typeface="+mj-lt"/>
+              <a:cs typeface="Courier New" panose="02070309020205020404" pitchFamily="49" charset="0"/>
+            </a:endParaRPr>
+          </a:p>
+          <a:p>
+            <a:r>
+              <a:rPr lang="en-US" dirty="0">
+                <a:latin typeface="+mj-lt"/>
+                <a:cs typeface="Courier New" panose="02070309020205020404" pitchFamily="49" charset="0"/>
+              </a:rPr>
+              <a:t>What types of indicators, data, or other information would you include on the dashboard?</a:t>
+            </a:r>
+          </a:p>
+          <a:p>
+            <a:endParaRPr lang="en-US" dirty="0">
+              <a:latin typeface="+mj-lt"/>
+              <a:cs typeface="Courier New" panose="02070309020205020404" pitchFamily="49" charset="0"/>
+            </a:endParaRPr>
+          </a:p>
+          <a:p>
+            <a:r>
+              <a:rPr lang="en-US" dirty="0">
+                <a:latin typeface="+mj-lt"/>
+                <a:cs typeface="Courier New" panose="02070309020205020404" pitchFamily="49" charset="0"/>
+              </a:rPr>
+              <a:t>Who do you think would benefit from using the dashboard?</a:t>
+            </a:r>
+          </a:p>
+        </p:txBody>
+      </p:sp>
+    </p:spTree>
+    <p:extLst>
+      <p:ext uri="{BB962C8B-B14F-4D97-AF65-F5344CB8AC3E}">
+        <p14:creationId xmlns:p14="http://schemas.microsoft.com/office/powerpoint/2010/main" val="1306908851"/>
       </p:ext>
     </p:extLst>
   </p:cSld>

--- a/GEO330_2024_WinterQuarter/exercises/Exercise_01/slides/Exercise01_Template.pptx
+++ b/GEO330_2024_WinterQuarter/exercises/Exercise_01/slides/Exercise01_Template.pptx
@@ -5,14 +5,14 @@
     <p:sldMasterId id="2147483660" r:id="rId1"/>
   </p:sldMasterIdLst>
   <p:sldIdLst>
-    <p:sldId id="256" r:id="rId2"/>
-    <p:sldId id="259" r:id="rId3"/>
-    <p:sldId id="262" r:id="rId4"/>
-    <p:sldId id="260" r:id="rId5"/>
-    <p:sldId id="261" r:id="rId6"/>
-    <p:sldId id="263" r:id="rId7"/>
-    <p:sldId id="264" r:id="rId8"/>
-    <p:sldId id="265" r:id="rId9"/>
+    <p:sldId id="262" r:id="rId2"/>
+    <p:sldId id="268" r:id="rId3"/>
+    <p:sldId id="261" r:id="rId4"/>
+    <p:sldId id="269" r:id="rId5"/>
+    <p:sldId id="256" r:id="rId6"/>
+    <p:sldId id="259" r:id="rId7"/>
+    <p:sldId id="265" r:id="rId8"/>
+    <p:sldId id="270" r:id="rId9"/>
   </p:sldIdLst>
   <p:sldSz cx="12192000" cy="6858000"/>
   <p:notesSz cx="6858000" cy="9144000"/>
@@ -122,44 +122,13 @@
 <file path=ppt/revisionInfo.xml><?xml version="1.0" encoding="utf-8"?>
 <p1510:revInfo xmlns:a="http://schemas.openxmlformats.org/drawingml/2006/main" xmlns:r="http://schemas.openxmlformats.org/officeDocument/2006/relationships" xmlns:p1510="http://schemas.microsoft.com/office/powerpoint/2015/10/main">
   <p1510:revLst>
-    <p1510:client id="{002B33B7-3C81-4108-9EA0-0F44EEBD009D}" v="17" dt="2023-01-12T23:34:32.600"/>
+    <p1510:client id="{5452D59E-8A69-4B41-8A86-DF47BCF9526C}" v="5" dt="2024-01-11T10:03:11.206"/>
   </p1510:revLst>
 </p1510:revInfo>
 </file>
 
 <file path=ppt/changesInfos/changesInfo1.xml><?xml version="1.0" encoding="utf-8"?>
 <pc:chgInfo xmlns:a="http://schemas.openxmlformats.org/drawingml/2006/main" xmlns:r="http://schemas.openxmlformats.org/officeDocument/2006/relationships" xmlns:ac="http://schemas.microsoft.com/office/drawing/2013/main/command" xmlns:pc="http://schemas.microsoft.com/office/powerpoint/2013/main/command">
-  <pc:docChgLst>
-    <pc:chgData name="Smith, Christopher" userId="55859027-47ff-4ec1-a263-656b30aeb6f0" providerId="ADAL" clId="{FA5F1705-F812-41BF-8D57-C7930690349D}"/>
-    <pc:docChg chg="addSld modSld sldOrd">
-      <pc:chgData name="Smith, Christopher" userId="55859027-47ff-4ec1-a263-656b30aeb6f0" providerId="ADAL" clId="{FA5F1705-F812-41BF-8D57-C7930690349D}" dt="2022-10-12T21:16:12.066" v="4" actId="1076"/>
-      <pc:docMkLst>
-        <pc:docMk/>
-      </pc:docMkLst>
-      <pc:sldChg chg="addSp modSp mod">
-        <pc:chgData name="Smith, Christopher" userId="55859027-47ff-4ec1-a263-656b30aeb6f0" providerId="ADAL" clId="{FA5F1705-F812-41BF-8D57-C7930690349D}" dt="2022-10-12T21:16:12.066" v="4" actId="1076"/>
-        <pc:sldMkLst>
-          <pc:docMk/>
-          <pc:sldMk cId="1953362540" sldId="256"/>
-        </pc:sldMkLst>
-        <pc:picChg chg="add mod">
-          <ac:chgData name="Smith, Christopher" userId="55859027-47ff-4ec1-a263-656b30aeb6f0" providerId="ADAL" clId="{FA5F1705-F812-41BF-8D57-C7930690349D}" dt="2022-10-12T21:16:12.066" v="4" actId="1076"/>
-          <ac:picMkLst>
-            <pc:docMk/>
-            <pc:sldMk cId="1953362540" sldId="256"/>
-            <ac:picMk id="3" creationId="{B7912C42-1918-4A78-5B74-8B5B149E2F82}"/>
-          </ac:picMkLst>
-        </pc:picChg>
-      </pc:sldChg>
-      <pc:sldChg chg="add ord">
-        <pc:chgData name="Smith, Christopher" userId="55859027-47ff-4ec1-a263-656b30aeb6f0" providerId="ADAL" clId="{FA5F1705-F812-41BF-8D57-C7930690349D}" dt="2022-10-12T20:57:06.962" v="2"/>
-        <pc:sldMkLst>
-          <pc:docMk/>
-          <pc:sldMk cId="1657430444" sldId="267"/>
-        </pc:sldMkLst>
-      </pc:sldChg>
-    </pc:docChg>
-  </pc:docChgLst>
   <pc:docChgLst>
     <pc:chgData name="Smith, Christopher" userId="55859027-47ff-4ec1-a263-656b30aeb6f0" providerId="ADAL" clId="{002B33B7-3C81-4108-9EA0-0F44EEBD009D}"/>
     <pc:docChg chg="custSel addSld delSld modSld sldOrd">
@@ -568,6 +537,336 @@
       </pc:sldChg>
     </pc:docChg>
   </pc:docChgLst>
+  <pc:docChgLst>
+    <pc:chgData name="Smith, Christopher" userId="f635bcaf-d701-437b-bffd-1a8f160c01d9" providerId="ADAL" clId="{5452D59E-8A69-4B41-8A86-DF47BCF9526C}"/>
+    <pc:docChg chg="undo custSel addSld delSld modSld sldOrd">
+      <pc:chgData name="Smith, Christopher" userId="f635bcaf-d701-437b-bffd-1a8f160c01d9" providerId="ADAL" clId="{5452D59E-8A69-4B41-8A86-DF47BCF9526C}" dt="2024-01-11T10:03:46.303" v="1044" actId="554"/>
+      <pc:docMkLst>
+        <pc:docMk/>
+      </pc:docMkLst>
+      <pc:sldChg chg="modSp mod">
+        <pc:chgData name="Smith, Christopher" userId="f635bcaf-d701-437b-bffd-1a8f160c01d9" providerId="ADAL" clId="{5452D59E-8A69-4B41-8A86-DF47BCF9526C}" dt="2024-01-11T09:44:20.434" v="604" actId="20577"/>
+        <pc:sldMkLst>
+          <pc:docMk/>
+          <pc:sldMk cId="1953362540" sldId="256"/>
+        </pc:sldMkLst>
+        <pc:spChg chg="mod">
+          <ac:chgData name="Smith, Christopher" userId="f635bcaf-d701-437b-bffd-1a8f160c01d9" providerId="ADAL" clId="{5452D59E-8A69-4B41-8A86-DF47BCF9526C}" dt="2024-01-11T09:44:20.434" v="604" actId="20577"/>
+          <ac:spMkLst>
+            <pc:docMk/>
+            <pc:sldMk cId="1953362540" sldId="256"/>
+            <ac:spMk id="11" creationId="{89BA7AD5-915D-404C-85FE-4A0CC7F14065}"/>
+          </ac:spMkLst>
+        </pc:spChg>
+      </pc:sldChg>
+      <pc:sldChg chg="modSp mod">
+        <pc:chgData name="Smith, Christopher" userId="f635bcaf-d701-437b-bffd-1a8f160c01d9" providerId="ADAL" clId="{5452D59E-8A69-4B41-8A86-DF47BCF9526C}" dt="2024-01-11T09:44:30.549" v="615" actId="20577"/>
+        <pc:sldMkLst>
+          <pc:docMk/>
+          <pc:sldMk cId="2074702340" sldId="259"/>
+        </pc:sldMkLst>
+        <pc:spChg chg="mod">
+          <ac:chgData name="Smith, Christopher" userId="f635bcaf-d701-437b-bffd-1a8f160c01d9" providerId="ADAL" clId="{5452D59E-8A69-4B41-8A86-DF47BCF9526C}" dt="2024-01-11T09:44:30.549" v="615" actId="20577"/>
+          <ac:spMkLst>
+            <pc:docMk/>
+            <pc:sldMk cId="2074702340" sldId="259"/>
+            <ac:spMk id="11" creationId="{89BA7AD5-915D-404C-85FE-4A0CC7F14065}"/>
+          </ac:spMkLst>
+        </pc:spChg>
+      </pc:sldChg>
+      <pc:sldChg chg="modSp del mod">
+        <pc:chgData name="Smith, Christopher" userId="f635bcaf-d701-437b-bffd-1a8f160c01d9" providerId="ADAL" clId="{5452D59E-8A69-4B41-8A86-DF47BCF9526C}" dt="2024-01-11T09:15:06.532" v="498" actId="47"/>
+        <pc:sldMkLst>
+          <pc:docMk/>
+          <pc:sldMk cId="961719187" sldId="260"/>
+        </pc:sldMkLst>
+        <pc:spChg chg="mod">
+          <ac:chgData name="Smith, Christopher" userId="f635bcaf-d701-437b-bffd-1a8f160c01d9" providerId="ADAL" clId="{5452D59E-8A69-4B41-8A86-DF47BCF9526C}" dt="2024-01-11T09:07:53.874" v="91" actId="14100"/>
+          <ac:spMkLst>
+            <pc:docMk/>
+            <pc:sldMk cId="961719187" sldId="260"/>
+            <ac:spMk id="9" creationId="{D87AC69C-C6CC-4FAB-A999-6457ACC399A4}"/>
+          </ac:spMkLst>
+        </pc:spChg>
+      </pc:sldChg>
+      <pc:sldChg chg="modSp mod ord">
+        <pc:chgData name="Smith, Christopher" userId="f635bcaf-d701-437b-bffd-1a8f160c01d9" providerId="ADAL" clId="{5452D59E-8A69-4B41-8A86-DF47BCF9526C}" dt="2024-01-11T09:38:09.380" v="585"/>
+        <pc:sldMkLst>
+          <pc:docMk/>
+          <pc:sldMk cId="829931341" sldId="261"/>
+        </pc:sldMkLst>
+        <pc:spChg chg="mod">
+          <ac:chgData name="Smith, Christopher" userId="f635bcaf-d701-437b-bffd-1a8f160c01d9" providerId="ADAL" clId="{5452D59E-8A69-4B41-8A86-DF47BCF9526C}" dt="2024-01-11T09:17:14.537" v="573" actId="20577"/>
+          <ac:spMkLst>
+            <pc:docMk/>
+            <pc:sldMk cId="829931341" sldId="261"/>
+            <ac:spMk id="9" creationId="{D87AC69C-C6CC-4FAB-A999-6457ACC399A4}"/>
+          </ac:spMkLst>
+        </pc:spChg>
+        <pc:graphicFrameChg chg="modGraphic">
+          <ac:chgData name="Smith, Christopher" userId="f635bcaf-d701-437b-bffd-1a8f160c01d9" providerId="ADAL" clId="{5452D59E-8A69-4B41-8A86-DF47BCF9526C}" dt="2024-01-11T09:26:04.249" v="579" actId="20577"/>
+          <ac:graphicFrameMkLst>
+            <pc:docMk/>
+            <pc:sldMk cId="829931341" sldId="261"/>
+            <ac:graphicFrameMk id="2" creationId="{32C6692F-134E-0677-6DC5-05584379AE03}"/>
+          </ac:graphicFrameMkLst>
+        </pc:graphicFrameChg>
+      </pc:sldChg>
+      <pc:sldChg chg="modSp mod ord">
+        <pc:chgData name="Smith, Christopher" userId="f635bcaf-d701-437b-bffd-1a8f160c01d9" providerId="ADAL" clId="{5452D59E-8A69-4B41-8A86-DF47BCF9526C}" dt="2024-01-11T09:16:39.873" v="562" actId="20577"/>
+        <pc:sldMkLst>
+          <pc:docMk/>
+          <pc:sldMk cId="2132968020" sldId="262"/>
+        </pc:sldMkLst>
+        <pc:spChg chg="mod">
+          <ac:chgData name="Smith, Christopher" userId="f635bcaf-d701-437b-bffd-1a8f160c01d9" providerId="ADAL" clId="{5452D59E-8A69-4B41-8A86-DF47BCF9526C}" dt="2024-01-11T09:16:39.873" v="562" actId="20577"/>
+          <ac:spMkLst>
+            <pc:docMk/>
+            <pc:sldMk cId="2132968020" sldId="262"/>
+            <ac:spMk id="9" creationId="{D87AC69C-C6CC-4FAB-A999-6457ACC399A4}"/>
+          </ac:spMkLst>
+        </pc:spChg>
+        <pc:spChg chg="mod">
+          <ac:chgData name="Smith, Christopher" userId="f635bcaf-d701-437b-bffd-1a8f160c01d9" providerId="ADAL" clId="{5452D59E-8A69-4B41-8A86-DF47BCF9526C}" dt="2024-01-11T09:06:39.251" v="77"/>
+          <ac:spMkLst>
+            <pc:docMk/>
+            <pc:sldMk cId="2132968020" sldId="262"/>
+            <ac:spMk id="11" creationId="{89BA7AD5-915D-404C-85FE-4A0CC7F14065}"/>
+          </ac:spMkLst>
+        </pc:spChg>
+      </pc:sldChg>
+      <pc:sldChg chg="modSp del mod">
+        <pc:chgData name="Smith, Christopher" userId="f635bcaf-d701-437b-bffd-1a8f160c01d9" providerId="ADAL" clId="{5452D59E-8A69-4B41-8A86-DF47BCF9526C}" dt="2024-01-11T09:15:11.062" v="499" actId="47"/>
+        <pc:sldMkLst>
+          <pc:docMk/>
+          <pc:sldMk cId="96501223" sldId="263"/>
+        </pc:sldMkLst>
+        <pc:spChg chg="mod">
+          <ac:chgData name="Smith, Christopher" userId="f635bcaf-d701-437b-bffd-1a8f160c01d9" providerId="ADAL" clId="{5452D59E-8A69-4B41-8A86-DF47BCF9526C}" dt="2024-01-11T09:08:33.265" v="116" actId="14100"/>
+          <ac:spMkLst>
+            <pc:docMk/>
+            <pc:sldMk cId="96501223" sldId="263"/>
+            <ac:spMk id="9" creationId="{D87AC69C-C6CC-4FAB-A999-6457ACC399A4}"/>
+          </ac:spMkLst>
+        </pc:spChg>
+      </pc:sldChg>
+      <pc:sldChg chg="modSp del mod">
+        <pc:chgData name="Smith, Christopher" userId="f635bcaf-d701-437b-bffd-1a8f160c01d9" providerId="ADAL" clId="{5452D59E-8A69-4B41-8A86-DF47BCF9526C}" dt="2024-01-11T09:15:41.932" v="513" actId="47"/>
+        <pc:sldMkLst>
+          <pc:docMk/>
+          <pc:sldMk cId="925576105" sldId="264"/>
+        </pc:sldMkLst>
+        <pc:spChg chg="mod">
+          <ac:chgData name="Smith, Christopher" userId="f635bcaf-d701-437b-bffd-1a8f160c01d9" providerId="ADAL" clId="{5452D59E-8A69-4B41-8A86-DF47BCF9526C}" dt="2024-01-11T09:15:19.768" v="508" actId="20577"/>
+          <ac:spMkLst>
+            <pc:docMk/>
+            <pc:sldMk cId="925576105" sldId="264"/>
+            <ac:spMk id="9" creationId="{D87AC69C-C6CC-4FAB-A999-6457ACC399A4}"/>
+          </ac:spMkLst>
+        </pc:spChg>
+      </pc:sldChg>
+      <pc:sldChg chg="addSp modSp mod">
+        <pc:chgData name="Smith, Christopher" userId="f635bcaf-d701-437b-bffd-1a8f160c01d9" providerId="ADAL" clId="{5452D59E-8A69-4B41-8A86-DF47BCF9526C}" dt="2024-01-11T10:03:46.303" v="1044" actId="554"/>
+        <pc:sldMkLst>
+          <pc:docMk/>
+          <pc:sldMk cId="1306908851" sldId="265"/>
+        </pc:sldMkLst>
+        <pc:spChg chg="mod">
+          <ac:chgData name="Smith, Christopher" userId="f635bcaf-d701-437b-bffd-1a8f160c01d9" providerId="ADAL" clId="{5452D59E-8A69-4B41-8A86-DF47BCF9526C}" dt="2024-01-11T10:02:43.026" v="1035" actId="20577"/>
+          <ac:spMkLst>
+            <pc:docMk/>
+            <pc:sldMk cId="1306908851" sldId="265"/>
+            <ac:spMk id="5" creationId="{DF43B869-E6A4-406B-24AF-C0477DB7A457}"/>
+          </ac:spMkLst>
+        </pc:spChg>
+        <pc:picChg chg="add mod">
+          <ac:chgData name="Smith, Christopher" userId="f635bcaf-d701-437b-bffd-1a8f160c01d9" providerId="ADAL" clId="{5452D59E-8A69-4B41-8A86-DF47BCF9526C}" dt="2024-01-11T10:01:23.627" v="942" actId="1076"/>
+          <ac:picMkLst>
+            <pc:docMk/>
+            <pc:sldMk cId="1306908851" sldId="265"/>
+            <ac:picMk id="3" creationId="{6E57148D-1021-EEA1-4D82-C0E62F3B0331}"/>
+          </ac:picMkLst>
+        </pc:picChg>
+        <pc:picChg chg="add mod">
+          <ac:chgData name="Smith, Christopher" userId="f635bcaf-d701-437b-bffd-1a8f160c01d9" providerId="ADAL" clId="{5452D59E-8A69-4B41-8A86-DF47BCF9526C}" dt="2024-01-11T10:03:46.303" v="1044" actId="554"/>
+          <ac:picMkLst>
+            <pc:docMk/>
+            <pc:sldMk cId="1306908851" sldId="265"/>
+            <ac:picMk id="6" creationId="{5A1CD3C8-BE06-9034-0BDA-96454933867E}"/>
+          </ac:picMkLst>
+        </pc:picChg>
+        <pc:picChg chg="add mod">
+          <ac:chgData name="Smith, Christopher" userId="f635bcaf-d701-437b-bffd-1a8f160c01d9" providerId="ADAL" clId="{5452D59E-8A69-4B41-8A86-DF47BCF9526C}" dt="2024-01-11T10:01:23.627" v="942" actId="1076"/>
+          <ac:picMkLst>
+            <pc:docMk/>
+            <pc:sldMk cId="1306908851" sldId="265"/>
+            <ac:picMk id="8" creationId="{00F2B1FC-9A3D-9E15-D513-A56C53852979}"/>
+          </ac:picMkLst>
+        </pc:picChg>
+        <pc:picChg chg="add mod">
+          <ac:chgData name="Smith, Christopher" userId="f635bcaf-d701-437b-bffd-1a8f160c01d9" providerId="ADAL" clId="{5452D59E-8A69-4B41-8A86-DF47BCF9526C}" dt="2024-01-11T10:01:23.627" v="942" actId="1076"/>
+          <ac:picMkLst>
+            <pc:docMk/>
+            <pc:sldMk cId="1306908851" sldId="265"/>
+            <ac:picMk id="10" creationId="{657F7B07-646E-655D-7334-C0E17EEA40E4}"/>
+          </ac:picMkLst>
+        </pc:picChg>
+        <pc:picChg chg="add mod modCrop">
+          <ac:chgData name="Smith, Christopher" userId="f635bcaf-d701-437b-bffd-1a8f160c01d9" providerId="ADAL" clId="{5452D59E-8A69-4B41-8A86-DF47BCF9526C}" dt="2024-01-11T10:03:24.514" v="1040" actId="1076"/>
+          <ac:picMkLst>
+            <pc:docMk/>
+            <pc:sldMk cId="1306908851" sldId="265"/>
+            <ac:picMk id="12" creationId="{5654E116-125E-D9F9-D81A-BD14179D994D}"/>
+          </ac:picMkLst>
+        </pc:picChg>
+        <pc:picChg chg="add mod">
+          <ac:chgData name="Smith, Christopher" userId="f635bcaf-d701-437b-bffd-1a8f160c01d9" providerId="ADAL" clId="{5452D59E-8A69-4B41-8A86-DF47BCF9526C}" dt="2024-01-11T10:03:46.303" v="1044" actId="554"/>
+          <ac:picMkLst>
+            <pc:docMk/>
+            <pc:sldMk cId="1306908851" sldId="265"/>
+            <ac:picMk id="14" creationId="{E4670E6A-E1FB-FB72-9493-2D1F40A85F8D}"/>
+          </ac:picMkLst>
+        </pc:picChg>
+      </pc:sldChg>
+      <pc:sldChg chg="addSp delSp add del setBg delDesignElem">
+        <pc:chgData name="Smith, Christopher" userId="f635bcaf-d701-437b-bffd-1a8f160c01d9" providerId="ADAL" clId="{5452D59E-8A69-4B41-8A86-DF47BCF9526C}" dt="2024-01-11T09:15:36.077" v="511"/>
+        <pc:sldMkLst>
+          <pc:docMk/>
+          <pc:sldMk cId="2373751163" sldId="266"/>
+        </pc:sldMkLst>
+        <pc:spChg chg="add del">
+          <ac:chgData name="Smith, Christopher" userId="f635bcaf-d701-437b-bffd-1a8f160c01d9" providerId="ADAL" clId="{5452D59E-8A69-4B41-8A86-DF47BCF9526C}" dt="2024-01-11T09:15:36.077" v="511"/>
+          <ac:spMkLst>
+            <pc:docMk/>
+            <pc:sldMk cId="2373751163" sldId="266"/>
+            <ac:spMk id="10" creationId="{1E70A317-DCED-4E80-AA2D-467D8702E5CB}"/>
+          </ac:spMkLst>
+        </pc:spChg>
+        <pc:spChg chg="add del">
+          <ac:chgData name="Smith, Christopher" userId="f635bcaf-d701-437b-bffd-1a8f160c01d9" providerId="ADAL" clId="{5452D59E-8A69-4B41-8A86-DF47BCF9526C}" dt="2024-01-11T09:15:36.077" v="511"/>
+          <ac:spMkLst>
+            <pc:docMk/>
+            <pc:sldMk cId="2373751163" sldId="266"/>
+            <ac:spMk id="12" creationId="{A6D87845-294F-40CB-BC48-46455460D292}"/>
+          </ac:spMkLst>
+        </pc:spChg>
+      </pc:sldChg>
+      <pc:sldChg chg="add del">
+        <pc:chgData name="Smith, Christopher" userId="f635bcaf-d701-437b-bffd-1a8f160c01d9" providerId="ADAL" clId="{5452D59E-8A69-4B41-8A86-DF47BCF9526C}" dt="2024-01-11T09:17:25.509" v="574" actId="47"/>
+        <pc:sldMkLst>
+          <pc:docMk/>
+          <pc:sldMk cId="2910982529" sldId="266"/>
+        </pc:sldMkLst>
+      </pc:sldChg>
+      <pc:sldChg chg="add del">
+        <pc:chgData name="Smith, Christopher" userId="f635bcaf-d701-437b-bffd-1a8f160c01d9" providerId="ADAL" clId="{5452D59E-8A69-4B41-8A86-DF47BCF9526C}" dt="2024-01-11T09:16:51.812" v="564" actId="47"/>
+        <pc:sldMkLst>
+          <pc:docMk/>
+          <pc:sldMk cId="686732307" sldId="267"/>
+        </pc:sldMkLst>
+      </pc:sldChg>
+      <pc:sldChg chg="add">
+        <pc:chgData name="Smith, Christopher" userId="f635bcaf-d701-437b-bffd-1a8f160c01d9" providerId="ADAL" clId="{5452D59E-8A69-4B41-8A86-DF47BCF9526C}" dt="2024-01-11T09:16:48.077" v="563" actId="2890"/>
+        <pc:sldMkLst>
+          <pc:docMk/>
+          <pc:sldMk cId="554814924" sldId="268"/>
+        </pc:sldMkLst>
+      </pc:sldChg>
+      <pc:sldChg chg="modSp add mod ord">
+        <pc:chgData name="Smith, Christopher" userId="f635bcaf-d701-437b-bffd-1a8f160c01d9" providerId="ADAL" clId="{5452D59E-8A69-4B41-8A86-DF47BCF9526C}" dt="2024-01-11T09:38:11.068" v="587"/>
+        <pc:sldMkLst>
+          <pc:docMk/>
+          <pc:sldMk cId="1035432801" sldId="269"/>
+        </pc:sldMkLst>
+        <pc:graphicFrameChg chg="modGraphic">
+          <ac:chgData name="Smith, Christopher" userId="f635bcaf-d701-437b-bffd-1a8f160c01d9" providerId="ADAL" clId="{5452D59E-8A69-4B41-8A86-DF47BCF9526C}" dt="2024-01-11T09:26:09.473" v="583" actId="20577"/>
+          <ac:graphicFrameMkLst>
+            <pc:docMk/>
+            <pc:sldMk cId="1035432801" sldId="269"/>
+            <ac:graphicFrameMk id="2" creationId="{32C6692F-134E-0677-6DC5-05584379AE03}"/>
+          </ac:graphicFrameMkLst>
+        </pc:graphicFrameChg>
+      </pc:sldChg>
+      <pc:sldChg chg="delSp add mod">
+        <pc:chgData name="Smith, Christopher" userId="f635bcaf-d701-437b-bffd-1a8f160c01d9" providerId="ADAL" clId="{5452D59E-8A69-4B41-8A86-DF47BCF9526C}" dt="2024-01-11T09:50:16.841" v="916" actId="478"/>
+        <pc:sldMkLst>
+          <pc:docMk/>
+          <pc:sldMk cId="2661061613" sldId="270"/>
+        </pc:sldMkLst>
+        <pc:spChg chg="del">
+          <ac:chgData name="Smith, Christopher" userId="f635bcaf-d701-437b-bffd-1a8f160c01d9" providerId="ADAL" clId="{5452D59E-8A69-4B41-8A86-DF47BCF9526C}" dt="2024-01-11T09:50:16.841" v="916" actId="478"/>
+          <ac:spMkLst>
+            <pc:docMk/>
+            <pc:sldMk cId="2661061613" sldId="270"/>
+            <ac:spMk id="5" creationId="{DF43B869-E6A4-406B-24AF-C0477DB7A457}"/>
+          </ac:spMkLst>
+        </pc:spChg>
+        <pc:picChg chg="del">
+          <ac:chgData name="Smith, Christopher" userId="f635bcaf-d701-437b-bffd-1a8f160c01d9" providerId="ADAL" clId="{5452D59E-8A69-4B41-8A86-DF47BCF9526C}" dt="2024-01-11T09:50:16.841" v="916" actId="478"/>
+          <ac:picMkLst>
+            <pc:docMk/>
+            <pc:sldMk cId="2661061613" sldId="270"/>
+            <ac:picMk id="3" creationId="{6E57148D-1021-EEA1-4D82-C0E62F3B0331}"/>
+          </ac:picMkLst>
+        </pc:picChg>
+        <pc:picChg chg="del">
+          <ac:chgData name="Smith, Christopher" userId="f635bcaf-d701-437b-bffd-1a8f160c01d9" providerId="ADAL" clId="{5452D59E-8A69-4B41-8A86-DF47BCF9526C}" dt="2024-01-11T09:50:16.841" v="916" actId="478"/>
+          <ac:picMkLst>
+            <pc:docMk/>
+            <pc:sldMk cId="2661061613" sldId="270"/>
+            <ac:picMk id="6" creationId="{5A1CD3C8-BE06-9034-0BDA-96454933867E}"/>
+          </ac:picMkLst>
+        </pc:picChg>
+        <pc:picChg chg="del">
+          <ac:chgData name="Smith, Christopher" userId="f635bcaf-d701-437b-bffd-1a8f160c01d9" providerId="ADAL" clId="{5452D59E-8A69-4B41-8A86-DF47BCF9526C}" dt="2024-01-11T09:50:16.841" v="916" actId="478"/>
+          <ac:picMkLst>
+            <pc:docMk/>
+            <pc:sldMk cId="2661061613" sldId="270"/>
+            <ac:picMk id="8" creationId="{00F2B1FC-9A3D-9E15-D513-A56C53852979}"/>
+          </ac:picMkLst>
+        </pc:picChg>
+        <pc:picChg chg="del">
+          <ac:chgData name="Smith, Christopher" userId="f635bcaf-d701-437b-bffd-1a8f160c01d9" providerId="ADAL" clId="{5452D59E-8A69-4B41-8A86-DF47BCF9526C}" dt="2024-01-11T09:50:16.841" v="916" actId="478"/>
+          <ac:picMkLst>
+            <pc:docMk/>
+            <pc:sldMk cId="2661061613" sldId="270"/>
+            <ac:picMk id="10" creationId="{657F7B07-646E-655D-7334-C0E17EEA40E4}"/>
+          </ac:picMkLst>
+        </pc:picChg>
+      </pc:sldChg>
+    </pc:docChg>
+  </pc:docChgLst>
+  <pc:docChgLst>
+    <pc:chgData name="Smith, Christopher" userId="55859027-47ff-4ec1-a263-656b30aeb6f0" providerId="ADAL" clId="{FA5F1705-F812-41BF-8D57-C7930690349D}"/>
+    <pc:docChg chg="addSld modSld sldOrd">
+      <pc:chgData name="Smith, Christopher" userId="55859027-47ff-4ec1-a263-656b30aeb6f0" providerId="ADAL" clId="{FA5F1705-F812-41BF-8D57-C7930690349D}" dt="2022-10-12T21:16:12.066" v="4" actId="1076"/>
+      <pc:docMkLst>
+        <pc:docMk/>
+      </pc:docMkLst>
+      <pc:sldChg chg="addSp modSp mod">
+        <pc:chgData name="Smith, Christopher" userId="55859027-47ff-4ec1-a263-656b30aeb6f0" providerId="ADAL" clId="{FA5F1705-F812-41BF-8D57-C7930690349D}" dt="2022-10-12T21:16:12.066" v="4" actId="1076"/>
+        <pc:sldMkLst>
+          <pc:docMk/>
+          <pc:sldMk cId="1953362540" sldId="256"/>
+        </pc:sldMkLst>
+        <pc:picChg chg="add mod">
+          <ac:chgData name="Smith, Christopher" userId="55859027-47ff-4ec1-a263-656b30aeb6f0" providerId="ADAL" clId="{FA5F1705-F812-41BF-8D57-C7930690349D}" dt="2022-10-12T21:16:12.066" v="4" actId="1076"/>
+          <ac:picMkLst>
+            <pc:docMk/>
+            <pc:sldMk cId="1953362540" sldId="256"/>
+            <ac:picMk id="3" creationId="{B7912C42-1918-4A78-5B74-8B5B149E2F82}"/>
+          </ac:picMkLst>
+        </pc:picChg>
+      </pc:sldChg>
+      <pc:sldChg chg="add ord">
+        <pc:chgData name="Smith, Christopher" userId="55859027-47ff-4ec1-a263-656b30aeb6f0" providerId="ADAL" clId="{FA5F1705-F812-41BF-8D57-C7930690349D}" dt="2022-10-12T20:57:06.962" v="2"/>
+        <pc:sldMkLst>
+          <pc:docMk/>
+          <pc:sldMk cId="1657430444" sldId="267"/>
+        </pc:sldMkLst>
+      </pc:sldChg>
+    </pc:docChg>
+  </pc:docChgLst>
 </pc:chgInfo>
 </file>
 
@@ -756,7 +1055,7 @@
           <a:p>
             <a:fld id="{88D38747-4367-4BD2-8D51-C97E202738E2}" type="datetime1">
               <a:rPr lang="en-US" smtClean="0"/>
-              <a:t>1/10/2024</a:t>
+              <a:t>1/11/2024</a:t>
             </a:fld>
             <a:endParaRPr lang="en-US" dirty="0"/>
           </a:p>
@@ -1061,7 +1360,7 @@
           <a:p>
             <a:fld id="{11F1B079-7EF0-44EE-B798-BCC497C9F3B2}" type="datetime1">
               <a:rPr lang="en-US" smtClean="0"/>
-              <a:t>1/10/2024</a:t>
+              <a:t>1/11/2024</a:t>
             </a:fld>
             <a:endParaRPr lang="en-US" dirty="0"/>
           </a:p>
@@ -1255,7 +1554,7 @@
           <a:p>
             <a:fld id="{28FF70A8-1D13-4657-95F0-A9EA54967B8D}" type="datetime1">
               <a:rPr lang="en-US" smtClean="0"/>
-              <a:t>1/10/2024</a:t>
+              <a:t>1/11/2024</a:t>
             </a:fld>
             <a:endParaRPr lang="en-US" dirty="0"/>
           </a:p>
@@ -1518,7 +1817,7 @@
           <a:p>
             <a:fld id="{21EB90AC-71BD-4C7F-8ACA-7B3F18292E63}" type="datetime1">
               <a:rPr lang="en-US" smtClean="0"/>
-              <a:t>1/10/2024</a:t>
+              <a:t>1/11/2024</a:t>
             </a:fld>
             <a:endParaRPr lang="en-US" dirty="0"/>
           </a:p>
@@ -1954,7 +2253,7 @@
           <a:p>
             <a:fld id="{4E6EFC2C-8905-46F0-B443-CE905B76BA01}" type="datetime1">
               <a:rPr lang="en-US" smtClean="0"/>
-              <a:t>1/10/2024</a:t>
+              <a:t>1/11/2024</a:t>
             </a:fld>
             <a:endParaRPr lang="en-US" dirty="0"/>
           </a:p>
@@ -2491,7 +2790,7 @@
           <a:p>
             <a:fld id="{D9079DC3-C9B5-499E-9140-0DC28B7074E2}" type="datetime1">
               <a:rPr lang="en-US" smtClean="0"/>
-              <a:t>1/10/2024</a:t>
+              <a:t>1/11/2024</a:t>
             </a:fld>
             <a:endParaRPr lang="en-US" dirty="0"/>
           </a:p>
@@ -3373,7 +3672,7 @@
           <a:p>
             <a:fld id="{30BB33EA-E472-4D22-9C03-A9C14AA21CED}" type="datetime1">
               <a:rPr lang="en-US" smtClean="0"/>
-              <a:t>1/10/2024</a:t>
+              <a:t>1/11/2024</a:t>
             </a:fld>
             <a:endParaRPr lang="en-US" dirty="0"/>
           </a:p>
@@ -3543,7 +3842,7 @@
           <a:p>
             <a:fld id="{217E833E-1B6D-415F-AD29-75AE8C43BD0D}" type="datetime1">
               <a:rPr lang="en-US" smtClean="0"/>
-              <a:t>1/10/2024</a:t>
+              <a:t>1/11/2024</a:t>
             </a:fld>
             <a:endParaRPr lang="en-US" dirty="0"/>
           </a:p>
@@ -3727,7 +4026,7 @@
           <a:p>
             <a:fld id="{8452596F-08A7-4B70-989A-F2B1CF31E66B}" type="datetime1">
               <a:rPr lang="en-US" smtClean="0"/>
-              <a:t>1/10/2024</a:t>
+              <a:t>1/11/2024</a:t>
             </a:fld>
             <a:endParaRPr lang="en-US" dirty="0"/>
           </a:p>
@@ -3897,7 +4196,7 @@
           <a:p>
             <a:fld id="{73C55A3C-5767-4844-A0A3-83778C2E5409}" type="datetime1">
               <a:rPr lang="en-US" smtClean="0"/>
-              <a:t>1/10/2024</a:t>
+              <a:t>1/11/2024</a:t>
             </a:fld>
             <a:endParaRPr lang="en-US" dirty="0"/>
           </a:p>
@@ -4141,7 +4440,7 @@
           <a:p>
             <a:fld id="{CAE507A8-A5CF-4D38-AB86-7EDDA87A85D4}" type="datetime1">
               <a:rPr lang="en-US" smtClean="0"/>
-              <a:t>1/10/2024</a:t>
+              <a:t>1/11/2024</a:t>
             </a:fld>
             <a:endParaRPr lang="en-US" dirty="0"/>
           </a:p>
@@ -4383,7 +4682,7 @@
           <a:p>
             <a:fld id="{BDFCD27C-8599-43EF-BA1D-14DDC1946E06}" type="datetime1">
               <a:rPr lang="en-US" smtClean="0"/>
-              <a:t>1/10/2024</a:t>
+              <a:t>1/11/2024</a:t>
             </a:fld>
             <a:endParaRPr lang="en-US" dirty="0"/>
           </a:p>
@@ -4864,7 +5163,7 @@
           <a:p>
             <a:fld id="{49343D99-809A-49C0-96E5-4250D0B498EE}" type="datetime1">
               <a:rPr lang="en-US" smtClean="0"/>
-              <a:t>1/10/2024</a:t>
+              <a:t>1/11/2024</a:t>
             </a:fld>
             <a:endParaRPr lang="en-US" dirty="0"/>
           </a:p>
@@ -4982,7 +5281,7 @@
           <a:p>
             <a:fld id="{A143DE9B-B678-4EFB-BB7D-A4370204A0B0}" type="datetime1">
               <a:rPr lang="en-US" smtClean="0"/>
-              <a:t>1/10/2024</a:t>
+              <a:t>1/11/2024</a:t>
             </a:fld>
             <a:endParaRPr lang="en-US" dirty="0"/>
           </a:p>
@@ -5077,7 +5376,7 @@
           <a:p>
             <a:fld id="{E68812DA-F765-4142-A6A3-A8ED7235E082}" type="datetime1">
               <a:rPr lang="en-US" smtClean="0"/>
-              <a:t>1/10/2024</a:t>
+              <a:t>1/11/2024</a:t>
             </a:fld>
             <a:endParaRPr lang="en-US" dirty="0"/>
           </a:p>
@@ -5332,7 +5631,7 @@
           <a:p>
             <a:fld id="{3E0277FD-7DE6-41D4-930D-AC99F5AFE54E}" type="datetime1">
               <a:rPr lang="en-US" smtClean="0"/>
-              <a:t>1/10/2024</a:t>
+              <a:t>1/11/2024</a:t>
             </a:fld>
             <a:endParaRPr lang="en-US" dirty="0"/>
           </a:p>
@@ -5639,7 +5938,7 @@
           <a:p>
             <a:fld id="{9EA15526-7079-4B7B-987C-1B5FAE11A0FF}" type="datetime1">
               <a:rPr lang="en-US" smtClean="0"/>
-              <a:t>1/10/2024</a:t>
+              <a:t>1/11/2024</a:t>
             </a:fld>
             <a:endParaRPr lang="en-US" dirty="0"/>
           </a:p>
@@ -5874,7 +6173,7 @@
           <a:p>
             <a:fld id="{073ED0CC-082F-4160-86E5-0D6041F12778}" type="datetime1">
               <a:rPr lang="en-US" smtClean="0"/>
-              <a:t>1/10/2024</a:t>
+              <a:t>1/11/2024</a:t>
             </a:fld>
             <a:endParaRPr lang="en-US" dirty="0"/>
           </a:p>
@@ -6629,8 +6928,37 @@
           <a:bodyPr rtlCol="0" anchor="ctr"/>
           <a:lstStyle/>
           <a:p>
-            <a:pPr algn="ctr"/>
-            <a:endParaRPr lang="en-US"/>
+            <a:pPr marL="0" marR="0" lvl="0" indent="0" algn="ctr" defTabSz="914400" rtl="0" eaLnBrk="1" fontAlgn="auto" latinLnBrk="0" hangingPunct="1">
+              <a:lnSpc>
+                <a:spcPct val="100000"/>
+              </a:lnSpc>
+              <a:spcBef>
+                <a:spcPts val="0"/>
+              </a:spcBef>
+              <a:spcAft>
+                <a:spcPts val="0"/>
+              </a:spcAft>
+              <a:buClrTx/>
+              <a:buSzTx/>
+              <a:buFontTx/>
+              <a:buNone/>
+              <a:tabLst/>
+              <a:defRPr/>
+            </a:pPr>
+            <a:endParaRPr kumimoji="0" lang="en-US" sz="1800" b="0" i="0" u="none" strike="noStrike" kern="1200" cap="none" spc="0" normalizeH="0" baseline="0" noProof="0">
+              <a:ln>
+                <a:noFill/>
+              </a:ln>
+              <a:solidFill>
+                <a:prstClr val="white"/>
+              </a:solidFill>
+              <a:effectLst/>
+              <a:uLnTx/>
+              <a:uFillTx/>
+              <a:latin typeface="Calisto MT" panose="02040603050505030304"/>
+              <a:ea typeface="+mn-ea"/>
+              <a:cs typeface="+mn-cs"/>
+            </a:endParaRPr>
           </a:p>
         </p:txBody>
       </p:sp>
@@ -6661,7 +6989,7 @@
           </a:bodyPr>
           <a:lstStyle/>
           <a:p>
-            <a:pPr defTabSz="457200">
+            <a:pPr marL="0" marR="0" lvl="0" indent="0" algn="l" defTabSz="457200" rtl="0" eaLnBrk="1" fontAlgn="auto" latinLnBrk="0" hangingPunct="1">
               <a:lnSpc>
                 <a:spcPct val="90000"/>
               </a:lnSpc>
@@ -6671,36 +6999,45 @@
               <a:spcAft>
                 <a:spcPts val="600"/>
               </a:spcAft>
+              <a:buClrTx/>
+              <a:buSzTx/>
+              <a:buFontTx/>
+              <a:buNone/>
+              <a:tabLst/>
+              <a:defRPr/>
             </a:pPr>
             <a:r>
-              <a:rPr lang="en-US" sz="2900" dirty="0">
+              <a:rPr kumimoji="0" lang="en-US" sz="2900" b="0" i="0" u="none" strike="noStrike" kern="1200" cap="none" spc="0" normalizeH="0" baseline="0" noProof="0" dirty="0">
                 <a:ln>
                   <a:solidFill>
-                    <a:schemeClr val="bg1">
+                    <a:prstClr val="black">
                       <a:lumMod val="75000"/>
                       <a:lumOff val="25000"/>
                       <a:alpha val="10000"/>
-                    </a:schemeClr>
+                    </a:prstClr>
                   </a:solidFill>
                 </a:ln>
                 <a:solidFill>
-                  <a:schemeClr val="tx2"/>
+                  <a:srgbClr val="DADADA"/>
                 </a:solidFill>
                 <a:effectLst>
                   <a:outerShdw blurRad="9525" dist="25400" dir="14640000" algn="tl" rotWithShape="0">
-                    <a:schemeClr val="bg1">
+                    <a:prstClr val="black">
                       <a:alpha val="30000"/>
-                    </a:schemeClr>
+                    </a:prstClr>
                   </a:outerShdw>
                 </a:effectLst>
-                <a:latin typeface="+mj-lt"/>
-                <a:ea typeface="+mj-ea"/>
+                <a:uLnTx/>
+                <a:uFillTx/>
+                <a:latin typeface="Calisto MT" panose="02040603050505030304"/>
+                <a:ea typeface="+mn-ea"/>
+                <a:cs typeface="+mn-cs"/>
               </a:rPr>
               <a:t>GEO 330 Sustainable Urban Transportation</a:t>
             </a:r>
           </a:p>
           <a:p>
-            <a:pPr defTabSz="457200">
+            <a:pPr marL="0" marR="0" lvl="0" indent="0" algn="l" defTabSz="457200" rtl="0" eaLnBrk="1" fontAlgn="auto" latinLnBrk="0" hangingPunct="1">
               <a:lnSpc>
                 <a:spcPct val="90000"/>
               </a:lnSpc>
@@ -6710,30 +7047,39 @@
               <a:spcAft>
                 <a:spcPts val="600"/>
               </a:spcAft>
+              <a:buClrTx/>
+              <a:buSzTx/>
+              <a:buFontTx/>
+              <a:buNone/>
+              <a:tabLst/>
+              <a:defRPr/>
             </a:pPr>
             <a:r>
-              <a:rPr lang="en-US" sz="2900" dirty="0">
+              <a:rPr kumimoji="0" lang="en-US" sz="2900" b="0" i="0" u="none" strike="noStrike" kern="1200" cap="none" spc="0" normalizeH="0" baseline="0" noProof="0" dirty="0">
                 <a:ln>
                   <a:solidFill>
-                    <a:schemeClr val="bg1">
+                    <a:prstClr val="black">
                       <a:lumMod val="75000"/>
                       <a:lumOff val="25000"/>
                       <a:alpha val="10000"/>
-                    </a:schemeClr>
+                    </a:prstClr>
                   </a:solidFill>
                 </a:ln>
                 <a:solidFill>
-                  <a:schemeClr val="tx2"/>
+                  <a:srgbClr val="DADADA"/>
                 </a:solidFill>
                 <a:effectLst>
                   <a:outerShdw blurRad="9525" dist="25400" dir="14640000" algn="tl" rotWithShape="0">
-                    <a:schemeClr val="bg1">
+                    <a:prstClr val="black">
                       <a:alpha val="30000"/>
-                    </a:schemeClr>
+                    </a:prstClr>
                   </a:outerShdw>
                 </a:effectLst>
-                <a:latin typeface="+mj-lt"/>
-                <a:ea typeface="+mj-ea"/>
+                <a:uLnTx/>
+                <a:uFillTx/>
+                <a:latin typeface="Calisto MT" panose="02040603050505030304"/>
+                <a:ea typeface="+mn-ea"/>
+                <a:cs typeface="+mn-cs"/>
               </a:rPr>
               <a:t>Exercise #1: Commute Mode Share</a:t>
             </a:r>
@@ -6798,55 +7144,37 @@
           <a:bodyPr rtlCol="0" anchor="ctr"/>
           <a:lstStyle/>
           <a:p>
-            <a:pPr algn="ctr"/>
-            <a:endParaRPr lang="en-US"/>
-          </a:p>
-        </p:txBody>
-      </p:sp>
-      <p:sp>
-        <p:nvSpPr>
-          <p:cNvPr id="7" name="Rectangle 6">
-            <a:extLst>
-              <a:ext uri="{FF2B5EF4-FFF2-40B4-BE49-F238E27FC236}">
-                <a16:creationId xmlns:a16="http://schemas.microsoft.com/office/drawing/2014/main" id="{ABCEB55A-A1E4-4968-AB1F-0DA6E07E2274}"/>
-              </a:ext>
-            </a:extLst>
-          </p:cNvPr>
-          <p:cNvSpPr/>
-          <p:nvPr/>
-        </p:nvSpPr>
-        <p:spPr>
-          <a:xfrm>
-            <a:off x="4919472" y="658046"/>
-            <a:ext cx="7068704" cy="3420178"/>
-          </a:xfrm>
-          <a:prstGeom prst="rect">
-            <a:avLst/>
-          </a:prstGeom>
-          <a:noFill/>
-        </p:spPr>
-        <p:style>
-          <a:lnRef idx="2">
-            <a:schemeClr val="accent1">
-              <a:shade val="50000"/>
-            </a:schemeClr>
-          </a:lnRef>
-          <a:fillRef idx="1">
-            <a:schemeClr val="accent1"/>
-          </a:fillRef>
-          <a:effectRef idx="0">
-            <a:schemeClr val="accent1"/>
-          </a:effectRef>
-          <a:fontRef idx="minor">
-            <a:schemeClr val="lt1"/>
-          </a:fontRef>
-        </p:style>
-        <p:txBody>
-          <a:bodyPr rtlCol="0" anchor="ctr"/>
-          <a:lstStyle/>
-          <a:p>
-            <a:pPr algn="ctr"/>
-            <a:endParaRPr lang="en-US"/>
+            <a:pPr marL="0" marR="0" lvl="0" indent="0" algn="ctr" defTabSz="914400" rtl="0" eaLnBrk="1" fontAlgn="auto" latinLnBrk="0" hangingPunct="1">
+              <a:lnSpc>
+                <a:spcPct val="100000"/>
+              </a:lnSpc>
+              <a:spcBef>
+                <a:spcPts val="0"/>
+              </a:spcBef>
+              <a:spcAft>
+                <a:spcPts val="0"/>
+              </a:spcAft>
+              <a:buClrTx/>
+              <a:buSzTx/>
+              <a:buFontTx/>
+              <a:buNone/>
+              <a:tabLst/>
+              <a:defRPr/>
+            </a:pPr>
+            <a:endParaRPr kumimoji="0" lang="en-US" sz="1800" b="0" i="0" u="none" strike="noStrike" kern="1200" cap="none" spc="0" normalizeH="0" baseline="0" noProof="0">
+              <a:ln>
+                <a:noFill/>
+              </a:ln>
+              <a:solidFill>
+                <a:prstClr val="white"/>
+              </a:solidFill>
+              <a:effectLst/>
+              <a:uLnTx/>
+              <a:uFillTx/>
+              <a:latin typeface="Calisto MT" panose="02040603050505030304"/>
+              <a:ea typeface="+mn-ea"/>
+              <a:cs typeface="+mn-cs"/>
+            </a:endParaRPr>
           </a:p>
         </p:txBody>
       </p:sp>
@@ -6864,8 +7192,8 @@
         </p:nvSpPr>
         <p:spPr>
           <a:xfrm>
-            <a:off x="4845127" y="242672"/>
-            <a:ext cx="4457700" cy="369332"/>
+            <a:off x="4845125" y="215240"/>
+            <a:ext cx="7014643" cy="923330"/>
           </a:xfrm>
           <a:prstGeom prst="rect">
             <a:avLst/>
@@ -6878,16 +7206,47 @@
           </a:bodyPr>
           <a:lstStyle/>
           <a:p>
+            <a:pPr marL="0" marR="0" lvl="0" indent="0" algn="l" defTabSz="914400" rtl="0" eaLnBrk="1" fontAlgn="auto" latinLnBrk="0" hangingPunct="1">
+              <a:lnSpc>
+                <a:spcPct val="100000"/>
+              </a:lnSpc>
+              <a:spcBef>
+                <a:spcPts val="0"/>
+              </a:spcBef>
+              <a:spcAft>
+                <a:spcPts val="0"/>
+              </a:spcAft>
+              <a:buClrTx/>
+              <a:buSzTx/>
+              <a:buFontTx/>
+              <a:buNone/>
+              <a:tabLst/>
+              <a:defRPr/>
+            </a:pPr>
             <a:r>
               <a:rPr lang="en-US" dirty="0">
                 <a:solidFill>
-                  <a:schemeClr val="bg1"/>
+                  <a:prstClr val="black"/>
                 </a:solidFill>
-                <a:latin typeface="+mj-lt"/>
+                <a:latin typeface="Calisto MT" panose="02040603050505030304"/>
                 <a:cs typeface="Courier New" panose="02070309020205020404" pitchFamily="49" charset="0"/>
               </a:rPr>
-              <a:t>Map of [select] Mode Share by US County</a:t>
-            </a:r>
+              <a:t>Use the space below to paste a custom figure/chart from the mode share trends dashboard depicting commute mode share over time nationally or by census division or state.</a:t>
+            </a:r>
+            <a:endParaRPr kumimoji="0" lang="en-US" sz="1800" b="0" i="0" u="none" strike="noStrike" kern="1200" cap="none" spc="0" normalizeH="0" baseline="0" noProof="0" dirty="0">
+              <a:ln>
+                <a:noFill/>
+              </a:ln>
+              <a:solidFill>
+                <a:prstClr val="black"/>
+              </a:solidFill>
+              <a:effectLst/>
+              <a:uLnTx/>
+              <a:uFillTx/>
+              <a:latin typeface="Calisto MT" panose="02040603050505030304"/>
+              <a:ea typeface="+mn-ea"/>
+              <a:cs typeface="Courier New" panose="02070309020205020404" pitchFamily="49" charset="0"/>
+            </a:endParaRPr>
           </a:p>
         </p:txBody>
       </p:sp>
@@ -6905,8 +7264,8 @@
         </p:nvSpPr>
         <p:spPr>
           <a:xfrm>
-            <a:off x="4845126" y="4534852"/>
-            <a:ext cx="7143049" cy="1569660"/>
+            <a:off x="4845126" y="5003101"/>
+            <a:ext cx="7143049" cy="954107"/>
           </a:xfrm>
           <a:prstGeom prst="rect">
             <a:avLst/>
@@ -6919,72 +7278,161 @@
           </a:bodyPr>
           <a:lstStyle/>
           <a:p>
-            <a:r>
-              <a:rPr lang="en-US" b="1" dirty="0">
+            <a:pPr marL="0" marR="0" lvl="0" indent="0" algn="l" defTabSz="914400" rtl="0" eaLnBrk="1" fontAlgn="auto" latinLnBrk="0" hangingPunct="1">
+              <a:lnSpc>
+                <a:spcPct val="100000"/>
+              </a:lnSpc>
+              <a:spcBef>
+                <a:spcPts val="0"/>
+              </a:spcBef>
+              <a:spcAft>
+                <a:spcPts val="0"/>
+              </a:spcAft>
+              <a:buClrTx/>
+              <a:buSzTx/>
+              <a:buFontTx/>
+              <a:buNone/>
+              <a:tabLst/>
+              <a:defRPr/>
+            </a:pPr>
+            <a:r>
+              <a:rPr kumimoji="0" lang="en-US" altLang="en-US" sz="1800" b="1" i="0" u="none" strike="noStrike" kern="1200" cap="none" spc="0" normalizeH="0" baseline="0" noProof="0" dirty="0">
+                <a:ln>
+                  <a:noFill/>
+                </a:ln>
                 <a:solidFill>
-                  <a:schemeClr val="bg2"/>
+                  <a:srgbClr val="212123"/>
                 </a:solidFill>
-                <a:latin typeface="+mj-lt"/>
-                <a:cs typeface="Courier New" panose="02070309020205020404" pitchFamily="49" charset="0"/>
+                <a:effectLst/>
+                <a:uLnTx/>
+                <a:uFillTx/>
+                <a:latin typeface="Calisto MT" panose="02040603050505030304"/>
+                <a:ea typeface="+mn-ea"/>
+                <a:cs typeface="+mn-cs"/>
               </a:rPr>
-              <a:t>Describe the geographic patterns you see in the map:</a:t>
-            </a:r>
-          </a:p>
-          <a:p>
-            <a:endParaRPr lang="en-US" sz="1000" b="1" dirty="0">
-              <a:solidFill>
-                <a:schemeClr val="bg2"/>
-              </a:solidFill>
-              <a:latin typeface="+mj-lt"/>
-              <a:cs typeface="Courier New" panose="02070309020205020404" pitchFamily="49" charset="0"/>
-            </a:endParaRPr>
-          </a:p>
-          <a:p>
-            <a:endParaRPr lang="en-US" sz="1000" b="1" dirty="0">
-              <a:solidFill>
-                <a:schemeClr val="bg2"/>
-              </a:solidFill>
-              <a:latin typeface="+mj-lt"/>
-              <a:cs typeface="Courier New" panose="02070309020205020404" pitchFamily="49" charset="0"/>
-            </a:endParaRPr>
-          </a:p>
-          <a:p>
-            <a:endParaRPr lang="en-US" altLang="en-US" sz="1000" b="1" dirty="0">
-              <a:solidFill>
-                <a:schemeClr val="bg2"/>
-              </a:solidFill>
-            </a:endParaRPr>
-          </a:p>
-          <a:p>
+              <a:t>What commuting trends do you notice over </a:t>
+            </a:r>
+            <a:r>
+              <a:rPr kumimoji="0" lang="en-US" altLang="en-US" sz="1800" b="1" i="0" u="none" strike="noStrike" kern="1200" cap="none" spc="0" normalizeH="0" baseline="0" noProof="0" dirty="0" err="1">
+                <a:ln>
+                  <a:noFill/>
+                </a:ln>
+                <a:solidFill>
+                  <a:srgbClr val="212123"/>
+                </a:solidFill>
+                <a:effectLst/>
+                <a:uLnTx/>
+                <a:uFillTx/>
+                <a:latin typeface="Calisto MT" panose="02040603050505030304"/>
+                <a:ea typeface="+mn-ea"/>
+                <a:cs typeface="+mn-cs"/>
+              </a:rPr>
+              <a:t>th</a:t>
+            </a:r>
             <a:r>
               <a:rPr lang="en-US" altLang="en-US" b="1" dirty="0">
                 <a:solidFill>
-                  <a:schemeClr val="bg2"/>
+                  <a:srgbClr val="212123"/>
                 </a:solidFill>
+                <a:latin typeface="Calisto MT" panose="02040603050505030304"/>
               </a:rPr>
-              <a:t>What factors do you feel explain these variations in mode share?</a:t>
-            </a:r>
-          </a:p>
-          <a:p>
-            <a:endParaRPr lang="en-US" altLang="en-US" sz="1000" b="1" dirty="0">
+              <a:t>e past decade in your selected region</a:t>
+            </a:r>
+            <a:r>
+              <a:rPr kumimoji="0" lang="en-US" altLang="en-US" sz="1800" b="1" i="0" u="none" strike="noStrike" kern="1200" cap="none" spc="0" normalizeH="0" baseline="0" noProof="0" dirty="0">
+                <a:ln>
+                  <a:noFill/>
+                </a:ln>
+                <a:solidFill>
+                  <a:srgbClr val="212123"/>
+                </a:solidFill>
+                <a:effectLst/>
+                <a:uLnTx/>
+                <a:uFillTx/>
+                <a:latin typeface="Calisto MT" panose="02040603050505030304"/>
+                <a:ea typeface="+mn-ea"/>
+                <a:cs typeface="+mn-cs"/>
+              </a:rPr>
+              <a:t>?</a:t>
+            </a:r>
+            <a:endParaRPr kumimoji="0" lang="en-US" altLang="en-US" sz="1000" b="1" i="0" u="none" strike="noStrike" kern="1200" cap="none" spc="0" normalizeH="0" baseline="0" noProof="0" dirty="0">
+              <a:ln>
+                <a:noFill/>
+              </a:ln>
               <a:solidFill>
-                <a:schemeClr val="bg2"/>
+                <a:srgbClr val="212123"/>
               </a:solidFill>
+              <a:effectLst/>
+              <a:uLnTx/>
+              <a:uFillTx/>
+              <a:latin typeface="Calisto MT" panose="02040603050505030304"/>
+              <a:ea typeface="+mn-ea"/>
+              <a:cs typeface="+mn-cs"/>
             </a:endParaRPr>
           </a:p>
           <a:p>
-            <a:endParaRPr lang="en-US" altLang="en-US" sz="1000" b="1" dirty="0">
+            <a:pPr marL="0" marR="0" lvl="0" indent="0" algn="l" defTabSz="914400" rtl="0" eaLnBrk="1" fontAlgn="auto" latinLnBrk="0" hangingPunct="1">
+              <a:lnSpc>
+                <a:spcPct val="100000"/>
+              </a:lnSpc>
+              <a:spcBef>
+                <a:spcPts val="0"/>
+              </a:spcBef>
+              <a:spcAft>
+                <a:spcPts val="0"/>
+              </a:spcAft>
+              <a:buClrTx/>
+              <a:buSzTx/>
+              <a:buFontTx/>
+              <a:buNone/>
+              <a:tabLst/>
+              <a:defRPr/>
+            </a:pPr>
+            <a:endParaRPr kumimoji="0" lang="en-US" altLang="en-US" sz="1000" b="1" i="0" u="none" strike="noStrike" kern="1200" cap="none" spc="0" normalizeH="0" baseline="0" noProof="0" dirty="0">
+              <a:ln>
+                <a:noFill/>
+              </a:ln>
               <a:solidFill>
-                <a:schemeClr val="bg2"/>
+                <a:srgbClr val="212123"/>
               </a:solidFill>
+              <a:effectLst/>
+              <a:uLnTx/>
+              <a:uFillTx/>
+              <a:latin typeface="Calisto MT" panose="02040603050505030304"/>
+              <a:ea typeface="+mn-ea"/>
+              <a:cs typeface="+mn-cs"/>
             </a:endParaRPr>
           </a:p>
           <a:p>
-            <a:endParaRPr lang="en-US" sz="1000" dirty="0">
+            <a:pPr marL="0" marR="0" lvl="0" indent="0" algn="l" defTabSz="914400" rtl="0" eaLnBrk="1" fontAlgn="auto" latinLnBrk="0" hangingPunct="1">
+              <a:lnSpc>
+                <a:spcPct val="100000"/>
+              </a:lnSpc>
+              <a:spcBef>
+                <a:spcPts val="0"/>
+              </a:spcBef>
+              <a:spcAft>
+                <a:spcPts val="0"/>
+              </a:spcAft>
+              <a:buClrTx/>
+              <a:buSzTx/>
+              <a:buFontTx/>
+              <a:buNone/>
+              <a:tabLst/>
+              <a:defRPr/>
+            </a:pPr>
+            <a:endParaRPr kumimoji="0" lang="en-US" sz="1000" b="0" i="0" u="none" strike="noStrike" kern="1200" cap="none" spc="0" normalizeH="0" baseline="0" noProof="0" dirty="0">
+              <a:ln>
+                <a:noFill/>
+              </a:ln>
               <a:solidFill>
-                <a:schemeClr val="bg2"/>
+                <a:srgbClr val="212123"/>
               </a:solidFill>
-              <a:latin typeface="+mj-lt"/>
+              <a:effectLst/>
+              <a:uLnTx/>
+              <a:uFillTx/>
+              <a:latin typeface="Calisto MT" panose="02040603050505030304"/>
+              <a:ea typeface="+mn-ea"/>
               <a:cs typeface="Courier New" panose="02070309020205020404" pitchFamily="49" charset="0"/>
             </a:endParaRPr>
           </a:p>
@@ -6993,7 +7441,7 @@
     </p:spTree>
     <p:extLst>
       <p:ext uri="{BB962C8B-B14F-4D97-AF65-F5344CB8AC3E}">
-        <p14:creationId xmlns:p14="http://schemas.microsoft.com/office/powerpoint/2010/main" val="1953362540"/>
+        <p14:creationId xmlns:p14="http://schemas.microsoft.com/office/powerpoint/2010/main" val="2132968020"/>
       </p:ext>
     </p:extLst>
   </p:cSld>
@@ -7346,82 +7794,6 @@
       </p:sp>
       <p:sp>
         <p:nvSpPr>
-          <p:cNvPr id="7" name="Rectangle 6">
-            <a:extLst>
-              <a:ext uri="{FF2B5EF4-FFF2-40B4-BE49-F238E27FC236}">
-                <a16:creationId xmlns:a16="http://schemas.microsoft.com/office/drawing/2014/main" id="{ABCEB55A-A1E4-4968-AB1F-0DA6E07E2274}"/>
-              </a:ext>
-            </a:extLst>
-          </p:cNvPr>
-          <p:cNvSpPr/>
-          <p:nvPr/>
-        </p:nvSpPr>
-        <p:spPr>
-          <a:xfrm>
-            <a:off x="4919472" y="658046"/>
-            <a:ext cx="7068704" cy="3420178"/>
-          </a:xfrm>
-          <a:prstGeom prst="rect">
-            <a:avLst/>
-          </a:prstGeom>
-          <a:noFill/>
-        </p:spPr>
-        <p:style>
-          <a:lnRef idx="2">
-            <a:schemeClr val="accent1">
-              <a:shade val="50000"/>
-            </a:schemeClr>
-          </a:lnRef>
-          <a:fillRef idx="1">
-            <a:schemeClr val="accent1"/>
-          </a:fillRef>
-          <a:effectRef idx="0">
-            <a:schemeClr val="accent1"/>
-          </a:effectRef>
-          <a:fontRef idx="minor">
-            <a:schemeClr val="lt1"/>
-          </a:fontRef>
-        </p:style>
-        <p:txBody>
-          <a:bodyPr rtlCol="0" anchor="ctr"/>
-          <a:lstStyle/>
-          <a:p>
-            <a:pPr marL="0" marR="0" lvl="0" indent="0" algn="ctr" defTabSz="914400" rtl="0" eaLnBrk="1" fontAlgn="auto" latinLnBrk="0" hangingPunct="1">
-              <a:lnSpc>
-                <a:spcPct val="100000"/>
-              </a:lnSpc>
-              <a:spcBef>
-                <a:spcPts val="0"/>
-              </a:spcBef>
-              <a:spcAft>
-                <a:spcPts val="0"/>
-              </a:spcAft>
-              <a:buClrTx/>
-              <a:buSzTx/>
-              <a:buFontTx/>
-              <a:buNone/>
-              <a:tabLst/>
-              <a:defRPr/>
-            </a:pPr>
-            <a:endParaRPr kumimoji="0" lang="en-US" sz="1800" b="0" i="0" u="none" strike="noStrike" kern="1200" cap="none" spc="0" normalizeH="0" baseline="0" noProof="0">
-              <a:ln>
-                <a:noFill/>
-              </a:ln>
-              <a:solidFill>
-                <a:prstClr val="white"/>
-              </a:solidFill>
-              <a:effectLst/>
-              <a:uLnTx/>
-              <a:uFillTx/>
-              <a:latin typeface="Calisto MT" panose="02040603050505030304"/>
-              <a:ea typeface="+mn-ea"/>
-              <a:cs typeface="+mn-cs"/>
-            </a:endParaRPr>
-          </a:p>
-        </p:txBody>
-      </p:sp>
-      <p:sp>
-        <p:nvSpPr>
           <p:cNvPr id="9" name="TextBox 8">
             <a:extLst>
               <a:ext uri="{FF2B5EF4-FFF2-40B4-BE49-F238E27FC236}">
@@ -7434,8 +7806,8 @@
         </p:nvSpPr>
         <p:spPr>
           <a:xfrm>
-            <a:off x="4845126" y="242672"/>
-            <a:ext cx="5515025" cy="369332"/>
+            <a:off x="4845125" y="215240"/>
+            <a:ext cx="7014643" cy="923330"/>
           </a:xfrm>
           <a:prstGeom prst="rect">
             <a:avLst/>
@@ -7466,49 +7838,29 @@
               <a:defRPr/>
             </a:pPr>
             <a:r>
-              <a:rPr kumimoji="0" lang="en-US" sz="1800" b="0" i="0" u="none" strike="noStrike" kern="1200" cap="none" spc="0" normalizeH="0" baseline="0" noProof="0" dirty="0">
-                <a:ln>
-                  <a:noFill/>
-                </a:ln>
+              <a:rPr lang="en-US" dirty="0">
                 <a:solidFill>
                   <a:prstClr val="black"/>
                 </a:solidFill>
-                <a:effectLst/>
-                <a:uLnTx/>
-                <a:uFillTx/>
                 <a:latin typeface="Calisto MT" panose="02040603050505030304"/>
-                <a:ea typeface="+mn-ea"/>
                 <a:cs typeface="Courier New" panose="02070309020205020404" pitchFamily="49" charset="0"/>
               </a:rPr>
-              <a:t>Map of </a:t>
-            </a:r>
-            <a:r>
-              <a:rPr lang="en-US" dirty="0">
-                <a:solidFill>
-                  <a:schemeClr val="bg1"/>
-                </a:solidFill>
-                <a:latin typeface="+mj-lt"/>
-                <a:cs typeface="Courier New" panose="02070309020205020404" pitchFamily="49" charset="0"/>
-              </a:rPr>
-              <a:t>[select]</a:t>
-            </a:r>
-            <a:r>
-              <a:rPr kumimoji="0" lang="en-US" sz="1800" b="0" i="0" u="none" strike="noStrike" kern="1200" cap="none" spc="0" normalizeH="0" baseline="0" noProof="0" dirty="0">
-                <a:ln>
-                  <a:noFill/>
-                </a:ln>
-                <a:solidFill>
-                  <a:prstClr val="black"/>
-                </a:solidFill>
-                <a:effectLst/>
-                <a:uLnTx/>
-                <a:uFillTx/>
-                <a:latin typeface="Calisto MT" panose="02040603050505030304"/>
-                <a:ea typeface="+mn-ea"/>
-                <a:cs typeface="Courier New" panose="02070309020205020404" pitchFamily="49" charset="0"/>
-              </a:rPr>
-              <a:t> Mode Share by US County</a:t>
-            </a:r>
+              <a:t>Use the space below to paste a custom figure/chart from the mode share trends dashboard depicting commute mode share over time nationally or by census division or state.</a:t>
+            </a:r>
+            <a:endParaRPr kumimoji="0" lang="en-US" sz="1800" b="0" i="0" u="none" strike="noStrike" kern="1200" cap="none" spc="0" normalizeH="0" baseline="0" noProof="0" dirty="0">
+              <a:ln>
+                <a:noFill/>
+              </a:ln>
+              <a:solidFill>
+                <a:prstClr val="black"/>
+              </a:solidFill>
+              <a:effectLst/>
+              <a:uLnTx/>
+              <a:uFillTx/>
+              <a:latin typeface="Calisto MT" panose="02040603050505030304"/>
+              <a:ea typeface="+mn-ea"/>
+              <a:cs typeface="Courier New" panose="02070309020205020404" pitchFamily="49" charset="0"/>
+            </a:endParaRPr>
           </a:p>
         </p:txBody>
       </p:sp>
@@ -7526,8 +7878,8 @@
         </p:nvSpPr>
         <p:spPr>
           <a:xfrm>
-            <a:off x="4845126" y="4534852"/>
-            <a:ext cx="7143049" cy="1569660"/>
+            <a:off x="4845126" y="5003101"/>
+            <a:ext cx="7143049" cy="954107"/>
           </a:xfrm>
           <a:prstGeom prst="rect">
             <a:avLst/>
@@ -7558,7 +7910,7 @@
               <a:defRPr/>
             </a:pPr>
             <a:r>
-              <a:rPr kumimoji="0" lang="en-US" sz="1800" b="1" i="0" u="none" strike="noStrike" kern="1200" cap="none" spc="0" normalizeH="0" baseline="0" noProof="0" dirty="0">
+              <a:rPr kumimoji="0" lang="en-US" altLang="en-US" sz="1800" b="1" i="0" u="none" strike="noStrike" kern="1200" cap="none" spc="0" normalizeH="0" baseline="0" noProof="0" dirty="0">
                 <a:ln>
                   <a:noFill/>
                 </a:ln>
@@ -7570,30 +7922,54 @@
                 <a:uFillTx/>
                 <a:latin typeface="Calisto MT" panose="02040603050505030304"/>
                 <a:ea typeface="+mn-ea"/>
-                <a:cs typeface="Courier New" panose="02070309020205020404" pitchFamily="49" charset="0"/>
+                <a:cs typeface="+mn-cs"/>
               </a:rPr>
-              <a:t>Describe the geographic patterns you see in the map:</a:t>
-            </a:r>
-          </a:p>
-          <a:p>
-            <a:pPr marL="0" marR="0" lvl="0" indent="0" algn="l" defTabSz="914400" rtl="0" eaLnBrk="1" fontAlgn="auto" latinLnBrk="0" hangingPunct="1">
-              <a:lnSpc>
-                <a:spcPct val="100000"/>
-              </a:lnSpc>
-              <a:spcBef>
-                <a:spcPts val="0"/>
-              </a:spcBef>
-              <a:spcAft>
-                <a:spcPts val="0"/>
-              </a:spcAft>
-              <a:buClrTx/>
-              <a:buSzTx/>
-              <a:buFontTx/>
-              <a:buNone/>
-              <a:tabLst/>
-              <a:defRPr/>
-            </a:pPr>
-            <a:endParaRPr kumimoji="0" lang="en-US" sz="1000" b="1" i="0" u="none" strike="noStrike" kern="1200" cap="none" spc="0" normalizeH="0" baseline="0" noProof="0" dirty="0">
+              <a:t>What commuting trends do you notice over </a:t>
+            </a:r>
+            <a:r>
+              <a:rPr kumimoji="0" lang="en-US" altLang="en-US" sz="1800" b="1" i="0" u="none" strike="noStrike" kern="1200" cap="none" spc="0" normalizeH="0" baseline="0" noProof="0" dirty="0" err="1">
+                <a:ln>
+                  <a:noFill/>
+                </a:ln>
+                <a:solidFill>
+                  <a:srgbClr val="212123"/>
+                </a:solidFill>
+                <a:effectLst/>
+                <a:uLnTx/>
+                <a:uFillTx/>
+                <a:latin typeface="Calisto MT" panose="02040603050505030304"/>
+                <a:ea typeface="+mn-ea"/>
+                <a:cs typeface="+mn-cs"/>
+              </a:rPr>
+              <a:t>th</a:t>
+            </a:r>
+            <a:r>
+              <a:rPr lang="en-US" altLang="en-US" b="1" dirty="0">
+                <a:solidFill>
+                  <a:srgbClr val="212123"/>
+                </a:solidFill>
+                <a:latin typeface="Calisto MT" panose="02040603050505030304"/>
+              </a:rPr>
+              <a:t>e past decade in your selected region</a:t>
+            </a:r>
+            <a:r>
+              <a:rPr kumimoji="0" lang="en-US" altLang="en-US" sz="1800" b="1" i="0" u="none" strike="noStrike" kern="1200" cap="none" spc="0" normalizeH="0" baseline="0" noProof="0" dirty="0">
+                <a:ln>
+                  <a:noFill/>
+                </a:ln>
+                <a:solidFill>
+                  <a:srgbClr val="212123"/>
+                </a:solidFill>
+                <a:effectLst/>
+                <a:uLnTx/>
+                <a:uFillTx/>
+                <a:latin typeface="Calisto MT" panose="02040603050505030304"/>
+                <a:ea typeface="+mn-ea"/>
+                <a:cs typeface="+mn-cs"/>
+              </a:rPr>
+              <a:t>?</a:t>
+            </a:r>
+            <a:endParaRPr kumimoji="0" lang="en-US" altLang="en-US" sz="1000" b="1" i="0" u="none" strike="noStrike" kern="1200" cap="none" spc="0" normalizeH="0" baseline="0" noProof="0" dirty="0">
               <a:ln>
                 <a:noFill/>
               </a:ln>
@@ -7605,40 +7981,7 @@
               <a:uFillTx/>
               <a:latin typeface="Calisto MT" panose="02040603050505030304"/>
               <a:ea typeface="+mn-ea"/>
-              <a:cs typeface="Courier New" panose="02070309020205020404" pitchFamily="49" charset="0"/>
-            </a:endParaRPr>
-          </a:p>
-          <a:p>
-            <a:pPr marL="0" marR="0" lvl="0" indent="0" algn="l" defTabSz="914400" rtl="0" eaLnBrk="1" fontAlgn="auto" latinLnBrk="0" hangingPunct="1">
-              <a:lnSpc>
-                <a:spcPct val="100000"/>
-              </a:lnSpc>
-              <a:spcBef>
-                <a:spcPts val="0"/>
-              </a:spcBef>
-              <a:spcAft>
-                <a:spcPts val="0"/>
-              </a:spcAft>
-              <a:buClrTx/>
-              <a:buSzTx/>
-              <a:buFontTx/>
-              <a:buNone/>
-              <a:tabLst/>
-              <a:defRPr/>
-            </a:pPr>
-            <a:endParaRPr kumimoji="0" lang="en-US" sz="1000" b="1" i="0" u="none" strike="noStrike" kern="1200" cap="none" spc="0" normalizeH="0" baseline="0" noProof="0" dirty="0">
-              <a:ln>
-                <a:noFill/>
-              </a:ln>
-              <a:solidFill>
-                <a:srgbClr val="212123"/>
-              </a:solidFill>
-              <a:effectLst/>
-              <a:uLnTx/>
-              <a:uFillTx/>
-              <a:latin typeface="Calisto MT" panose="02040603050505030304"/>
-              <a:ea typeface="+mn-ea"/>
-              <a:cs typeface="Courier New" panose="02070309020205020404" pitchFamily="49" charset="0"/>
+              <a:cs typeface="+mn-cs"/>
             </a:endParaRPr>
           </a:p>
           <a:p>
@@ -7692,108 +8035,6 @@
               <a:tabLst/>
               <a:defRPr/>
             </a:pPr>
-            <a:r>
-              <a:rPr kumimoji="0" lang="en-US" altLang="en-US" sz="1800" b="1" i="0" u="none" strike="noStrike" kern="1200" cap="none" spc="0" normalizeH="0" baseline="0" noProof="0" dirty="0">
-                <a:ln>
-                  <a:noFill/>
-                </a:ln>
-                <a:solidFill>
-                  <a:srgbClr val="212123"/>
-                </a:solidFill>
-                <a:effectLst/>
-                <a:uLnTx/>
-                <a:uFillTx/>
-                <a:latin typeface="Calisto MT" panose="02040603050505030304"/>
-                <a:ea typeface="+mn-ea"/>
-                <a:cs typeface="+mn-cs"/>
-              </a:rPr>
-              <a:t>What factors do you feel explain these variations in mode share?</a:t>
-            </a:r>
-          </a:p>
-          <a:p>
-            <a:pPr marL="0" marR="0" lvl="0" indent="0" algn="l" defTabSz="914400" rtl="0" eaLnBrk="1" fontAlgn="auto" latinLnBrk="0" hangingPunct="1">
-              <a:lnSpc>
-                <a:spcPct val="100000"/>
-              </a:lnSpc>
-              <a:spcBef>
-                <a:spcPts val="0"/>
-              </a:spcBef>
-              <a:spcAft>
-                <a:spcPts val="0"/>
-              </a:spcAft>
-              <a:buClrTx/>
-              <a:buSzTx/>
-              <a:buFontTx/>
-              <a:buNone/>
-              <a:tabLst/>
-              <a:defRPr/>
-            </a:pPr>
-            <a:endParaRPr kumimoji="0" lang="en-US" altLang="en-US" sz="1000" b="1" i="0" u="none" strike="noStrike" kern="1200" cap="none" spc="0" normalizeH="0" baseline="0" noProof="0" dirty="0">
-              <a:ln>
-                <a:noFill/>
-              </a:ln>
-              <a:solidFill>
-                <a:srgbClr val="212123"/>
-              </a:solidFill>
-              <a:effectLst/>
-              <a:uLnTx/>
-              <a:uFillTx/>
-              <a:latin typeface="Calisto MT" panose="02040603050505030304"/>
-              <a:ea typeface="+mn-ea"/>
-              <a:cs typeface="+mn-cs"/>
-            </a:endParaRPr>
-          </a:p>
-          <a:p>
-            <a:pPr marL="0" marR="0" lvl="0" indent="0" algn="l" defTabSz="914400" rtl="0" eaLnBrk="1" fontAlgn="auto" latinLnBrk="0" hangingPunct="1">
-              <a:lnSpc>
-                <a:spcPct val="100000"/>
-              </a:lnSpc>
-              <a:spcBef>
-                <a:spcPts val="0"/>
-              </a:spcBef>
-              <a:spcAft>
-                <a:spcPts val="0"/>
-              </a:spcAft>
-              <a:buClrTx/>
-              <a:buSzTx/>
-              <a:buFontTx/>
-              <a:buNone/>
-              <a:tabLst/>
-              <a:defRPr/>
-            </a:pPr>
-            <a:endParaRPr kumimoji="0" lang="en-US" altLang="en-US" sz="1000" b="1" i="0" u="none" strike="noStrike" kern="1200" cap="none" spc="0" normalizeH="0" baseline="0" noProof="0" dirty="0">
-              <a:ln>
-                <a:noFill/>
-              </a:ln>
-              <a:solidFill>
-                <a:srgbClr val="212123"/>
-              </a:solidFill>
-              <a:effectLst/>
-              <a:uLnTx/>
-              <a:uFillTx/>
-              <a:latin typeface="Calisto MT" panose="02040603050505030304"/>
-              <a:ea typeface="+mn-ea"/>
-              <a:cs typeface="+mn-cs"/>
-            </a:endParaRPr>
-          </a:p>
-          <a:p>
-            <a:pPr marL="0" marR="0" lvl="0" indent="0" algn="l" defTabSz="914400" rtl="0" eaLnBrk="1" fontAlgn="auto" latinLnBrk="0" hangingPunct="1">
-              <a:lnSpc>
-                <a:spcPct val="100000"/>
-              </a:lnSpc>
-              <a:spcBef>
-                <a:spcPts val="0"/>
-              </a:spcBef>
-              <a:spcAft>
-                <a:spcPts val="0"/>
-              </a:spcAft>
-              <a:buClrTx/>
-              <a:buSzTx/>
-              <a:buFontTx/>
-              <a:buNone/>
-              <a:tabLst/>
-              <a:defRPr/>
-            </a:pPr>
             <a:endParaRPr kumimoji="0" lang="en-US" sz="1000" b="0" i="0" u="none" strike="noStrike" kern="1200" cap="none" spc="0" normalizeH="0" baseline="0" noProof="0" dirty="0">
               <a:ln>
                 <a:noFill/>
@@ -7814,7 +8055,7 @@
     </p:spTree>
     <p:extLst>
       <p:ext uri="{BB962C8B-B14F-4D97-AF65-F5344CB8AC3E}">
-        <p14:creationId xmlns:p14="http://schemas.microsoft.com/office/powerpoint/2010/main" val="2074702340"/>
+        <p14:creationId xmlns:p14="http://schemas.microsoft.com/office/powerpoint/2010/main" val="554814924"/>
       </p:ext>
     </p:extLst>
   </p:cSld>
@@ -7951,130 +8192,6 @@
       </p:sp>
       <p:sp>
         <p:nvSpPr>
-          <p:cNvPr id="4" name="TextBox 3">
-            <a:extLst>
-              <a:ext uri="{FF2B5EF4-FFF2-40B4-BE49-F238E27FC236}">
-                <a16:creationId xmlns:a16="http://schemas.microsoft.com/office/drawing/2014/main" id="{6FDEFC58-389A-49FA-BE63-20EA0C26EABD}"/>
-              </a:ext>
-            </a:extLst>
-          </p:cNvPr>
-          <p:cNvSpPr txBox="1"/>
-          <p:nvPr/>
-        </p:nvSpPr>
-        <p:spPr>
-          <a:xfrm>
-            <a:off x="861791" y="835383"/>
-            <a:ext cx="3382832" cy="3499549"/>
-          </a:xfrm>
-          <a:prstGeom prst="rect">
-            <a:avLst/>
-          </a:prstGeom>
-        </p:spPr>
-        <p:txBody>
-          <a:bodyPr vert="horz" lIns="91440" tIns="45720" rIns="91440" bIns="45720" rtlCol="0" anchor="b">
-            <a:normAutofit/>
-          </a:bodyPr>
-          <a:lstStyle/>
-          <a:p>
-            <a:pPr marL="0" marR="0" lvl="0" indent="0" algn="l" defTabSz="457200" rtl="0" eaLnBrk="1" fontAlgn="auto" latinLnBrk="0" hangingPunct="1">
-              <a:lnSpc>
-                <a:spcPct val="90000"/>
-              </a:lnSpc>
-              <a:spcBef>
-                <a:spcPct val="0"/>
-              </a:spcBef>
-              <a:spcAft>
-                <a:spcPts val="600"/>
-              </a:spcAft>
-              <a:buClrTx/>
-              <a:buSzTx/>
-              <a:buFontTx/>
-              <a:buNone/>
-              <a:tabLst/>
-              <a:defRPr/>
-            </a:pPr>
-            <a:r>
-              <a:rPr kumimoji="0" lang="en-US" sz="2900" b="0" i="0" u="none" strike="noStrike" kern="1200" cap="none" spc="0" normalizeH="0" baseline="0" noProof="0" dirty="0">
-                <a:ln>
-                  <a:solidFill>
-                    <a:prstClr val="black">
-                      <a:lumMod val="75000"/>
-                      <a:lumOff val="25000"/>
-                      <a:alpha val="10000"/>
-                    </a:prstClr>
-                  </a:solidFill>
-                </a:ln>
-                <a:solidFill>
-                  <a:srgbClr val="DADADA"/>
-                </a:solidFill>
-                <a:effectLst>
-                  <a:outerShdw blurRad="9525" dist="25400" dir="14640000" algn="tl" rotWithShape="0">
-                    <a:prstClr val="black">
-                      <a:alpha val="30000"/>
-                    </a:prstClr>
-                  </a:outerShdw>
-                </a:effectLst>
-                <a:uLnTx/>
-                <a:uFillTx/>
-                <a:latin typeface="Calisto MT" panose="02040603050505030304"/>
-                <a:ea typeface="+mn-ea"/>
-                <a:cs typeface="+mn-cs"/>
-              </a:rPr>
-              <a:t>GEO 330 Sustainable Urban Transportation</a:t>
-            </a:r>
-          </a:p>
-          <a:p>
-            <a:pPr marL="0" marR="0" lvl="0" indent="0" algn="l" defTabSz="457200" rtl="0" eaLnBrk="1" fontAlgn="auto" latinLnBrk="0" hangingPunct="1">
-              <a:lnSpc>
-                <a:spcPct val="90000"/>
-              </a:lnSpc>
-              <a:spcBef>
-                <a:spcPct val="0"/>
-              </a:spcBef>
-              <a:spcAft>
-                <a:spcPts val="600"/>
-              </a:spcAft>
-              <a:buClrTx/>
-              <a:buSzTx/>
-              <a:buFontTx/>
-              <a:buNone/>
-              <a:tabLst/>
-              <a:defRPr/>
-            </a:pPr>
-            <a:r>
-              <a:rPr kumimoji="0" lang="en-US" sz="2900" b="0" i="0" u="none" strike="noStrike" kern="1200" cap="none" spc="0" normalizeH="0" baseline="0" noProof="0" dirty="0">
-                <a:ln>
-                  <a:solidFill>
-                    <a:prstClr val="black">
-                      <a:lumMod val="75000"/>
-                      <a:lumOff val="25000"/>
-                      <a:alpha val="10000"/>
-                    </a:prstClr>
-                  </a:solidFill>
-                </a:ln>
-                <a:solidFill>
-                  <a:srgbClr val="DADADA"/>
-                </a:solidFill>
-                <a:effectLst>
-                  <a:outerShdw blurRad="9525" dist="25400" dir="14640000" algn="tl" rotWithShape="0">
-                    <a:prstClr val="black">
-                      <a:alpha val="30000"/>
-                    </a:prstClr>
-                  </a:outerShdw>
-                </a:effectLst>
-                <a:uLnTx/>
-                <a:uFillTx/>
-                <a:latin typeface="Calisto MT" panose="02040603050505030304"/>
-                <a:ea typeface="+mn-ea"/>
-                <a:cs typeface="+mn-cs"/>
-              </a:rPr>
-              <a:t>Exercise #1: Commute Mode Share</a:t>
-            </a:r>
-          </a:p>
-        </p:txBody>
-      </p:sp>
-      <p:sp>
-        <p:nvSpPr>
           <p:cNvPr id="12" name="Rectangle 11">
             <a:extLst>
               <a:ext uri="{FF2B5EF4-FFF2-40B4-BE49-F238E27FC236}">
@@ -8179,8 +8296,8 @@
         </p:nvSpPr>
         <p:spPr>
           <a:xfrm>
-            <a:off x="4845125" y="215240"/>
-            <a:ext cx="7014643" cy="646331"/>
+            <a:off x="4845125" y="242672"/>
+            <a:ext cx="7255435" cy="369332"/>
           </a:xfrm>
           <a:prstGeom prst="rect">
             <a:avLst/>
@@ -8211,29 +8328,22 @@
               <a:defRPr/>
             </a:pPr>
             <a:r>
-              <a:rPr lang="en-US" dirty="0">
+              <a:rPr kumimoji="0" lang="en-US" sz="1800" b="0" i="0" u="none" strike="noStrike" kern="1200" cap="none" spc="0" normalizeH="0" baseline="0" noProof="0" dirty="0">
+                <a:ln>
+                  <a:noFill/>
+                </a:ln>
                 <a:solidFill>
                   <a:prstClr val="black"/>
                 </a:solidFill>
+                <a:effectLst/>
+                <a:uLnTx/>
+                <a:uFillTx/>
                 <a:latin typeface="Calisto MT" panose="02040603050505030304"/>
+                <a:ea typeface="+mn-ea"/>
                 <a:cs typeface="Courier New" panose="02070309020205020404" pitchFamily="49" charset="0"/>
               </a:rPr>
-              <a:t>Use the space below to copy your own custom figure/chart depicting commute mode share over time by region.</a:t>
-            </a:r>
-            <a:endParaRPr kumimoji="0" lang="en-US" sz="1800" b="0" i="0" u="none" strike="noStrike" kern="1200" cap="none" spc="0" normalizeH="0" baseline="0" noProof="0" dirty="0">
-              <a:ln>
-                <a:noFill/>
-              </a:ln>
-              <a:solidFill>
-                <a:prstClr val="black"/>
-              </a:solidFill>
-              <a:effectLst/>
-              <a:uLnTx/>
-              <a:uFillTx/>
-              <a:latin typeface="Calisto MT" panose="02040603050505030304"/>
-              <a:ea typeface="+mn-ea"/>
-              <a:cs typeface="Courier New" panose="02070309020205020404" pitchFamily="49" charset="0"/>
-            </a:endParaRPr>
+              <a:t>Table of Ten Counties with Highest [select] Mode Share in the US, 2019</a:t>
+            </a:r>
           </a:p>
         </p:txBody>
       </p:sp>
@@ -8252,7 +8362,7 @@
         <p:spPr>
           <a:xfrm>
             <a:off x="4845126" y="5003101"/>
-            <a:ext cx="7143049" cy="954107"/>
+            <a:ext cx="7143049" cy="830997"/>
           </a:xfrm>
           <a:prstGeom prst="rect">
             <a:avLst/>
@@ -8297,7 +8407,7 @@
                 <a:ea typeface="+mn-ea"/>
                 <a:cs typeface="+mn-cs"/>
               </a:rPr>
-              <a:t>What commuting trends do you notice over </a:t>
+              <a:t>What stands </a:t>
             </a:r>
             <a:r>
               <a:rPr kumimoji="0" lang="en-US" altLang="en-US" sz="1800" b="1" i="0" u="none" strike="noStrike" kern="1200" cap="none" spc="0" normalizeH="0" baseline="0" noProof="0" dirty="0" err="1">
@@ -8314,16 +8424,7 @@
                 <a:ea typeface="+mn-ea"/>
                 <a:cs typeface="+mn-cs"/>
               </a:rPr>
-              <a:t>th</a:t>
-            </a:r>
-            <a:r>
-              <a:rPr lang="en-US" altLang="en-US" b="1" dirty="0">
-                <a:solidFill>
-                  <a:srgbClr val="212123"/>
-                </a:solidFill>
-                <a:latin typeface="Calisto MT" panose="02040603050505030304"/>
-              </a:rPr>
-              <a:t>e past decade in your selected region</a:t>
+              <a:t>ou</a:t>
             </a:r>
             <a:r>
               <a:rPr kumimoji="0" lang="en-US" altLang="en-US" sz="1800" b="1" i="0" u="none" strike="noStrike" kern="1200" cap="none" spc="0" normalizeH="0" baseline="0" noProof="0" dirty="0">
@@ -8340,22 +8441,8 @@
                 <a:ea typeface="+mn-ea"/>
                 <a:cs typeface="+mn-cs"/>
               </a:rPr>
-              <a:t>?</a:t>
-            </a:r>
-            <a:endParaRPr kumimoji="0" lang="en-US" altLang="en-US" sz="1000" b="1" i="0" u="none" strike="noStrike" kern="1200" cap="none" spc="0" normalizeH="0" baseline="0" noProof="0" dirty="0">
-              <a:ln>
-                <a:noFill/>
-              </a:ln>
-              <a:solidFill>
-                <a:srgbClr val="212123"/>
-              </a:solidFill>
-              <a:effectLst/>
-              <a:uLnTx/>
-              <a:uFillTx/>
-              <a:latin typeface="Calisto MT" panose="02040603050505030304"/>
-              <a:ea typeface="+mn-ea"/>
-              <a:cs typeface="+mn-cs"/>
-            </a:endParaRPr>
+              <a:t>t from this list?</a:t>
+            </a:r>
           </a:p>
           <a:p>
             <a:pPr marL="0" marR="0" lvl="0" indent="0" algn="l" defTabSz="914400" rtl="0" eaLnBrk="1" fontAlgn="auto" latinLnBrk="0" hangingPunct="1">
@@ -8408,596 +8495,6 @@
               <a:tabLst/>
               <a:defRPr/>
             </a:pPr>
-            <a:endParaRPr kumimoji="0" lang="en-US" sz="1000" b="0" i="0" u="none" strike="noStrike" kern="1200" cap="none" spc="0" normalizeH="0" baseline="0" noProof="0" dirty="0">
-              <a:ln>
-                <a:noFill/>
-              </a:ln>
-              <a:solidFill>
-                <a:srgbClr val="212123"/>
-              </a:solidFill>
-              <a:effectLst/>
-              <a:uLnTx/>
-              <a:uFillTx/>
-              <a:latin typeface="Calisto MT" panose="02040603050505030304"/>
-              <a:ea typeface="+mn-ea"/>
-              <a:cs typeface="Courier New" panose="02070309020205020404" pitchFamily="49" charset="0"/>
-            </a:endParaRPr>
-          </a:p>
-        </p:txBody>
-      </p:sp>
-    </p:spTree>
-    <p:extLst>
-      <p:ext uri="{BB962C8B-B14F-4D97-AF65-F5344CB8AC3E}">
-        <p14:creationId xmlns:p14="http://schemas.microsoft.com/office/powerpoint/2010/main" val="2132968020"/>
-      </p:ext>
-    </p:extLst>
-  </p:cSld>
-  <p:clrMapOvr>
-    <a:masterClrMapping/>
-  </p:clrMapOvr>
-</p:sld>
-</file>
-
-<file path=ppt/slides/slide4.xml><?xml version="1.0" encoding="utf-8"?>
-<p:sld xmlns:a="http://schemas.openxmlformats.org/drawingml/2006/main" xmlns:r="http://schemas.openxmlformats.org/officeDocument/2006/relationships" xmlns:p="http://schemas.openxmlformats.org/presentationml/2006/main">
-  <p:cSld>
-    <p:bg>
-      <p:bgPr>
-        <a:blipFill rotWithShape="1">
-          <a:blip r:embed="rId2">
-            <a:duotone>
-              <a:schemeClr val="bg1">
-                <a:shade val="80000"/>
-                <a:lumMod val="80000"/>
-              </a:schemeClr>
-              <a:schemeClr val="bg1">
-                <a:tint val="98000"/>
-              </a:schemeClr>
-            </a:duotone>
-          </a:blip>
-          <a:stretch/>
-        </a:blipFill>
-        <a:effectLst/>
-      </p:bgPr>
-    </p:bg>
-    <p:spTree>
-      <p:nvGrpSpPr>
-        <p:cNvPr id="1" name=""/>
-        <p:cNvGrpSpPr/>
-        <p:nvPr/>
-      </p:nvGrpSpPr>
-      <p:grpSpPr>
-        <a:xfrm>
-          <a:off x="0" y="0"/>
-          <a:ext cx="0" cy="0"/>
-          <a:chOff x="0" y="0"/>
-          <a:chExt cx="0" cy="0"/>
-        </a:xfrm>
-      </p:grpSpPr>
-      <p:sp useBgFill="1">
-        <p:nvSpPr>
-          <p:cNvPr id="10" name="Rectangle 9">
-            <a:extLst>
-              <a:ext uri="{FF2B5EF4-FFF2-40B4-BE49-F238E27FC236}">
-                <a16:creationId xmlns:a16="http://schemas.microsoft.com/office/drawing/2014/main" id="{1E70A317-DCED-4E80-AA2D-467D8702E5CB}"/>
-              </a:ext>
-              <a:ext uri="{C183D7F6-B498-43B3-948B-1728B52AA6E4}">
-                <adec:decorative xmlns:adec="http://schemas.microsoft.com/office/drawing/2017/decorative" val="1"/>
-              </a:ext>
-            </a:extLst>
-          </p:cNvPr>
-          <p:cNvSpPr>
-            <a:spLocks noGrp="1" noRot="1" noChangeAspect="1" noMove="1" noResize="1" noEditPoints="1" noAdjustHandles="1" noChangeArrowheads="1" noChangeShapeType="1" noTextEdit="1"/>
-          </p:cNvSpPr>
-          <p:nvPr>
-            <p:extLst>
-              <p:ext uri="{386F3935-93C4-4BCD-93E2-E3B085C9AB24}">
-                <p16:designElem xmlns:p16="http://schemas.microsoft.com/office/powerpoint/2015/main" val="1"/>
-              </p:ext>
-            </p:extLst>
-          </p:nvPr>
-        </p:nvSpPr>
-        <p:spPr>
-          <a:xfrm>
-            <a:off x="0" y="0"/>
-            <a:ext cx="12192000" cy="6858000"/>
-          </a:xfrm>
-          <a:prstGeom prst="rect">
-            <a:avLst/>
-          </a:prstGeom>
-          <a:ln>
-            <a:noFill/>
-          </a:ln>
-        </p:spPr>
-        <p:style>
-          <a:lnRef idx="2">
-            <a:schemeClr val="accent1">
-              <a:shade val="50000"/>
-            </a:schemeClr>
-          </a:lnRef>
-          <a:fillRef idx="1">
-            <a:schemeClr val="accent1"/>
-          </a:fillRef>
-          <a:effectRef idx="0">
-            <a:schemeClr val="accent1"/>
-          </a:effectRef>
-          <a:fontRef idx="minor">
-            <a:schemeClr val="lt1"/>
-          </a:fontRef>
-        </p:style>
-        <p:txBody>
-          <a:bodyPr rtlCol="0" anchor="ctr"/>
-          <a:lstStyle/>
-          <a:p>
-            <a:pPr marL="0" marR="0" lvl="0" indent="0" algn="ctr" defTabSz="914400" rtl="0" eaLnBrk="1" fontAlgn="auto" latinLnBrk="0" hangingPunct="1">
-              <a:lnSpc>
-                <a:spcPct val="100000"/>
-              </a:lnSpc>
-              <a:spcBef>
-                <a:spcPts val="0"/>
-              </a:spcBef>
-              <a:spcAft>
-                <a:spcPts val="0"/>
-              </a:spcAft>
-              <a:buClrTx/>
-              <a:buSzTx/>
-              <a:buFontTx/>
-              <a:buNone/>
-              <a:tabLst/>
-              <a:defRPr/>
-            </a:pPr>
-            <a:endParaRPr kumimoji="0" lang="en-US" sz="1800" b="0" i="0" u="none" strike="noStrike" kern="1200" cap="none" spc="0" normalizeH="0" baseline="0" noProof="0">
-              <a:ln>
-                <a:noFill/>
-              </a:ln>
-              <a:solidFill>
-                <a:prstClr val="white"/>
-              </a:solidFill>
-              <a:effectLst/>
-              <a:uLnTx/>
-              <a:uFillTx/>
-              <a:latin typeface="Calisto MT" panose="02040603050505030304"/>
-              <a:ea typeface="+mn-ea"/>
-              <a:cs typeface="+mn-cs"/>
-            </a:endParaRPr>
-          </a:p>
-        </p:txBody>
-      </p:sp>
-      <p:sp>
-        <p:nvSpPr>
-          <p:cNvPr id="4" name="TextBox 3">
-            <a:extLst>
-              <a:ext uri="{FF2B5EF4-FFF2-40B4-BE49-F238E27FC236}">
-                <a16:creationId xmlns:a16="http://schemas.microsoft.com/office/drawing/2014/main" id="{6FDEFC58-389A-49FA-BE63-20EA0C26EABD}"/>
-              </a:ext>
-            </a:extLst>
-          </p:cNvPr>
-          <p:cNvSpPr txBox="1"/>
-          <p:nvPr/>
-        </p:nvSpPr>
-        <p:spPr>
-          <a:xfrm>
-            <a:off x="861791" y="835383"/>
-            <a:ext cx="3382832" cy="3499549"/>
-          </a:xfrm>
-          <a:prstGeom prst="rect">
-            <a:avLst/>
-          </a:prstGeom>
-        </p:spPr>
-        <p:txBody>
-          <a:bodyPr vert="horz" lIns="91440" tIns="45720" rIns="91440" bIns="45720" rtlCol="0" anchor="b">
-            <a:normAutofit/>
-          </a:bodyPr>
-          <a:lstStyle/>
-          <a:p>
-            <a:pPr marL="0" marR="0" lvl="0" indent="0" algn="l" defTabSz="457200" rtl="0" eaLnBrk="1" fontAlgn="auto" latinLnBrk="0" hangingPunct="1">
-              <a:lnSpc>
-                <a:spcPct val="90000"/>
-              </a:lnSpc>
-              <a:spcBef>
-                <a:spcPct val="0"/>
-              </a:spcBef>
-              <a:spcAft>
-                <a:spcPts val="600"/>
-              </a:spcAft>
-              <a:buClrTx/>
-              <a:buSzTx/>
-              <a:buFontTx/>
-              <a:buNone/>
-              <a:tabLst/>
-              <a:defRPr/>
-            </a:pPr>
-            <a:r>
-              <a:rPr kumimoji="0" lang="en-US" sz="2900" b="0" i="0" u="none" strike="noStrike" kern="1200" cap="none" spc="0" normalizeH="0" baseline="0" noProof="0" dirty="0">
-                <a:ln>
-                  <a:solidFill>
-                    <a:prstClr val="black">
-                      <a:lumMod val="75000"/>
-                      <a:lumOff val="25000"/>
-                      <a:alpha val="10000"/>
-                    </a:prstClr>
-                  </a:solidFill>
-                </a:ln>
-                <a:solidFill>
-                  <a:srgbClr val="DADADA"/>
-                </a:solidFill>
-                <a:effectLst>
-                  <a:outerShdw blurRad="9525" dist="25400" dir="14640000" algn="tl" rotWithShape="0">
-                    <a:prstClr val="black">
-                      <a:alpha val="30000"/>
-                    </a:prstClr>
-                  </a:outerShdw>
-                </a:effectLst>
-                <a:uLnTx/>
-                <a:uFillTx/>
-                <a:latin typeface="Calisto MT" panose="02040603050505030304"/>
-                <a:ea typeface="+mn-ea"/>
-                <a:cs typeface="+mn-cs"/>
-              </a:rPr>
-              <a:t>GEO 330 Sustainable Urban Transportation</a:t>
-            </a:r>
-          </a:p>
-          <a:p>
-            <a:pPr marL="0" marR="0" lvl="0" indent="0" algn="l" defTabSz="457200" rtl="0" eaLnBrk="1" fontAlgn="auto" latinLnBrk="0" hangingPunct="1">
-              <a:lnSpc>
-                <a:spcPct val="90000"/>
-              </a:lnSpc>
-              <a:spcBef>
-                <a:spcPct val="0"/>
-              </a:spcBef>
-              <a:spcAft>
-                <a:spcPts val="600"/>
-              </a:spcAft>
-              <a:buClrTx/>
-              <a:buSzTx/>
-              <a:buFontTx/>
-              <a:buNone/>
-              <a:tabLst/>
-              <a:defRPr/>
-            </a:pPr>
-            <a:r>
-              <a:rPr kumimoji="0" lang="en-US" sz="2900" b="0" i="0" u="none" strike="noStrike" kern="1200" cap="none" spc="0" normalizeH="0" baseline="0" noProof="0" dirty="0">
-                <a:ln>
-                  <a:solidFill>
-                    <a:prstClr val="black">
-                      <a:lumMod val="75000"/>
-                      <a:lumOff val="25000"/>
-                      <a:alpha val="10000"/>
-                    </a:prstClr>
-                  </a:solidFill>
-                </a:ln>
-                <a:solidFill>
-                  <a:srgbClr val="DADADA"/>
-                </a:solidFill>
-                <a:effectLst>
-                  <a:outerShdw blurRad="9525" dist="25400" dir="14640000" algn="tl" rotWithShape="0">
-                    <a:prstClr val="black">
-                      <a:alpha val="30000"/>
-                    </a:prstClr>
-                  </a:outerShdw>
-                </a:effectLst>
-                <a:uLnTx/>
-                <a:uFillTx/>
-                <a:latin typeface="Calisto MT" panose="02040603050505030304"/>
-                <a:ea typeface="+mn-ea"/>
-                <a:cs typeface="+mn-cs"/>
-              </a:rPr>
-              <a:t>Exercise #1: Commute Mode Share</a:t>
-            </a:r>
-          </a:p>
-        </p:txBody>
-      </p:sp>
-      <p:sp>
-        <p:nvSpPr>
-          <p:cNvPr id="12" name="Rectangle 11">
-            <a:extLst>
-              <a:ext uri="{FF2B5EF4-FFF2-40B4-BE49-F238E27FC236}">
-                <a16:creationId xmlns:a16="http://schemas.microsoft.com/office/drawing/2014/main" id="{A6D87845-294F-40CB-BC48-46455460D292}"/>
-              </a:ext>
-              <a:ext uri="{C183D7F6-B498-43B3-948B-1728B52AA6E4}">
-                <adec:decorative xmlns:adec="http://schemas.microsoft.com/office/drawing/2017/decorative" val="1"/>
-              </a:ext>
-            </a:extLst>
-          </p:cNvPr>
-          <p:cNvSpPr>
-            <a:spLocks noGrp="1" noRot="1" noChangeAspect="1" noMove="1" noResize="1" noEditPoints="1" noAdjustHandles="1" noChangeArrowheads="1" noChangeShapeType="1" noTextEdit="1"/>
-          </p:cNvSpPr>
-          <p:nvPr>
-            <p:extLst>
-              <p:ext uri="{386F3935-93C4-4BCD-93E2-E3B085C9AB24}">
-                <p16:designElem xmlns:p16="http://schemas.microsoft.com/office/powerpoint/2015/main" val="1"/>
-              </p:ext>
-            </p:extLst>
-          </p:nvPr>
-        </p:nvSpPr>
-        <p:spPr>
-          <a:xfrm>
-            <a:off x="4655671" y="0"/>
-            <a:ext cx="7536329" cy="6858000"/>
-          </a:xfrm>
-          <a:prstGeom prst="rect">
-            <a:avLst/>
-          </a:prstGeom>
-          <a:solidFill>
-            <a:schemeClr val="tx1"/>
-          </a:solidFill>
-          <a:ln>
-            <a:noFill/>
-          </a:ln>
-        </p:spPr>
-        <p:style>
-          <a:lnRef idx="2">
-            <a:schemeClr val="accent1">
-              <a:shade val="50000"/>
-            </a:schemeClr>
-          </a:lnRef>
-          <a:fillRef idx="1">
-            <a:schemeClr val="accent1"/>
-          </a:fillRef>
-          <a:effectRef idx="0">
-            <a:schemeClr val="accent1"/>
-          </a:effectRef>
-          <a:fontRef idx="minor">
-            <a:schemeClr val="lt1"/>
-          </a:fontRef>
-        </p:style>
-        <p:txBody>
-          <a:bodyPr rtlCol="0" anchor="ctr"/>
-          <a:lstStyle/>
-          <a:p>
-            <a:pPr marL="0" marR="0" lvl="0" indent="0" algn="ctr" defTabSz="914400" rtl="0" eaLnBrk="1" fontAlgn="auto" latinLnBrk="0" hangingPunct="1">
-              <a:lnSpc>
-                <a:spcPct val="100000"/>
-              </a:lnSpc>
-              <a:spcBef>
-                <a:spcPts val="0"/>
-              </a:spcBef>
-              <a:spcAft>
-                <a:spcPts val="0"/>
-              </a:spcAft>
-              <a:buClrTx/>
-              <a:buSzTx/>
-              <a:buFontTx/>
-              <a:buNone/>
-              <a:tabLst/>
-              <a:defRPr/>
-            </a:pPr>
-            <a:endParaRPr kumimoji="0" lang="en-US" sz="1800" b="0" i="0" u="none" strike="noStrike" kern="1200" cap="none" spc="0" normalizeH="0" baseline="0" noProof="0">
-              <a:ln>
-                <a:noFill/>
-              </a:ln>
-              <a:solidFill>
-                <a:prstClr val="white"/>
-              </a:solidFill>
-              <a:effectLst/>
-              <a:uLnTx/>
-              <a:uFillTx/>
-              <a:latin typeface="Calisto MT" panose="02040603050505030304"/>
-              <a:ea typeface="+mn-ea"/>
-              <a:cs typeface="+mn-cs"/>
-            </a:endParaRPr>
-          </a:p>
-        </p:txBody>
-      </p:sp>
-      <p:sp>
-        <p:nvSpPr>
-          <p:cNvPr id="9" name="TextBox 8">
-            <a:extLst>
-              <a:ext uri="{FF2B5EF4-FFF2-40B4-BE49-F238E27FC236}">
-                <a16:creationId xmlns:a16="http://schemas.microsoft.com/office/drawing/2014/main" id="{D87AC69C-C6CC-4FAB-A999-6457ACC399A4}"/>
-              </a:ext>
-            </a:extLst>
-          </p:cNvPr>
-          <p:cNvSpPr txBox="1"/>
-          <p:nvPr/>
-        </p:nvSpPr>
-        <p:spPr>
-          <a:xfrm>
-            <a:off x="4845126" y="242672"/>
-            <a:ext cx="6594018" cy="369332"/>
-          </a:xfrm>
-          <a:prstGeom prst="rect">
-            <a:avLst/>
-          </a:prstGeom>
-          <a:noFill/>
-        </p:spPr>
-        <p:txBody>
-          <a:bodyPr wrap="square" rtlCol="0">
-            <a:spAutoFit/>
-          </a:bodyPr>
-          <a:lstStyle/>
-          <a:p>
-            <a:pPr marL="0" marR="0" lvl="0" indent="0" algn="l" defTabSz="914400" rtl="0" eaLnBrk="1" fontAlgn="auto" latinLnBrk="0" hangingPunct="1">
-              <a:lnSpc>
-                <a:spcPct val="100000"/>
-              </a:lnSpc>
-              <a:spcBef>
-                <a:spcPts val="0"/>
-              </a:spcBef>
-              <a:spcAft>
-                <a:spcPts val="0"/>
-              </a:spcAft>
-              <a:buClrTx/>
-              <a:buSzTx/>
-              <a:buFontTx/>
-              <a:buNone/>
-              <a:tabLst/>
-              <a:defRPr/>
-            </a:pPr>
-            <a:r>
-              <a:rPr kumimoji="0" lang="en-US" sz="1800" b="0" i="0" u="none" strike="noStrike" kern="1200" cap="none" spc="0" normalizeH="0" baseline="0" noProof="0" dirty="0">
-                <a:ln>
-                  <a:noFill/>
-                </a:ln>
-                <a:solidFill>
-                  <a:prstClr val="black"/>
-                </a:solidFill>
-                <a:effectLst/>
-                <a:uLnTx/>
-                <a:uFillTx/>
-                <a:latin typeface="Calisto MT" panose="02040603050505030304"/>
-                <a:ea typeface="+mn-ea"/>
-                <a:cs typeface="Courier New" panose="02070309020205020404" pitchFamily="49" charset="0"/>
-              </a:rPr>
-              <a:t>Table of Ten Counties with Highest Walk Mode Share, 2019</a:t>
-            </a:r>
-          </a:p>
-        </p:txBody>
-      </p:sp>
-      <p:sp>
-        <p:nvSpPr>
-          <p:cNvPr id="11" name="TextBox 10">
-            <a:extLst>
-              <a:ext uri="{FF2B5EF4-FFF2-40B4-BE49-F238E27FC236}">
-                <a16:creationId xmlns:a16="http://schemas.microsoft.com/office/drawing/2014/main" id="{89BA7AD5-915D-404C-85FE-4A0CC7F14065}"/>
-              </a:ext>
-            </a:extLst>
-          </p:cNvPr>
-          <p:cNvSpPr txBox="1"/>
-          <p:nvPr/>
-        </p:nvSpPr>
-        <p:spPr>
-          <a:xfrm>
-            <a:off x="4845126" y="5003101"/>
-            <a:ext cx="7143049" cy="830997"/>
-          </a:xfrm>
-          <a:prstGeom prst="rect">
-            <a:avLst/>
-          </a:prstGeom>
-          <a:noFill/>
-        </p:spPr>
-        <p:txBody>
-          <a:bodyPr wrap="square" rtlCol="0">
-            <a:spAutoFit/>
-          </a:bodyPr>
-          <a:lstStyle/>
-          <a:p>
-            <a:pPr marL="0" marR="0" lvl="0" indent="0" algn="l" defTabSz="914400" rtl="0" eaLnBrk="1" fontAlgn="auto" latinLnBrk="0" hangingPunct="1">
-              <a:lnSpc>
-                <a:spcPct val="100000"/>
-              </a:lnSpc>
-              <a:spcBef>
-                <a:spcPts val="0"/>
-              </a:spcBef>
-              <a:spcAft>
-                <a:spcPts val="0"/>
-              </a:spcAft>
-              <a:buClrTx/>
-              <a:buSzTx/>
-              <a:buFontTx/>
-              <a:buNone/>
-              <a:tabLst/>
-              <a:defRPr/>
-            </a:pPr>
-            <a:r>
-              <a:rPr kumimoji="0" lang="en-US" altLang="en-US" sz="1800" b="1" i="0" u="none" strike="noStrike" kern="1200" cap="none" spc="0" normalizeH="0" baseline="0" noProof="0" dirty="0">
-                <a:ln>
-                  <a:noFill/>
-                </a:ln>
-                <a:solidFill>
-                  <a:srgbClr val="212123"/>
-                </a:solidFill>
-                <a:effectLst/>
-                <a:uLnTx/>
-                <a:uFillTx/>
-                <a:latin typeface="Calisto MT" panose="02040603050505030304"/>
-                <a:ea typeface="+mn-ea"/>
-                <a:cs typeface="+mn-cs"/>
-              </a:rPr>
-              <a:t>What stands </a:t>
-            </a:r>
-            <a:r>
-              <a:rPr kumimoji="0" lang="en-US" altLang="en-US" sz="1800" b="1" i="0" u="none" strike="noStrike" kern="1200" cap="none" spc="0" normalizeH="0" baseline="0" noProof="0" dirty="0" err="1">
-                <a:ln>
-                  <a:noFill/>
-                </a:ln>
-                <a:solidFill>
-                  <a:srgbClr val="212123"/>
-                </a:solidFill>
-                <a:effectLst/>
-                <a:uLnTx/>
-                <a:uFillTx/>
-                <a:latin typeface="Calisto MT" panose="02040603050505030304"/>
-                <a:ea typeface="+mn-ea"/>
-                <a:cs typeface="+mn-cs"/>
-              </a:rPr>
-              <a:t>ou</a:t>
-            </a:r>
-            <a:r>
-              <a:rPr lang="en-US" altLang="en-US" b="1" dirty="0">
-                <a:solidFill>
-                  <a:srgbClr val="212123"/>
-                </a:solidFill>
-                <a:latin typeface="Calisto MT" panose="02040603050505030304"/>
-              </a:rPr>
-              <a:t>t from this list?</a:t>
-            </a:r>
-            <a:endParaRPr kumimoji="0" lang="en-US" altLang="en-US" sz="1800" b="1" i="0" u="none" strike="noStrike" kern="1200" cap="none" spc="0" normalizeH="0" baseline="0" noProof="0" dirty="0">
-              <a:ln>
-                <a:noFill/>
-              </a:ln>
-              <a:solidFill>
-                <a:srgbClr val="212123"/>
-              </a:solidFill>
-              <a:effectLst/>
-              <a:uLnTx/>
-              <a:uFillTx/>
-              <a:latin typeface="Calisto MT" panose="02040603050505030304"/>
-              <a:ea typeface="+mn-ea"/>
-              <a:cs typeface="+mn-cs"/>
-            </a:endParaRPr>
-          </a:p>
-          <a:p>
-            <a:pPr marL="0" marR="0" lvl="0" indent="0" algn="l" defTabSz="914400" rtl="0" eaLnBrk="1" fontAlgn="auto" latinLnBrk="0" hangingPunct="1">
-              <a:lnSpc>
-                <a:spcPct val="100000"/>
-              </a:lnSpc>
-              <a:spcBef>
-                <a:spcPts val="0"/>
-              </a:spcBef>
-              <a:spcAft>
-                <a:spcPts val="0"/>
-              </a:spcAft>
-              <a:buClrTx/>
-              <a:buSzTx/>
-              <a:buFontTx/>
-              <a:buNone/>
-              <a:tabLst/>
-              <a:defRPr/>
-            </a:pPr>
-            <a:endParaRPr kumimoji="0" lang="en-US" altLang="en-US" sz="1000" b="1" i="0" u="none" strike="noStrike" kern="1200" cap="none" spc="0" normalizeH="0" baseline="0" noProof="0" dirty="0">
-              <a:ln>
-                <a:noFill/>
-              </a:ln>
-              <a:solidFill>
-                <a:srgbClr val="212123"/>
-              </a:solidFill>
-              <a:effectLst/>
-              <a:uLnTx/>
-              <a:uFillTx/>
-              <a:latin typeface="Calisto MT" panose="02040603050505030304"/>
-              <a:ea typeface="+mn-ea"/>
-              <a:cs typeface="+mn-cs"/>
-            </a:endParaRPr>
-          </a:p>
-          <a:p>
-            <a:pPr marL="0" marR="0" lvl="0" indent="0" algn="l" defTabSz="914400" rtl="0" eaLnBrk="1" fontAlgn="auto" latinLnBrk="0" hangingPunct="1">
-              <a:lnSpc>
-                <a:spcPct val="100000"/>
-              </a:lnSpc>
-              <a:spcBef>
-                <a:spcPts val="0"/>
-              </a:spcBef>
-              <a:spcAft>
-                <a:spcPts val="0"/>
-              </a:spcAft>
-              <a:buClrTx/>
-              <a:buSzTx/>
-              <a:buFontTx/>
-              <a:buNone/>
-              <a:tabLst/>
-              <a:defRPr/>
-            </a:pPr>
             <a:endParaRPr kumimoji="0" lang="en-US" altLang="en-US" sz="1000" b="1" i="0" u="none" strike="noStrike" kern="1200" cap="none" spc="0" normalizeH="0" baseline="0" noProof="0" dirty="0">
               <a:ln>
                 <a:noFill/>
@@ -9063,7 +8560,7 @@
           <p:nvPr>
             <p:extLst>
               <p:ext uri="{D42A27DB-BD31-4B8C-83A1-F6EECF244321}">
-                <p14:modId xmlns:p14="http://schemas.microsoft.com/office/powerpoint/2010/main" val="1407367678"/>
+                <p14:modId xmlns:p14="http://schemas.microsoft.com/office/powerpoint/2010/main" val="1234646285"/>
               </p:ext>
             </p:extLst>
           </p:nvPr>
@@ -9155,7 +8652,7 @@
                     <a:p>
                       <a:r>
                         <a:rPr lang="en-US" dirty="0"/>
-                        <a:t>Walk Share</a:t>
+                        <a:t>Mode Share</a:t>
                       </a:r>
                     </a:p>
                   </a:txBody>
@@ -9641,10 +9138,134 @@
           </a:graphicData>
         </a:graphic>
       </p:graphicFrame>
+      <p:sp>
+        <p:nvSpPr>
+          <p:cNvPr id="3" name="TextBox 2">
+            <a:extLst>
+              <a:ext uri="{FF2B5EF4-FFF2-40B4-BE49-F238E27FC236}">
+                <a16:creationId xmlns:a16="http://schemas.microsoft.com/office/drawing/2014/main" id="{E0A624A4-FE57-2855-2AC7-6340AEB92AAE}"/>
+              </a:ext>
+            </a:extLst>
+          </p:cNvPr>
+          <p:cNvSpPr txBox="1"/>
+          <p:nvPr/>
+        </p:nvSpPr>
+        <p:spPr>
+          <a:xfrm>
+            <a:off x="861791" y="835383"/>
+            <a:ext cx="3382832" cy="3499549"/>
+          </a:xfrm>
+          <a:prstGeom prst="rect">
+            <a:avLst/>
+          </a:prstGeom>
+        </p:spPr>
+        <p:txBody>
+          <a:bodyPr vert="horz" lIns="91440" tIns="45720" rIns="91440" bIns="45720" rtlCol="0" anchor="b">
+            <a:normAutofit/>
+          </a:bodyPr>
+          <a:lstStyle/>
+          <a:p>
+            <a:pPr marL="0" marR="0" lvl="0" indent="0" algn="l" defTabSz="457200" rtl="0" eaLnBrk="1" fontAlgn="auto" latinLnBrk="0" hangingPunct="1">
+              <a:lnSpc>
+                <a:spcPct val="90000"/>
+              </a:lnSpc>
+              <a:spcBef>
+                <a:spcPct val="0"/>
+              </a:spcBef>
+              <a:spcAft>
+                <a:spcPts val="600"/>
+              </a:spcAft>
+              <a:buClrTx/>
+              <a:buSzTx/>
+              <a:buFontTx/>
+              <a:buNone/>
+              <a:tabLst/>
+              <a:defRPr/>
+            </a:pPr>
+            <a:r>
+              <a:rPr kumimoji="0" lang="en-US" sz="2900" b="0" i="0" u="none" strike="noStrike" kern="1200" cap="none" spc="0" normalizeH="0" baseline="0" noProof="0" dirty="0">
+                <a:ln>
+                  <a:solidFill>
+                    <a:prstClr val="black">
+                      <a:lumMod val="75000"/>
+                      <a:lumOff val="25000"/>
+                      <a:alpha val="10000"/>
+                    </a:prstClr>
+                  </a:solidFill>
+                </a:ln>
+                <a:solidFill>
+                  <a:srgbClr val="DADADA"/>
+                </a:solidFill>
+                <a:effectLst>
+                  <a:outerShdw blurRad="9525" dist="25400" dir="14640000" algn="tl" rotWithShape="0">
+                    <a:prstClr val="black">
+                      <a:alpha val="30000"/>
+                    </a:prstClr>
+                  </a:outerShdw>
+                </a:effectLst>
+                <a:uLnTx/>
+                <a:uFillTx/>
+                <a:latin typeface="Calisto MT" panose="02040603050505030304"/>
+                <a:ea typeface="+mn-ea"/>
+                <a:cs typeface="+mn-cs"/>
+              </a:rPr>
+              <a:t>GEO 330 Sustainable Urban Transportation</a:t>
+            </a:r>
+          </a:p>
+          <a:p>
+            <a:pPr marL="0" marR="0" lvl="0" indent="0" algn="l" defTabSz="457200" rtl="0" eaLnBrk="1" fontAlgn="auto" latinLnBrk="0" hangingPunct="1">
+              <a:lnSpc>
+                <a:spcPct val="90000"/>
+              </a:lnSpc>
+              <a:spcBef>
+                <a:spcPct val="0"/>
+              </a:spcBef>
+              <a:spcAft>
+                <a:spcPts val="600"/>
+              </a:spcAft>
+              <a:buClrTx/>
+              <a:buSzTx/>
+              <a:buFontTx/>
+              <a:buNone/>
+              <a:tabLst/>
+              <a:defRPr/>
+            </a:pPr>
+            <a:r>
+              <a:rPr kumimoji="0" lang="en-US" sz="2900" b="0" i="0" u="none" strike="noStrike" kern="1200" cap="none" spc="0" normalizeH="0" baseline="0" noProof="0" dirty="0">
+                <a:ln>
+                  <a:solidFill>
+                    <a:prstClr val="black">
+                      <a:lumMod val="75000"/>
+                      <a:lumOff val="25000"/>
+                      <a:alpha val="10000"/>
+                    </a:prstClr>
+                  </a:solidFill>
+                </a:ln>
+                <a:solidFill>
+                  <a:srgbClr val="DADADA"/>
+                </a:solidFill>
+                <a:effectLst>
+                  <a:outerShdw blurRad="9525" dist="25400" dir="14640000" algn="tl" rotWithShape="0">
+                    <a:prstClr val="black">
+                      <a:alpha val="30000"/>
+                    </a:prstClr>
+                  </a:outerShdw>
+                </a:effectLst>
+                <a:uLnTx/>
+                <a:uFillTx/>
+                <a:latin typeface="Calisto MT" panose="02040603050505030304"/>
+                <a:ea typeface="+mn-ea"/>
+                <a:cs typeface="+mn-cs"/>
+              </a:rPr>
+              <a:t>Exercise #1: Commute Mode Share</a:t>
+            </a:r>
+          </a:p>
+        </p:txBody>
+      </p:sp>
     </p:spTree>
     <p:extLst>
       <p:ext uri="{BB962C8B-B14F-4D97-AF65-F5344CB8AC3E}">
-        <p14:creationId xmlns:p14="http://schemas.microsoft.com/office/powerpoint/2010/main" val="961719187"/>
+        <p14:creationId xmlns:p14="http://schemas.microsoft.com/office/powerpoint/2010/main" val="829931341"/>
       </p:ext>
     </p:extLst>
   </p:cSld>
@@ -9654,7 +9275,7 @@
 </p:sld>
 </file>
 
-<file path=ppt/slides/slide5.xml><?xml version="1.0" encoding="utf-8"?>
+<file path=ppt/slides/slide4.xml><?xml version="1.0" encoding="utf-8"?>
 <p:sld xmlns:a="http://schemas.openxmlformats.org/drawingml/2006/main" xmlns:r="http://schemas.openxmlformats.org/officeDocument/2006/relationships" xmlns:p="http://schemas.openxmlformats.org/presentationml/2006/main">
   <p:cSld>
     <p:bg>
@@ -9886,7 +9507,7 @@
         <p:spPr>
           <a:xfrm>
             <a:off x="4845125" y="242672"/>
-            <a:ext cx="7014643" cy="369332"/>
+            <a:ext cx="7255435" cy="369332"/>
           </a:xfrm>
           <a:prstGeom prst="rect">
             <a:avLst/>
@@ -9931,7 +9552,7 @@
                 <a:ea typeface="+mn-ea"/>
                 <a:cs typeface="Courier New" panose="02070309020205020404" pitchFamily="49" charset="0"/>
               </a:rPr>
-              <a:t>Table of Ten Counties with Highest Bicycle Mode Share, 2019</a:t>
+              <a:t>Table of Ten Counties with Highest [select] Mode Share in the US, 2019</a:t>
             </a:r>
           </a:p>
         </p:txBody>
@@ -10149,7 +9770,7 @@
           <p:nvPr>
             <p:extLst>
               <p:ext uri="{D42A27DB-BD31-4B8C-83A1-F6EECF244321}">
-                <p14:modId xmlns:p14="http://schemas.microsoft.com/office/powerpoint/2010/main" val="968814061"/>
+                <p14:modId xmlns:p14="http://schemas.microsoft.com/office/powerpoint/2010/main" val="3575940622"/>
               </p:ext>
             </p:extLst>
           </p:nvPr>
@@ -10241,7 +9862,7 @@
                     <a:p>
                       <a:r>
                         <a:rPr lang="en-US" dirty="0"/>
-                        <a:t>Bicycle Share</a:t>
+                        <a:t>Mode Share</a:t>
                       </a:r>
                     </a:p>
                   </a:txBody>
@@ -10854,7 +10475,472 @@
     </p:spTree>
     <p:extLst>
       <p:ext uri="{BB962C8B-B14F-4D97-AF65-F5344CB8AC3E}">
-        <p14:creationId xmlns:p14="http://schemas.microsoft.com/office/powerpoint/2010/main" val="829931341"/>
+        <p14:creationId xmlns:p14="http://schemas.microsoft.com/office/powerpoint/2010/main" val="1035432801"/>
+      </p:ext>
+    </p:extLst>
+  </p:cSld>
+  <p:clrMapOvr>
+    <a:masterClrMapping/>
+  </p:clrMapOvr>
+</p:sld>
+</file>
+
+<file path=ppt/slides/slide5.xml><?xml version="1.0" encoding="utf-8"?>
+<p:sld xmlns:a="http://schemas.openxmlformats.org/drawingml/2006/main" xmlns:r="http://schemas.openxmlformats.org/officeDocument/2006/relationships" xmlns:p="http://schemas.openxmlformats.org/presentationml/2006/main">
+  <p:cSld>
+    <p:bg>
+      <p:bgPr>
+        <a:blipFill rotWithShape="1">
+          <a:blip r:embed="rId2">
+            <a:duotone>
+              <a:schemeClr val="bg1">
+                <a:shade val="80000"/>
+                <a:lumMod val="80000"/>
+              </a:schemeClr>
+              <a:schemeClr val="bg1">
+                <a:tint val="98000"/>
+              </a:schemeClr>
+            </a:duotone>
+          </a:blip>
+          <a:stretch/>
+        </a:blipFill>
+        <a:effectLst/>
+      </p:bgPr>
+    </p:bg>
+    <p:spTree>
+      <p:nvGrpSpPr>
+        <p:cNvPr id="1" name=""/>
+        <p:cNvGrpSpPr/>
+        <p:nvPr/>
+      </p:nvGrpSpPr>
+      <p:grpSpPr>
+        <a:xfrm>
+          <a:off x="0" y="0"/>
+          <a:ext cx="0" cy="0"/>
+          <a:chOff x="0" y="0"/>
+          <a:chExt cx="0" cy="0"/>
+        </a:xfrm>
+      </p:grpSpPr>
+      <p:sp useBgFill="1">
+        <p:nvSpPr>
+          <p:cNvPr id="10" name="Rectangle 9">
+            <a:extLst>
+              <a:ext uri="{FF2B5EF4-FFF2-40B4-BE49-F238E27FC236}">
+                <a16:creationId xmlns:a16="http://schemas.microsoft.com/office/drawing/2014/main" id="{1E70A317-DCED-4E80-AA2D-467D8702E5CB}"/>
+              </a:ext>
+              <a:ext uri="{C183D7F6-B498-43B3-948B-1728B52AA6E4}">
+                <adec:decorative xmlns:adec="http://schemas.microsoft.com/office/drawing/2017/decorative" val="1"/>
+              </a:ext>
+            </a:extLst>
+          </p:cNvPr>
+          <p:cNvSpPr>
+            <a:spLocks noGrp="1" noRot="1" noChangeAspect="1" noMove="1" noResize="1" noEditPoints="1" noAdjustHandles="1" noChangeArrowheads="1" noChangeShapeType="1" noTextEdit="1"/>
+          </p:cNvSpPr>
+          <p:nvPr>
+            <p:extLst>
+              <p:ext uri="{386F3935-93C4-4BCD-93E2-E3B085C9AB24}">
+                <p16:designElem xmlns:p16="http://schemas.microsoft.com/office/powerpoint/2015/main" val="1"/>
+              </p:ext>
+            </p:extLst>
+          </p:nvPr>
+        </p:nvSpPr>
+        <p:spPr>
+          <a:xfrm>
+            <a:off x="0" y="0"/>
+            <a:ext cx="12192000" cy="6858000"/>
+          </a:xfrm>
+          <a:prstGeom prst="rect">
+            <a:avLst/>
+          </a:prstGeom>
+          <a:ln>
+            <a:noFill/>
+          </a:ln>
+        </p:spPr>
+        <p:style>
+          <a:lnRef idx="2">
+            <a:schemeClr val="accent1">
+              <a:shade val="50000"/>
+            </a:schemeClr>
+          </a:lnRef>
+          <a:fillRef idx="1">
+            <a:schemeClr val="accent1"/>
+          </a:fillRef>
+          <a:effectRef idx="0">
+            <a:schemeClr val="accent1"/>
+          </a:effectRef>
+          <a:fontRef idx="minor">
+            <a:schemeClr val="lt1"/>
+          </a:fontRef>
+        </p:style>
+        <p:txBody>
+          <a:bodyPr rtlCol="0" anchor="ctr"/>
+          <a:lstStyle/>
+          <a:p>
+            <a:pPr algn="ctr"/>
+            <a:endParaRPr lang="en-US"/>
+          </a:p>
+        </p:txBody>
+      </p:sp>
+      <p:sp>
+        <p:nvSpPr>
+          <p:cNvPr id="4" name="TextBox 3">
+            <a:extLst>
+              <a:ext uri="{FF2B5EF4-FFF2-40B4-BE49-F238E27FC236}">
+                <a16:creationId xmlns:a16="http://schemas.microsoft.com/office/drawing/2014/main" id="{6FDEFC58-389A-49FA-BE63-20EA0C26EABD}"/>
+              </a:ext>
+            </a:extLst>
+          </p:cNvPr>
+          <p:cNvSpPr txBox="1"/>
+          <p:nvPr/>
+        </p:nvSpPr>
+        <p:spPr>
+          <a:xfrm>
+            <a:off x="861791" y="835383"/>
+            <a:ext cx="3382832" cy="3499549"/>
+          </a:xfrm>
+          <a:prstGeom prst="rect">
+            <a:avLst/>
+          </a:prstGeom>
+        </p:spPr>
+        <p:txBody>
+          <a:bodyPr vert="horz" lIns="91440" tIns="45720" rIns="91440" bIns="45720" rtlCol="0" anchor="b">
+            <a:normAutofit/>
+          </a:bodyPr>
+          <a:lstStyle/>
+          <a:p>
+            <a:pPr defTabSz="457200">
+              <a:lnSpc>
+                <a:spcPct val="90000"/>
+              </a:lnSpc>
+              <a:spcBef>
+                <a:spcPct val="0"/>
+              </a:spcBef>
+              <a:spcAft>
+                <a:spcPts val="600"/>
+              </a:spcAft>
+            </a:pPr>
+            <a:r>
+              <a:rPr lang="en-US" sz="2900" dirty="0">
+                <a:ln>
+                  <a:solidFill>
+                    <a:schemeClr val="bg1">
+                      <a:lumMod val="75000"/>
+                      <a:lumOff val="25000"/>
+                      <a:alpha val="10000"/>
+                    </a:schemeClr>
+                  </a:solidFill>
+                </a:ln>
+                <a:solidFill>
+                  <a:schemeClr val="tx2"/>
+                </a:solidFill>
+                <a:effectLst>
+                  <a:outerShdw blurRad="9525" dist="25400" dir="14640000" algn="tl" rotWithShape="0">
+                    <a:schemeClr val="bg1">
+                      <a:alpha val="30000"/>
+                    </a:schemeClr>
+                  </a:outerShdw>
+                </a:effectLst>
+                <a:latin typeface="+mj-lt"/>
+                <a:ea typeface="+mj-ea"/>
+              </a:rPr>
+              <a:t>GEO 330 Sustainable Urban Transportation</a:t>
+            </a:r>
+          </a:p>
+          <a:p>
+            <a:pPr defTabSz="457200">
+              <a:lnSpc>
+                <a:spcPct val="90000"/>
+              </a:lnSpc>
+              <a:spcBef>
+                <a:spcPct val="0"/>
+              </a:spcBef>
+              <a:spcAft>
+                <a:spcPts val="600"/>
+              </a:spcAft>
+            </a:pPr>
+            <a:r>
+              <a:rPr lang="en-US" sz="2900" dirty="0">
+                <a:ln>
+                  <a:solidFill>
+                    <a:schemeClr val="bg1">
+                      <a:lumMod val="75000"/>
+                      <a:lumOff val="25000"/>
+                      <a:alpha val="10000"/>
+                    </a:schemeClr>
+                  </a:solidFill>
+                </a:ln>
+                <a:solidFill>
+                  <a:schemeClr val="tx2"/>
+                </a:solidFill>
+                <a:effectLst>
+                  <a:outerShdw blurRad="9525" dist="25400" dir="14640000" algn="tl" rotWithShape="0">
+                    <a:schemeClr val="bg1">
+                      <a:alpha val="30000"/>
+                    </a:schemeClr>
+                  </a:outerShdw>
+                </a:effectLst>
+                <a:latin typeface="+mj-lt"/>
+                <a:ea typeface="+mj-ea"/>
+              </a:rPr>
+              <a:t>Exercise #1: Commute Mode Share</a:t>
+            </a:r>
+          </a:p>
+        </p:txBody>
+      </p:sp>
+      <p:sp>
+        <p:nvSpPr>
+          <p:cNvPr id="12" name="Rectangle 11">
+            <a:extLst>
+              <a:ext uri="{FF2B5EF4-FFF2-40B4-BE49-F238E27FC236}">
+                <a16:creationId xmlns:a16="http://schemas.microsoft.com/office/drawing/2014/main" id="{A6D87845-294F-40CB-BC48-46455460D292}"/>
+              </a:ext>
+              <a:ext uri="{C183D7F6-B498-43B3-948B-1728B52AA6E4}">
+                <adec:decorative xmlns:adec="http://schemas.microsoft.com/office/drawing/2017/decorative" val="1"/>
+              </a:ext>
+            </a:extLst>
+          </p:cNvPr>
+          <p:cNvSpPr>
+            <a:spLocks noGrp="1" noRot="1" noChangeAspect="1" noMove="1" noResize="1" noEditPoints="1" noAdjustHandles="1" noChangeArrowheads="1" noChangeShapeType="1" noTextEdit="1"/>
+          </p:cNvSpPr>
+          <p:nvPr>
+            <p:extLst>
+              <p:ext uri="{386F3935-93C4-4BCD-93E2-E3B085C9AB24}">
+                <p16:designElem xmlns:p16="http://schemas.microsoft.com/office/powerpoint/2015/main" val="1"/>
+              </p:ext>
+            </p:extLst>
+          </p:nvPr>
+        </p:nvSpPr>
+        <p:spPr>
+          <a:xfrm>
+            <a:off x="4655671" y="0"/>
+            <a:ext cx="7536329" cy="6858000"/>
+          </a:xfrm>
+          <a:prstGeom prst="rect">
+            <a:avLst/>
+          </a:prstGeom>
+          <a:solidFill>
+            <a:schemeClr val="tx1"/>
+          </a:solidFill>
+          <a:ln>
+            <a:noFill/>
+          </a:ln>
+        </p:spPr>
+        <p:style>
+          <a:lnRef idx="2">
+            <a:schemeClr val="accent1">
+              <a:shade val="50000"/>
+            </a:schemeClr>
+          </a:lnRef>
+          <a:fillRef idx="1">
+            <a:schemeClr val="accent1"/>
+          </a:fillRef>
+          <a:effectRef idx="0">
+            <a:schemeClr val="accent1"/>
+          </a:effectRef>
+          <a:fontRef idx="minor">
+            <a:schemeClr val="lt1"/>
+          </a:fontRef>
+        </p:style>
+        <p:txBody>
+          <a:bodyPr rtlCol="0" anchor="ctr"/>
+          <a:lstStyle/>
+          <a:p>
+            <a:pPr algn="ctr"/>
+            <a:endParaRPr lang="en-US"/>
+          </a:p>
+        </p:txBody>
+      </p:sp>
+      <p:sp>
+        <p:nvSpPr>
+          <p:cNvPr id="7" name="Rectangle 6">
+            <a:extLst>
+              <a:ext uri="{FF2B5EF4-FFF2-40B4-BE49-F238E27FC236}">
+                <a16:creationId xmlns:a16="http://schemas.microsoft.com/office/drawing/2014/main" id="{ABCEB55A-A1E4-4968-AB1F-0DA6E07E2274}"/>
+              </a:ext>
+            </a:extLst>
+          </p:cNvPr>
+          <p:cNvSpPr/>
+          <p:nvPr/>
+        </p:nvSpPr>
+        <p:spPr>
+          <a:xfrm>
+            <a:off x="4919472" y="658046"/>
+            <a:ext cx="7068704" cy="3420178"/>
+          </a:xfrm>
+          <a:prstGeom prst="rect">
+            <a:avLst/>
+          </a:prstGeom>
+          <a:noFill/>
+        </p:spPr>
+        <p:style>
+          <a:lnRef idx="2">
+            <a:schemeClr val="accent1">
+              <a:shade val="50000"/>
+            </a:schemeClr>
+          </a:lnRef>
+          <a:fillRef idx="1">
+            <a:schemeClr val="accent1"/>
+          </a:fillRef>
+          <a:effectRef idx="0">
+            <a:schemeClr val="accent1"/>
+          </a:effectRef>
+          <a:fontRef idx="minor">
+            <a:schemeClr val="lt1"/>
+          </a:fontRef>
+        </p:style>
+        <p:txBody>
+          <a:bodyPr rtlCol="0" anchor="ctr"/>
+          <a:lstStyle/>
+          <a:p>
+            <a:pPr algn="ctr"/>
+            <a:endParaRPr lang="en-US"/>
+          </a:p>
+        </p:txBody>
+      </p:sp>
+      <p:sp>
+        <p:nvSpPr>
+          <p:cNvPr id="9" name="TextBox 8">
+            <a:extLst>
+              <a:ext uri="{FF2B5EF4-FFF2-40B4-BE49-F238E27FC236}">
+                <a16:creationId xmlns:a16="http://schemas.microsoft.com/office/drawing/2014/main" id="{D87AC69C-C6CC-4FAB-A999-6457ACC399A4}"/>
+              </a:ext>
+            </a:extLst>
+          </p:cNvPr>
+          <p:cNvSpPr txBox="1"/>
+          <p:nvPr/>
+        </p:nvSpPr>
+        <p:spPr>
+          <a:xfrm>
+            <a:off x="4845127" y="242672"/>
+            <a:ext cx="4457700" cy="369332"/>
+          </a:xfrm>
+          <a:prstGeom prst="rect">
+            <a:avLst/>
+          </a:prstGeom>
+          <a:noFill/>
+        </p:spPr>
+        <p:txBody>
+          <a:bodyPr wrap="square" rtlCol="0">
+            <a:spAutoFit/>
+          </a:bodyPr>
+          <a:lstStyle/>
+          <a:p>
+            <a:r>
+              <a:rPr lang="en-US" dirty="0">
+                <a:solidFill>
+                  <a:schemeClr val="bg1"/>
+                </a:solidFill>
+                <a:latin typeface="+mj-lt"/>
+                <a:cs typeface="Courier New" panose="02070309020205020404" pitchFamily="49" charset="0"/>
+              </a:rPr>
+              <a:t>Map of [select] Mode Share by US County</a:t>
+            </a:r>
+          </a:p>
+        </p:txBody>
+      </p:sp>
+      <p:sp>
+        <p:nvSpPr>
+          <p:cNvPr id="11" name="TextBox 10">
+            <a:extLst>
+              <a:ext uri="{FF2B5EF4-FFF2-40B4-BE49-F238E27FC236}">
+                <a16:creationId xmlns:a16="http://schemas.microsoft.com/office/drawing/2014/main" id="{89BA7AD5-915D-404C-85FE-4A0CC7F14065}"/>
+              </a:ext>
+            </a:extLst>
+          </p:cNvPr>
+          <p:cNvSpPr txBox="1"/>
+          <p:nvPr/>
+        </p:nvSpPr>
+        <p:spPr>
+          <a:xfrm>
+            <a:off x="4845126" y="4534852"/>
+            <a:ext cx="7143049" cy="1846659"/>
+          </a:xfrm>
+          <a:prstGeom prst="rect">
+            <a:avLst/>
+          </a:prstGeom>
+          <a:noFill/>
+        </p:spPr>
+        <p:txBody>
+          <a:bodyPr wrap="square" rtlCol="0">
+            <a:spAutoFit/>
+          </a:bodyPr>
+          <a:lstStyle/>
+          <a:p>
+            <a:r>
+              <a:rPr lang="en-US" b="1" dirty="0">
+                <a:solidFill>
+                  <a:schemeClr val="bg2"/>
+                </a:solidFill>
+                <a:latin typeface="+mj-lt"/>
+                <a:cs typeface="Courier New" panose="02070309020205020404" pitchFamily="49" charset="0"/>
+              </a:rPr>
+              <a:t>Describe any geographic patterns you see in the map:</a:t>
+            </a:r>
+          </a:p>
+          <a:p>
+            <a:endParaRPr lang="en-US" sz="1000" b="1" dirty="0">
+              <a:solidFill>
+                <a:schemeClr val="bg2"/>
+              </a:solidFill>
+              <a:latin typeface="+mj-lt"/>
+              <a:cs typeface="Courier New" panose="02070309020205020404" pitchFamily="49" charset="0"/>
+            </a:endParaRPr>
+          </a:p>
+          <a:p>
+            <a:endParaRPr lang="en-US" sz="1000" b="1" dirty="0">
+              <a:solidFill>
+                <a:schemeClr val="bg2"/>
+              </a:solidFill>
+              <a:latin typeface="+mj-lt"/>
+              <a:cs typeface="Courier New" panose="02070309020205020404" pitchFamily="49" charset="0"/>
+            </a:endParaRPr>
+          </a:p>
+          <a:p>
+            <a:endParaRPr lang="en-US" altLang="en-US" sz="1000" b="1" dirty="0">
+              <a:solidFill>
+                <a:schemeClr val="bg2"/>
+              </a:solidFill>
+            </a:endParaRPr>
+          </a:p>
+          <a:p>
+            <a:r>
+              <a:rPr lang="en-US" altLang="en-US" b="1" dirty="0">
+                <a:solidFill>
+                  <a:schemeClr val="bg2"/>
+                </a:solidFill>
+              </a:rPr>
+              <a:t>What factors do you feel explain these geographic variations in mode share?</a:t>
+            </a:r>
+          </a:p>
+          <a:p>
+            <a:endParaRPr lang="en-US" altLang="en-US" sz="1000" b="1" dirty="0">
+              <a:solidFill>
+                <a:schemeClr val="bg2"/>
+              </a:solidFill>
+            </a:endParaRPr>
+          </a:p>
+          <a:p>
+            <a:endParaRPr lang="en-US" altLang="en-US" sz="1000" b="1" dirty="0">
+              <a:solidFill>
+                <a:schemeClr val="bg2"/>
+              </a:solidFill>
+            </a:endParaRPr>
+          </a:p>
+          <a:p>
+            <a:endParaRPr lang="en-US" sz="1000" dirty="0">
+              <a:solidFill>
+                <a:schemeClr val="bg2"/>
+              </a:solidFill>
+              <a:latin typeface="+mj-lt"/>
+              <a:cs typeface="Courier New" panose="02070309020205020404" pitchFamily="49" charset="0"/>
+            </a:endParaRPr>
+          </a:p>
+        </p:txBody>
+      </p:sp>
+    </p:spTree>
+    <p:extLst>
+      <p:ext uri="{BB962C8B-B14F-4D97-AF65-F5344CB8AC3E}">
+        <p14:creationId xmlns:p14="http://schemas.microsoft.com/office/powerpoint/2010/main" val="1953362540"/>
       </p:ext>
     </p:extLst>
   </p:cSld>
@@ -11207,6 +11293,82 @@
       </p:sp>
       <p:sp>
         <p:nvSpPr>
+          <p:cNvPr id="7" name="Rectangle 6">
+            <a:extLst>
+              <a:ext uri="{FF2B5EF4-FFF2-40B4-BE49-F238E27FC236}">
+                <a16:creationId xmlns:a16="http://schemas.microsoft.com/office/drawing/2014/main" id="{ABCEB55A-A1E4-4968-AB1F-0DA6E07E2274}"/>
+              </a:ext>
+            </a:extLst>
+          </p:cNvPr>
+          <p:cNvSpPr/>
+          <p:nvPr/>
+        </p:nvSpPr>
+        <p:spPr>
+          <a:xfrm>
+            <a:off x="4919472" y="658046"/>
+            <a:ext cx="7068704" cy="3420178"/>
+          </a:xfrm>
+          <a:prstGeom prst="rect">
+            <a:avLst/>
+          </a:prstGeom>
+          <a:noFill/>
+        </p:spPr>
+        <p:style>
+          <a:lnRef idx="2">
+            <a:schemeClr val="accent1">
+              <a:shade val="50000"/>
+            </a:schemeClr>
+          </a:lnRef>
+          <a:fillRef idx="1">
+            <a:schemeClr val="accent1"/>
+          </a:fillRef>
+          <a:effectRef idx="0">
+            <a:schemeClr val="accent1"/>
+          </a:effectRef>
+          <a:fontRef idx="minor">
+            <a:schemeClr val="lt1"/>
+          </a:fontRef>
+        </p:style>
+        <p:txBody>
+          <a:bodyPr rtlCol="0" anchor="ctr"/>
+          <a:lstStyle/>
+          <a:p>
+            <a:pPr marL="0" marR="0" lvl="0" indent="0" algn="ctr" defTabSz="914400" rtl="0" eaLnBrk="1" fontAlgn="auto" latinLnBrk="0" hangingPunct="1">
+              <a:lnSpc>
+                <a:spcPct val="100000"/>
+              </a:lnSpc>
+              <a:spcBef>
+                <a:spcPts val="0"/>
+              </a:spcBef>
+              <a:spcAft>
+                <a:spcPts val="0"/>
+              </a:spcAft>
+              <a:buClrTx/>
+              <a:buSzTx/>
+              <a:buFontTx/>
+              <a:buNone/>
+              <a:tabLst/>
+              <a:defRPr/>
+            </a:pPr>
+            <a:endParaRPr kumimoji="0" lang="en-US" sz="1800" b="0" i="0" u="none" strike="noStrike" kern="1200" cap="none" spc="0" normalizeH="0" baseline="0" noProof="0">
+              <a:ln>
+                <a:noFill/>
+              </a:ln>
+              <a:solidFill>
+                <a:prstClr val="white"/>
+              </a:solidFill>
+              <a:effectLst/>
+              <a:uLnTx/>
+              <a:uFillTx/>
+              <a:latin typeface="Calisto MT" panose="02040603050505030304"/>
+              <a:ea typeface="+mn-ea"/>
+              <a:cs typeface="+mn-cs"/>
+            </a:endParaRPr>
+          </a:p>
+        </p:txBody>
+      </p:sp>
+      <p:sp>
+        <p:nvSpPr>
           <p:cNvPr id="9" name="TextBox 8">
             <a:extLst>
               <a:ext uri="{FF2B5EF4-FFF2-40B4-BE49-F238E27FC236}">
@@ -11219,8 +11381,8 @@
         </p:nvSpPr>
         <p:spPr>
           <a:xfrm>
-            <a:off x="4845125" y="242672"/>
-            <a:ext cx="7014643" cy="369332"/>
+            <a:off x="4845126" y="242672"/>
+            <a:ext cx="5515025" cy="369332"/>
           </a:xfrm>
           <a:prstGeom prst="rect">
             <a:avLst/>
@@ -11265,7 +11427,34 @@
                 <a:ea typeface="+mn-ea"/>
                 <a:cs typeface="Courier New" panose="02070309020205020404" pitchFamily="49" charset="0"/>
               </a:rPr>
-              <a:t>Table of Ten Counties with Highest Public Transit Mode Share, 2019</a:t>
+              <a:t>Map of </a:t>
+            </a:r>
+            <a:r>
+              <a:rPr lang="en-US" dirty="0">
+                <a:solidFill>
+                  <a:schemeClr val="bg1"/>
+                </a:solidFill>
+                <a:latin typeface="+mj-lt"/>
+                <a:cs typeface="Courier New" panose="02070309020205020404" pitchFamily="49" charset="0"/>
+              </a:rPr>
+              <a:t>[select]</a:t>
+            </a:r>
+            <a:r>
+              <a:rPr kumimoji="0" lang="en-US" sz="1800" b="0" i="0" u="none" strike="noStrike" kern="1200" cap="none" spc="0" normalizeH="0" baseline="0" noProof="0" dirty="0">
+                <a:ln>
+                  <a:noFill/>
+                </a:ln>
+                <a:solidFill>
+                  <a:prstClr val="black"/>
+                </a:solidFill>
+                <a:effectLst/>
+                <a:uLnTx/>
+                <a:uFillTx/>
+                <a:latin typeface="Calisto MT" panose="02040603050505030304"/>
+                <a:ea typeface="+mn-ea"/>
+                <a:cs typeface="Courier New" panose="02070309020205020404" pitchFamily="49" charset="0"/>
+              </a:rPr>
+              <a:t> Mode Share by US County</a:t>
             </a:r>
           </a:p>
         </p:txBody>
@@ -11284,8 +11473,8 @@
         </p:nvSpPr>
         <p:spPr>
           <a:xfrm>
-            <a:off x="4845126" y="5003101"/>
-            <a:ext cx="7143049" cy="830997"/>
+            <a:off x="4845126" y="4534852"/>
+            <a:ext cx="7143049" cy="1846659"/>
           </a:xfrm>
           <a:prstGeom prst="rect">
             <a:avLst/>
@@ -11316,7 +11505,7 @@
               <a:defRPr/>
             </a:pPr>
             <a:r>
-              <a:rPr kumimoji="0" lang="en-US" altLang="en-US" sz="1800" b="1" i="0" u="none" strike="noStrike" kern="1200" cap="none" spc="0" normalizeH="0" baseline="0" noProof="0" dirty="0">
+              <a:rPr kumimoji="0" lang="en-US" sz="1800" b="1" i="0" u="none" strike="noStrike" kern="1200" cap="none" spc="0" normalizeH="0" baseline="0" noProof="0" dirty="0">
                 <a:ln>
                   <a:noFill/>
                 </a:ln>
@@ -11328,44 +11517,76 @@
                 <a:uFillTx/>
                 <a:latin typeface="Calisto MT" panose="02040603050505030304"/>
                 <a:ea typeface="+mn-ea"/>
-                <a:cs typeface="+mn-cs"/>
+                <a:cs typeface="Courier New" panose="02070309020205020404" pitchFamily="49" charset="0"/>
               </a:rPr>
-              <a:t>What stands </a:t>
-            </a:r>
-            <a:r>
-              <a:rPr kumimoji="0" lang="en-US" altLang="en-US" sz="1800" b="1" i="0" u="none" strike="noStrike" kern="1200" cap="none" spc="0" normalizeH="0" baseline="0" noProof="0" dirty="0" err="1">
-                <a:ln>
-                  <a:noFill/>
-                </a:ln>
-                <a:solidFill>
-                  <a:srgbClr val="212123"/>
-                </a:solidFill>
-                <a:effectLst/>
-                <a:uLnTx/>
-                <a:uFillTx/>
-                <a:latin typeface="Calisto MT" panose="02040603050505030304"/>
-                <a:ea typeface="+mn-ea"/>
-                <a:cs typeface="+mn-cs"/>
-              </a:rPr>
-              <a:t>ou</a:t>
-            </a:r>
-            <a:r>
-              <a:rPr kumimoji="0" lang="en-US" altLang="en-US" sz="1800" b="1" i="0" u="none" strike="noStrike" kern="1200" cap="none" spc="0" normalizeH="0" baseline="0" noProof="0" dirty="0">
-                <a:ln>
-                  <a:noFill/>
-                </a:ln>
-                <a:solidFill>
-                  <a:srgbClr val="212123"/>
-                </a:solidFill>
-                <a:effectLst/>
-                <a:uLnTx/>
-                <a:uFillTx/>
-                <a:latin typeface="Calisto MT" panose="02040603050505030304"/>
-                <a:ea typeface="+mn-ea"/>
-                <a:cs typeface="+mn-cs"/>
-              </a:rPr>
-              <a:t>t from this list?</a:t>
-            </a:r>
+              <a:t>Describe any geographic patterns you see in the map:</a:t>
+            </a:r>
+          </a:p>
+          <a:p>
+            <a:pPr marL="0" marR="0" lvl="0" indent="0" algn="l" defTabSz="914400" rtl="0" eaLnBrk="1" fontAlgn="auto" latinLnBrk="0" hangingPunct="1">
+              <a:lnSpc>
+                <a:spcPct val="100000"/>
+              </a:lnSpc>
+              <a:spcBef>
+                <a:spcPts val="0"/>
+              </a:spcBef>
+              <a:spcAft>
+                <a:spcPts val="0"/>
+              </a:spcAft>
+              <a:buClrTx/>
+              <a:buSzTx/>
+              <a:buFontTx/>
+              <a:buNone/>
+              <a:tabLst/>
+              <a:defRPr/>
+            </a:pPr>
+            <a:endParaRPr kumimoji="0" lang="en-US" sz="1000" b="1" i="0" u="none" strike="noStrike" kern="1200" cap="none" spc="0" normalizeH="0" baseline="0" noProof="0" dirty="0">
+              <a:ln>
+                <a:noFill/>
+              </a:ln>
+              <a:solidFill>
+                <a:srgbClr val="212123"/>
+              </a:solidFill>
+              <a:effectLst/>
+              <a:uLnTx/>
+              <a:uFillTx/>
+              <a:latin typeface="Calisto MT" panose="02040603050505030304"/>
+              <a:ea typeface="+mn-ea"/>
+              <a:cs typeface="Courier New" panose="02070309020205020404" pitchFamily="49" charset="0"/>
+            </a:endParaRPr>
+          </a:p>
+          <a:p>
+            <a:pPr marL="0" marR="0" lvl="0" indent="0" algn="l" defTabSz="914400" rtl="0" eaLnBrk="1" fontAlgn="auto" latinLnBrk="0" hangingPunct="1">
+              <a:lnSpc>
+                <a:spcPct val="100000"/>
+              </a:lnSpc>
+              <a:spcBef>
+                <a:spcPts val="0"/>
+              </a:spcBef>
+              <a:spcAft>
+                <a:spcPts val="0"/>
+              </a:spcAft>
+              <a:buClrTx/>
+              <a:buSzTx/>
+              <a:buFontTx/>
+              <a:buNone/>
+              <a:tabLst/>
+              <a:defRPr/>
+            </a:pPr>
+            <a:endParaRPr kumimoji="0" lang="en-US" sz="1000" b="1" i="0" u="none" strike="noStrike" kern="1200" cap="none" spc="0" normalizeH="0" baseline="0" noProof="0" dirty="0">
+              <a:ln>
+                <a:noFill/>
+              </a:ln>
+              <a:solidFill>
+                <a:srgbClr val="212123"/>
+              </a:solidFill>
+              <a:effectLst/>
+              <a:uLnTx/>
+              <a:uFillTx/>
+              <a:latin typeface="Calisto MT" panose="02040603050505030304"/>
+              <a:ea typeface="+mn-ea"/>
+              <a:cs typeface="Courier New" panose="02070309020205020404" pitchFamily="49" charset="0"/>
+            </a:endParaRPr>
           </a:p>
           <a:p>
             <a:pPr marL="0" marR="0" lvl="0" indent="0" algn="l" defTabSz="914400" rtl="0" eaLnBrk="1" fontAlgn="auto" latinLnBrk="0" hangingPunct="1">
@@ -11418,6 +11639,75 @@
               <a:tabLst/>
               <a:defRPr/>
             </a:pPr>
+            <a:r>
+              <a:rPr kumimoji="0" lang="en-US" altLang="en-US" sz="1800" b="1" i="0" u="none" strike="noStrike" kern="1200" cap="none" spc="0" normalizeH="0" baseline="0" noProof="0" dirty="0">
+                <a:ln>
+                  <a:noFill/>
+                </a:ln>
+                <a:solidFill>
+                  <a:srgbClr val="212123"/>
+                </a:solidFill>
+                <a:effectLst/>
+                <a:uLnTx/>
+                <a:uFillTx/>
+                <a:latin typeface="Calisto MT" panose="02040603050505030304"/>
+                <a:ea typeface="+mn-ea"/>
+                <a:cs typeface="+mn-cs"/>
+              </a:rPr>
+              <a:t>What factors do you feel explain these geographic variations in mode share?</a:t>
+            </a:r>
+          </a:p>
+          <a:p>
+            <a:pPr marL="0" marR="0" lvl="0" indent="0" algn="l" defTabSz="914400" rtl="0" eaLnBrk="1" fontAlgn="auto" latinLnBrk="0" hangingPunct="1">
+              <a:lnSpc>
+                <a:spcPct val="100000"/>
+              </a:lnSpc>
+              <a:spcBef>
+                <a:spcPts val="0"/>
+              </a:spcBef>
+              <a:spcAft>
+                <a:spcPts val="0"/>
+              </a:spcAft>
+              <a:buClrTx/>
+              <a:buSzTx/>
+              <a:buFontTx/>
+              <a:buNone/>
+              <a:tabLst/>
+              <a:defRPr/>
+            </a:pPr>
+            <a:endParaRPr kumimoji="0" lang="en-US" altLang="en-US" sz="1000" b="1" i="0" u="none" strike="noStrike" kern="1200" cap="none" spc="0" normalizeH="0" baseline="0" noProof="0" dirty="0">
+              <a:ln>
+                <a:noFill/>
+              </a:ln>
+              <a:solidFill>
+                <a:srgbClr val="212123"/>
+              </a:solidFill>
+              <a:effectLst/>
+              <a:uLnTx/>
+              <a:uFillTx/>
+              <a:latin typeface="Calisto MT" panose="02040603050505030304"/>
+              <a:ea typeface="+mn-ea"/>
+              <a:cs typeface="+mn-cs"/>
+            </a:endParaRPr>
+          </a:p>
+          <a:p>
+            <a:pPr marL="0" marR="0" lvl="0" indent="0" algn="l" defTabSz="914400" rtl="0" eaLnBrk="1" fontAlgn="auto" latinLnBrk="0" hangingPunct="1">
+              <a:lnSpc>
+                <a:spcPct val="100000"/>
+              </a:lnSpc>
+              <a:spcBef>
+                <a:spcPts val="0"/>
+              </a:spcBef>
+              <a:spcAft>
+                <a:spcPts val="0"/>
+              </a:spcAft>
+              <a:buClrTx/>
+              <a:buSzTx/>
+              <a:buFontTx/>
+              <a:buNone/>
+              <a:tabLst/>
+              <a:defRPr/>
+            </a:pPr>
             <a:endParaRPr kumimoji="0" lang="en-US" altLang="en-US" sz="1000" b="1" i="0" u="none" strike="noStrike" kern="1200" cap="none" spc="0" normalizeH="0" baseline="0" noProof="0" dirty="0">
               <a:ln>
                 <a:noFill/>
@@ -11468,603 +11758,10 @@
           </a:p>
         </p:txBody>
       </p:sp>
-      <p:graphicFrame>
-        <p:nvGraphicFramePr>
-          <p:cNvPr id="2" name="Table 2">
-            <a:extLst>
-              <a:ext uri="{FF2B5EF4-FFF2-40B4-BE49-F238E27FC236}">
-                <a16:creationId xmlns:a16="http://schemas.microsoft.com/office/drawing/2014/main" id="{32C6692F-134E-0677-6DC5-05584379AE03}"/>
-              </a:ext>
-            </a:extLst>
-          </p:cNvPr>
-          <p:cNvGraphicFramePr>
-            <a:graphicFrameLocks noGrp="1"/>
-          </p:cNvGraphicFramePr>
-          <p:nvPr>
-            <p:extLst>
-              <p:ext uri="{D42A27DB-BD31-4B8C-83A1-F6EECF244321}">
-                <p14:modId xmlns:p14="http://schemas.microsoft.com/office/powerpoint/2010/main" val="556558720"/>
-              </p:ext>
-            </p:extLst>
-          </p:nvPr>
-        </p:nvGraphicFramePr>
-        <p:xfrm>
-          <a:off x="4934937" y="730957"/>
-          <a:ext cx="6924832" cy="4079240"/>
-        </p:xfrm>
-        <a:graphic>
-          <a:graphicData uri="http://schemas.openxmlformats.org/drawingml/2006/table">
-            <a:tbl>
-              <a:tblPr firstRow="1" bandRow="1">
-                <a:tableStyleId>{5C22544A-7EE6-4342-B048-85BDC9FD1C3A}</a:tableStyleId>
-              </a:tblPr>
-              <a:tblGrid>
-                <a:gridCol w="1731208">
-                  <a:extLst>
-                    <a:ext uri="{9D8B030D-6E8A-4147-A177-3AD203B41FA5}">
-                      <a16:colId xmlns:a16="http://schemas.microsoft.com/office/drawing/2014/main" val="2926590613"/>
-                    </a:ext>
-                  </a:extLst>
-                </a:gridCol>
-                <a:gridCol w="1731208">
-                  <a:extLst>
-                    <a:ext uri="{9D8B030D-6E8A-4147-A177-3AD203B41FA5}">
-                      <a16:colId xmlns:a16="http://schemas.microsoft.com/office/drawing/2014/main" val="535855478"/>
-                    </a:ext>
-                  </a:extLst>
-                </a:gridCol>
-                <a:gridCol w="1731208">
-                  <a:extLst>
-                    <a:ext uri="{9D8B030D-6E8A-4147-A177-3AD203B41FA5}">
-                      <a16:colId xmlns:a16="http://schemas.microsoft.com/office/drawing/2014/main" val="1019973300"/>
-                    </a:ext>
-                  </a:extLst>
-                </a:gridCol>
-                <a:gridCol w="1731208">
-                  <a:extLst>
-                    <a:ext uri="{9D8B030D-6E8A-4147-A177-3AD203B41FA5}">
-                      <a16:colId xmlns:a16="http://schemas.microsoft.com/office/drawing/2014/main" val="4067929022"/>
-                    </a:ext>
-                  </a:extLst>
-                </a:gridCol>
-              </a:tblGrid>
-              <a:tr h="370840">
-                <a:tc>
-                  <a:txBody>
-                    <a:bodyPr/>
-                    <a:lstStyle/>
-                    <a:p>
-                      <a:r>
-                        <a:rPr lang="en-US" dirty="0"/>
-                        <a:t>County Name</a:t>
-                      </a:r>
-                    </a:p>
-                  </a:txBody>
-                  <a:tcPr/>
-                </a:tc>
-                <a:tc>
-                  <a:txBody>
-                    <a:bodyPr/>
-                    <a:lstStyle/>
-                    <a:p>
-                      <a:r>
-                        <a:rPr lang="en-US" dirty="0"/>
-                        <a:t>State</a:t>
-                      </a:r>
-                    </a:p>
-                  </a:txBody>
-                  <a:tcPr/>
-                </a:tc>
-                <a:tc>
-                  <a:txBody>
-                    <a:bodyPr/>
-                    <a:lstStyle/>
-                    <a:p>
-                      <a:r>
-                        <a:rPr lang="en-US" dirty="0"/>
-                        <a:t>Division</a:t>
-                      </a:r>
-                    </a:p>
-                  </a:txBody>
-                  <a:tcPr/>
-                </a:tc>
-                <a:tc>
-                  <a:txBody>
-                    <a:bodyPr/>
-                    <a:lstStyle/>
-                    <a:p>
-                      <a:r>
-                        <a:rPr lang="en-US" dirty="0"/>
-                        <a:t>Transit Share</a:t>
-                      </a:r>
-                    </a:p>
-                  </a:txBody>
-                  <a:tcPr/>
-                </a:tc>
-                <a:extLst>
-                  <a:ext uri="{0D108BD9-81ED-4DB2-BD59-A6C34878D82A}">
-                    <a16:rowId xmlns:a16="http://schemas.microsoft.com/office/drawing/2014/main" val="43561861"/>
-                  </a:ext>
-                </a:extLst>
-              </a:tr>
-              <a:tr h="370840">
-                <a:tc>
-                  <a:txBody>
-                    <a:bodyPr/>
-                    <a:lstStyle/>
-                    <a:p>
-                      <a:endParaRPr lang="en-US" dirty="0"/>
-                    </a:p>
-                  </a:txBody>
-                  <a:tcPr/>
-                </a:tc>
-                <a:tc>
-                  <a:txBody>
-                    <a:bodyPr/>
-                    <a:lstStyle/>
-                    <a:p>
-                      <a:endParaRPr lang="en-US"/>
-                    </a:p>
-                  </a:txBody>
-                  <a:tcPr/>
-                </a:tc>
-                <a:tc>
-                  <a:txBody>
-                    <a:bodyPr/>
-                    <a:lstStyle/>
-                    <a:p>
-                      <a:endParaRPr lang="en-US"/>
-                    </a:p>
-                  </a:txBody>
-                  <a:tcPr/>
-                </a:tc>
-                <a:tc>
-                  <a:txBody>
-                    <a:bodyPr/>
-                    <a:lstStyle/>
-                    <a:p>
-                      <a:endParaRPr lang="en-US"/>
-                    </a:p>
-                  </a:txBody>
-                  <a:tcPr/>
-                </a:tc>
-                <a:extLst>
-                  <a:ext uri="{0D108BD9-81ED-4DB2-BD59-A6C34878D82A}">
-                    <a16:rowId xmlns:a16="http://schemas.microsoft.com/office/drawing/2014/main" val="957544947"/>
-                  </a:ext>
-                </a:extLst>
-              </a:tr>
-              <a:tr h="370840">
-                <a:tc>
-                  <a:txBody>
-                    <a:bodyPr/>
-                    <a:lstStyle/>
-                    <a:p>
-                      <a:endParaRPr lang="en-US"/>
-                    </a:p>
-                  </a:txBody>
-                  <a:tcPr/>
-                </a:tc>
-                <a:tc>
-                  <a:txBody>
-                    <a:bodyPr/>
-                    <a:lstStyle/>
-                    <a:p>
-                      <a:endParaRPr lang="en-US"/>
-                    </a:p>
-                  </a:txBody>
-                  <a:tcPr/>
-                </a:tc>
-                <a:tc>
-                  <a:txBody>
-                    <a:bodyPr/>
-                    <a:lstStyle/>
-                    <a:p>
-                      <a:endParaRPr lang="en-US"/>
-                    </a:p>
-                  </a:txBody>
-                  <a:tcPr/>
-                </a:tc>
-                <a:tc>
-                  <a:txBody>
-                    <a:bodyPr/>
-                    <a:lstStyle/>
-                    <a:p>
-                      <a:endParaRPr lang="en-US"/>
-                    </a:p>
-                  </a:txBody>
-                  <a:tcPr/>
-                </a:tc>
-                <a:extLst>
-                  <a:ext uri="{0D108BD9-81ED-4DB2-BD59-A6C34878D82A}">
-                    <a16:rowId xmlns:a16="http://schemas.microsoft.com/office/drawing/2014/main" val="2049587867"/>
-                  </a:ext>
-                </a:extLst>
-              </a:tr>
-              <a:tr h="370840">
-                <a:tc>
-                  <a:txBody>
-                    <a:bodyPr/>
-                    <a:lstStyle/>
-                    <a:p>
-                      <a:endParaRPr lang="en-US"/>
-                    </a:p>
-                  </a:txBody>
-                  <a:tcPr/>
-                </a:tc>
-                <a:tc>
-                  <a:txBody>
-                    <a:bodyPr/>
-                    <a:lstStyle/>
-                    <a:p>
-                      <a:endParaRPr lang="en-US"/>
-                    </a:p>
-                  </a:txBody>
-                  <a:tcPr/>
-                </a:tc>
-                <a:tc>
-                  <a:txBody>
-                    <a:bodyPr/>
-                    <a:lstStyle/>
-                    <a:p>
-                      <a:endParaRPr lang="en-US"/>
-                    </a:p>
-                  </a:txBody>
-                  <a:tcPr/>
-                </a:tc>
-                <a:tc>
-                  <a:txBody>
-                    <a:bodyPr/>
-                    <a:lstStyle/>
-                    <a:p>
-                      <a:endParaRPr lang="en-US"/>
-                    </a:p>
-                  </a:txBody>
-                  <a:tcPr/>
-                </a:tc>
-                <a:extLst>
-                  <a:ext uri="{0D108BD9-81ED-4DB2-BD59-A6C34878D82A}">
-                    <a16:rowId xmlns:a16="http://schemas.microsoft.com/office/drawing/2014/main" val="3380233555"/>
-                  </a:ext>
-                </a:extLst>
-              </a:tr>
-              <a:tr h="370840">
-                <a:tc>
-                  <a:txBody>
-                    <a:bodyPr/>
-                    <a:lstStyle/>
-                    <a:p>
-                      <a:endParaRPr lang="en-US"/>
-                    </a:p>
-                  </a:txBody>
-                  <a:tcPr/>
-                </a:tc>
-                <a:tc>
-                  <a:txBody>
-                    <a:bodyPr/>
-                    <a:lstStyle/>
-                    <a:p>
-                      <a:endParaRPr lang="en-US"/>
-                    </a:p>
-                  </a:txBody>
-                  <a:tcPr/>
-                </a:tc>
-                <a:tc>
-                  <a:txBody>
-                    <a:bodyPr/>
-                    <a:lstStyle/>
-                    <a:p>
-                      <a:endParaRPr lang="en-US"/>
-                    </a:p>
-                  </a:txBody>
-                  <a:tcPr/>
-                </a:tc>
-                <a:tc>
-                  <a:txBody>
-                    <a:bodyPr/>
-                    <a:lstStyle/>
-                    <a:p>
-                      <a:endParaRPr lang="en-US"/>
-                    </a:p>
-                  </a:txBody>
-                  <a:tcPr/>
-                </a:tc>
-                <a:extLst>
-                  <a:ext uri="{0D108BD9-81ED-4DB2-BD59-A6C34878D82A}">
-                    <a16:rowId xmlns:a16="http://schemas.microsoft.com/office/drawing/2014/main" val="67982749"/>
-                  </a:ext>
-                </a:extLst>
-              </a:tr>
-              <a:tr h="370840">
-                <a:tc>
-                  <a:txBody>
-                    <a:bodyPr/>
-                    <a:lstStyle/>
-                    <a:p>
-                      <a:endParaRPr lang="en-US"/>
-                    </a:p>
-                  </a:txBody>
-                  <a:tcPr/>
-                </a:tc>
-                <a:tc>
-                  <a:txBody>
-                    <a:bodyPr/>
-                    <a:lstStyle/>
-                    <a:p>
-                      <a:endParaRPr lang="en-US"/>
-                    </a:p>
-                  </a:txBody>
-                  <a:tcPr/>
-                </a:tc>
-                <a:tc>
-                  <a:txBody>
-                    <a:bodyPr/>
-                    <a:lstStyle/>
-                    <a:p>
-                      <a:endParaRPr lang="en-US"/>
-                    </a:p>
-                  </a:txBody>
-                  <a:tcPr/>
-                </a:tc>
-                <a:tc>
-                  <a:txBody>
-                    <a:bodyPr/>
-                    <a:lstStyle/>
-                    <a:p>
-                      <a:endParaRPr lang="en-US"/>
-                    </a:p>
-                  </a:txBody>
-                  <a:tcPr/>
-                </a:tc>
-                <a:extLst>
-                  <a:ext uri="{0D108BD9-81ED-4DB2-BD59-A6C34878D82A}">
-                    <a16:rowId xmlns:a16="http://schemas.microsoft.com/office/drawing/2014/main" val="1464760776"/>
-                  </a:ext>
-                </a:extLst>
-              </a:tr>
-              <a:tr h="370840">
-                <a:tc>
-                  <a:txBody>
-                    <a:bodyPr/>
-                    <a:lstStyle/>
-                    <a:p>
-                      <a:endParaRPr lang="en-US"/>
-                    </a:p>
-                  </a:txBody>
-                  <a:tcPr/>
-                </a:tc>
-                <a:tc>
-                  <a:txBody>
-                    <a:bodyPr/>
-                    <a:lstStyle/>
-                    <a:p>
-                      <a:endParaRPr lang="en-US"/>
-                    </a:p>
-                  </a:txBody>
-                  <a:tcPr/>
-                </a:tc>
-                <a:tc>
-                  <a:txBody>
-                    <a:bodyPr/>
-                    <a:lstStyle/>
-                    <a:p>
-                      <a:endParaRPr lang="en-US"/>
-                    </a:p>
-                  </a:txBody>
-                  <a:tcPr/>
-                </a:tc>
-                <a:tc>
-                  <a:txBody>
-                    <a:bodyPr/>
-                    <a:lstStyle/>
-                    <a:p>
-                      <a:endParaRPr lang="en-US"/>
-                    </a:p>
-                  </a:txBody>
-                  <a:tcPr/>
-                </a:tc>
-                <a:extLst>
-                  <a:ext uri="{0D108BD9-81ED-4DB2-BD59-A6C34878D82A}">
-                    <a16:rowId xmlns:a16="http://schemas.microsoft.com/office/drawing/2014/main" val="2095514223"/>
-                  </a:ext>
-                </a:extLst>
-              </a:tr>
-              <a:tr h="370840">
-                <a:tc>
-                  <a:txBody>
-                    <a:bodyPr/>
-                    <a:lstStyle/>
-                    <a:p>
-                      <a:endParaRPr lang="en-US"/>
-                    </a:p>
-                  </a:txBody>
-                  <a:tcPr/>
-                </a:tc>
-                <a:tc>
-                  <a:txBody>
-                    <a:bodyPr/>
-                    <a:lstStyle/>
-                    <a:p>
-                      <a:endParaRPr lang="en-US"/>
-                    </a:p>
-                  </a:txBody>
-                  <a:tcPr/>
-                </a:tc>
-                <a:tc>
-                  <a:txBody>
-                    <a:bodyPr/>
-                    <a:lstStyle/>
-                    <a:p>
-                      <a:endParaRPr lang="en-US"/>
-                    </a:p>
-                  </a:txBody>
-                  <a:tcPr/>
-                </a:tc>
-                <a:tc>
-                  <a:txBody>
-                    <a:bodyPr/>
-                    <a:lstStyle/>
-                    <a:p>
-                      <a:endParaRPr lang="en-US"/>
-                    </a:p>
-                  </a:txBody>
-                  <a:tcPr/>
-                </a:tc>
-                <a:extLst>
-                  <a:ext uri="{0D108BD9-81ED-4DB2-BD59-A6C34878D82A}">
-                    <a16:rowId xmlns:a16="http://schemas.microsoft.com/office/drawing/2014/main" val="3100473543"/>
-                  </a:ext>
-                </a:extLst>
-              </a:tr>
-              <a:tr h="370840">
-                <a:tc>
-                  <a:txBody>
-                    <a:bodyPr/>
-                    <a:lstStyle/>
-                    <a:p>
-                      <a:endParaRPr lang="en-US"/>
-                    </a:p>
-                  </a:txBody>
-                  <a:tcPr/>
-                </a:tc>
-                <a:tc>
-                  <a:txBody>
-                    <a:bodyPr/>
-                    <a:lstStyle/>
-                    <a:p>
-                      <a:endParaRPr lang="en-US"/>
-                    </a:p>
-                  </a:txBody>
-                  <a:tcPr/>
-                </a:tc>
-                <a:tc>
-                  <a:txBody>
-                    <a:bodyPr/>
-                    <a:lstStyle/>
-                    <a:p>
-                      <a:endParaRPr lang="en-US"/>
-                    </a:p>
-                  </a:txBody>
-                  <a:tcPr/>
-                </a:tc>
-                <a:tc>
-                  <a:txBody>
-                    <a:bodyPr/>
-                    <a:lstStyle/>
-                    <a:p>
-                      <a:endParaRPr lang="en-US"/>
-                    </a:p>
-                  </a:txBody>
-                  <a:tcPr/>
-                </a:tc>
-                <a:extLst>
-                  <a:ext uri="{0D108BD9-81ED-4DB2-BD59-A6C34878D82A}">
-                    <a16:rowId xmlns:a16="http://schemas.microsoft.com/office/drawing/2014/main" val="3675330201"/>
-                  </a:ext>
-                </a:extLst>
-              </a:tr>
-              <a:tr h="370840">
-                <a:tc>
-                  <a:txBody>
-                    <a:bodyPr/>
-                    <a:lstStyle/>
-                    <a:p>
-                      <a:endParaRPr lang="en-US"/>
-                    </a:p>
-                  </a:txBody>
-                  <a:tcPr/>
-                </a:tc>
-                <a:tc>
-                  <a:txBody>
-                    <a:bodyPr/>
-                    <a:lstStyle/>
-                    <a:p>
-                      <a:endParaRPr lang="en-US"/>
-                    </a:p>
-                  </a:txBody>
-                  <a:tcPr/>
-                </a:tc>
-                <a:tc>
-                  <a:txBody>
-                    <a:bodyPr/>
-                    <a:lstStyle/>
-                    <a:p>
-                      <a:endParaRPr lang="en-US" dirty="0"/>
-                    </a:p>
-                  </a:txBody>
-                  <a:tcPr/>
-                </a:tc>
-                <a:tc>
-                  <a:txBody>
-                    <a:bodyPr/>
-                    <a:lstStyle/>
-                    <a:p>
-                      <a:endParaRPr lang="en-US" dirty="0"/>
-                    </a:p>
-                  </a:txBody>
-                  <a:tcPr/>
-                </a:tc>
-                <a:extLst>
-                  <a:ext uri="{0D108BD9-81ED-4DB2-BD59-A6C34878D82A}">
-                    <a16:rowId xmlns:a16="http://schemas.microsoft.com/office/drawing/2014/main" val="1007980443"/>
-                  </a:ext>
-                </a:extLst>
-              </a:tr>
-              <a:tr h="370840">
-                <a:tc>
-                  <a:txBody>
-                    <a:bodyPr/>
-                    <a:lstStyle/>
-                    <a:p>
-                      <a:endParaRPr lang="en-US" dirty="0"/>
-                    </a:p>
-                  </a:txBody>
-                  <a:tcPr/>
-                </a:tc>
-                <a:tc>
-                  <a:txBody>
-                    <a:bodyPr/>
-                    <a:lstStyle/>
-                    <a:p>
-                      <a:endParaRPr lang="en-US"/>
-                    </a:p>
-                  </a:txBody>
-                  <a:tcPr/>
-                </a:tc>
-                <a:tc>
-                  <a:txBody>
-                    <a:bodyPr/>
-                    <a:lstStyle/>
-                    <a:p>
-                      <a:endParaRPr lang="en-US" dirty="0"/>
-                    </a:p>
-                  </a:txBody>
-                  <a:tcPr/>
-                </a:tc>
-                <a:tc>
-                  <a:txBody>
-                    <a:bodyPr/>
-                    <a:lstStyle/>
-                    <a:p>
-                      <a:endParaRPr lang="en-US" dirty="0"/>
-                    </a:p>
-                  </a:txBody>
-                  <a:tcPr/>
-                </a:tc>
-                <a:extLst>
-                  <a:ext uri="{0D108BD9-81ED-4DB2-BD59-A6C34878D82A}">
-                    <a16:rowId xmlns:a16="http://schemas.microsoft.com/office/drawing/2014/main" val="3844206101"/>
-                  </a:ext>
-                </a:extLst>
-              </a:tr>
-            </a:tbl>
-          </a:graphicData>
-        </a:graphic>
-      </p:graphicFrame>
     </p:spTree>
     <p:extLst>
       <p:ext uri="{BB962C8B-B14F-4D97-AF65-F5344CB8AC3E}">
-        <p14:creationId xmlns:p14="http://schemas.microsoft.com/office/powerpoint/2010/main" val="96501223"/>
+        <p14:creationId xmlns:p14="http://schemas.microsoft.com/office/powerpoint/2010/main" val="2074702340"/>
       </p:ext>
     </p:extLst>
   </p:cSld>
@@ -12110,193 +11807,12 @@
           <a:chExt cx="0" cy="0"/>
         </a:xfrm>
       </p:grpSpPr>
-      <p:sp useBgFill="1">
-        <p:nvSpPr>
-          <p:cNvPr id="10" name="Rectangle 9">
+      <p:sp>
+        <p:nvSpPr>
+          <p:cNvPr id="5" name="TextBox 4">
             <a:extLst>
               <a:ext uri="{FF2B5EF4-FFF2-40B4-BE49-F238E27FC236}">
-                <a16:creationId xmlns:a16="http://schemas.microsoft.com/office/drawing/2014/main" id="{1E70A317-DCED-4E80-AA2D-467D8702E5CB}"/>
-              </a:ext>
-              <a:ext uri="{C183D7F6-B498-43B3-948B-1728B52AA6E4}">
-                <adec:decorative xmlns:adec="http://schemas.microsoft.com/office/drawing/2017/decorative" val="1"/>
-              </a:ext>
-            </a:extLst>
-          </p:cNvPr>
-          <p:cNvSpPr>
-            <a:spLocks noGrp="1" noRot="1" noChangeAspect="1" noMove="1" noResize="1" noEditPoints="1" noAdjustHandles="1" noChangeArrowheads="1" noChangeShapeType="1" noTextEdit="1"/>
-          </p:cNvSpPr>
-          <p:nvPr>
-            <p:extLst>
-              <p:ext uri="{386F3935-93C4-4BCD-93E2-E3B085C9AB24}">
-                <p16:designElem xmlns:p16="http://schemas.microsoft.com/office/powerpoint/2015/main" val="1"/>
-              </p:ext>
-            </p:extLst>
-          </p:nvPr>
-        </p:nvSpPr>
-        <p:spPr>
-          <a:xfrm>
-            <a:off x="0" y="0"/>
-            <a:ext cx="12192000" cy="6858000"/>
-          </a:xfrm>
-          <a:prstGeom prst="rect">
-            <a:avLst/>
-          </a:prstGeom>
-          <a:ln>
-            <a:noFill/>
-          </a:ln>
-        </p:spPr>
-        <p:style>
-          <a:lnRef idx="2">
-            <a:schemeClr val="accent1">
-              <a:shade val="50000"/>
-            </a:schemeClr>
-          </a:lnRef>
-          <a:fillRef idx="1">
-            <a:schemeClr val="accent1"/>
-          </a:fillRef>
-          <a:effectRef idx="0">
-            <a:schemeClr val="accent1"/>
-          </a:effectRef>
-          <a:fontRef idx="minor">
-            <a:schemeClr val="lt1"/>
-          </a:fontRef>
-        </p:style>
-        <p:txBody>
-          <a:bodyPr rtlCol="0" anchor="ctr"/>
-          <a:lstStyle/>
-          <a:p>
-            <a:pPr marL="0" marR="0" lvl="0" indent="0" algn="ctr" defTabSz="914400" rtl="0" eaLnBrk="1" fontAlgn="auto" latinLnBrk="0" hangingPunct="1">
-              <a:lnSpc>
-                <a:spcPct val="100000"/>
-              </a:lnSpc>
-              <a:spcBef>
-                <a:spcPts val="0"/>
-              </a:spcBef>
-              <a:spcAft>
-                <a:spcPts val="0"/>
-              </a:spcAft>
-              <a:buClrTx/>
-              <a:buSzTx/>
-              <a:buFontTx/>
-              <a:buNone/>
-              <a:tabLst/>
-              <a:defRPr/>
-            </a:pPr>
-            <a:endParaRPr kumimoji="0" lang="en-US" sz="1800" b="0" i="0" u="none" strike="noStrike" kern="1200" cap="none" spc="0" normalizeH="0" baseline="0" noProof="0">
-              <a:ln>
-                <a:noFill/>
-              </a:ln>
-              <a:solidFill>
-                <a:prstClr val="white"/>
-              </a:solidFill>
-              <a:effectLst/>
-              <a:uLnTx/>
-              <a:uFillTx/>
-              <a:latin typeface="Calisto MT" panose="02040603050505030304"/>
-              <a:ea typeface="+mn-ea"/>
-              <a:cs typeface="+mn-cs"/>
-            </a:endParaRPr>
-          </a:p>
-        </p:txBody>
-      </p:sp>
-      <p:sp>
-        <p:nvSpPr>
-          <p:cNvPr id="12" name="Rectangle 11">
-            <a:extLst>
-              <a:ext uri="{FF2B5EF4-FFF2-40B4-BE49-F238E27FC236}">
-                <a16:creationId xmlns:a16="http://schemas.microsoft.com/office/drawing/2014/main" id="{A6D87845-294F-40CB-BC48-46455460D292}"/>
-              </a:ext>
-              <a:ext uri="{C183D7F6-B498-43B3-948B-1728B52AA6E4}">
-                <adec:decorative xmlns:adec="http://schemas.microsoft.com/office/drawing/2017/decorative" val="1"/>
-              </a:ext>
-            </a:extLst>
-          </p:cNvPr>
-          <p:cNvSpPr>
-            <a:spLocks noGrp="1" noRot="1" noChangeAspect="1" noMove="1" noResize="1" noEditPoints="1" noAdjustHandles="1" noChangeArrowheads="1" noChangeShapeType="1" noTextEdit="1"/>
-          </p:cNvSpPr>
-          <p:nvPr>
-            <p:extLst>
-              <p:ext uri="{386F3935-93C4-4BCD-93E2-E3B085C9AB24}">
-                <p16:designElem xmlns:p16="http://schemas.microsoft.com/office/powerpoint/2015/main" val="1"/>
-              </p:ext>
-            </p:extLst>
-          </p:nvPr>
-        </p:nvSpPr>
-        <p:spPr>
-          <a:xfrm>
-            <a:off x="4655671" y="0"/>
-            <a:ext cx="7536329" cy="6858000"/>
-          </a:xfrm>
-          <a:prstGeom prst="rect">
-            <a:avLst/>
-          </a:prstGeom>
-          <a:solidFill>
-            <a:schemeClr val="tx1"/>
-          </a:solidFill>
-          <a:ln>
-            <a:noFill/>
-          </a:ln>
-        </p:spPr>
-        <p:style>
-          <a:lnRef idx="2">
-            <a:schemeClr val="accent1">
-              <a:shade val="50000"/>
-            </a:schemeClr>
-          </a:lnRef>
-          <a:fillRef idx="1">
-            <a:schemeClr val="accent1"/>
-          </a:fillRef>
-          <a:effectRef idx="0">
-            <a:schemeClr val="accent1"/>
-          </a:effectRef>
-          <a:fontRef idx="minor">
-            <a:schemeClr val="lt1"/>
-          </a:fontRef>
-        </p:style>
-        <p:txBody>
-          <a:bodyPr rtlCol="0" anchor="ctr"/>
-          <a:lstStyle/>
-          <a:p>
-            <a:pPr marL="0" marR="0" lvl="0" indent="0" algn="ctr" defTabSz="914400" rtl="0" eaLnBrk="1" fontAlgn="auto" latinLnBrk="0" hangingPunct="1">
-              <a:lnSpc>
-                <a:spcPct val="100000"/>
-              </a:lnSpc>
-              <a:spcBef>
-                <a:spcPts val="0"/>
-              </a:spcBef>
-              <a:spcAft>
-                <a:spcPts val="0"/>
-              </a:spcAft>
-              <a:buClrTx/>
-              <a:buSzTx/>
-              <a:buFontTx/>
-              <a:buNone/>
-              <a:tabLst/>
-              <a:defRPr/>
-            </a:pPr>
-            <a:endParaRPr kumimoji="0" lang="en-US" sz="1800" b="0" i="0" u="none" strike="noStrike" kern="1200" cap="none" spc="0" normalizeH="0" baseline="0" noProof="0">
-              <a:ln>
-                <a:noFill/>
-              </a:ln>
-              <a:solidFill>
-                <a:prstClr val="white"/>
-              </a:solidFill>
-              <a:effectLst/>
-              <a:uLnTx/>
-              <a:uFillTx/>
-              <a:latin typeface="Calisto MT" panose="02040603050505030304"/>
-              <a:ea typeface="+mn-ea"/>
-              <a:cs typeface="+mn-cs"/>
-            </a:endParaRPr>
-          </a:p>
-        </p:txBody>
-      </p:sp>
-      <p:sp>
-        <p:nvSpPr>
-          <p:cNvPr id="9" name="TextBox 8">
-            <a:extLst>
-              <a:ext uri="{FF2B5EF4-FFF2-40B4-BE49-F238E27FC236}">
-                <a16:creationId xmlns:a16="http://schemas.microsoft.com/office/drawing/2014/main" id="{D87AC69C-C6CC-4FAB-A999-6457ACC399A4}"/>
+                <a16:creationId xmlns:a16="http://schemas.microsoft.com/office/drawing/2014/main" id="{DF43B869-E6A4-406B-24AF-C0477DB7A457}"/>
               </a:ext>
             </a:extLst>
           </p:cNvPr>
@@ -12305,8 +11821,8 @@
         </p:nvSpPr>
         <p:spPr>
           <a:xfrm>
-            <a:off x="4845125" y="242672"/>
-            <a:ext cx="7346875" cy="369332"/>
+            <a:off x="0" y="115994"/>
+            <a:ext cx="4457700" cy="6463308"/>
           </a:xfrm>
           <a:prstGeom prst="rect">
             <a:avLst/>
@@ -12319,1006 +11835,304 @@
           </a:bodyPr>
           <a:lstStyle/>
           <a:p>
-            <a:pPr marL="0" marR="0" lvl="0" indent="0" algn="l" defTabSz="914400" rtl="0" eaLnBrk="1" fontAlgn="auto" latinLnBrk="0" hangingPunct="1">
-              <a:lnSpc>
-                <a:spcPct val="100000"/>
-              </a:lnSpc>
-              <a:spcBef>
-                <a:spcPts val="0"/>
-              </a:spcBef>
-              <a:spcAft>
-                <a:spcPts val="0"/>
-              </a:spcAft>
-              <a:buClrTx/>
-              <a:buSzTx/>
-              <a:buFontTx/>
-              <a:buNone/>
-              <a:tabLst/>
-              <a:defRPr/>
-            </a:pPr>
-            <a:r>
-              <a:rPr kumimoji="0" lang="en-US" sz="1800" b="0" i="0" u="none" strike="noStrike" kern="1200" cap="none" spc="0" normalizeH="0" baseline="0" noProof="0" dirty="0">
-                <a:ln>
-                  <a:noFill/>
-                </a:ln>
-                <a:solidFill>
-                  <a:prstClr val="black"/>
-                </a:solidFill>
-                <a:effectLst/>
-                <a:uLnTx/>
-                <a:uFillTx/>
-                <a:latin typeface="Calisto MT" panose="02040603050505030304"/>
-                <a:ea typeface="+mn-ea"/>
+            <a:r>
+              <a:rPr lang="en-US" dirty="0">
+                <a:latin typeface="+mj-lt"/>
                 <a:cs typeface="Courier New" panose="02070309020205020404" pitchFamily="49" charset="0"/>
               </a:rPr>
-              <a:t>Table of Ten Counties with Highest Work From </a:t>
-            </a:r>
-            <a:r>
-              <a:rPr kumimoji="0" lang="en-US" sz="1800" b="0" i="0" u="none" strike="noStrike" kern="1200" cap="none" spc="0" normalizeH="0" baseline="0" noProof="0" dirty="0" err="1">
-                <a:ln>
-                  <a:noFill/>
-                </a:ln>
-                <a:solidFill>
-                  <a:prstClr val="black"/>
-                </a:solidFill>
-                <a:effectLst/>
-                <a:uLnTx/>
-                <a:uFillTx/>
-                <a:latin typeface="Calisto MT" panose="02040603050505030304"/>
-                <a:ea typeface="+mn-ea"/>
+              <a:t>Use slide 8 to create an annotated mockup of a sustainable urban transportation data dashboard. (Use icons to represent particular types of data.)</a:t>
+            </a:r>
+          </a:p>
+          <a:p>
+            <a:endParaRPr lang="en-US" dirty="0">
+              <a:latin typeface="+mj-lt"/>
+              <a:cs typeface="Courier New" panose="02070309020205020404" pitchFamily="49" charset="0"/>
+            </a:endParaRPr>
+          </a:p>
+          <a:p>
+            <a:r>
+              <a:rPr lang="en-US" dirty="0">
+                <a:latin typeface="+mj-lt"/>
                 <a:cs typeface="Courier New" panose="02070309020205020404" pitchFamily="49" charset="0"/>
               </a:rPr>
-              <a:t>Hom</a:t>
-            </a:r>
+              <a:t>What dimension(s) of sustainable urban transportation would you like the dashboard to inform?</a:t>
+            </a:r>
+          </a:p>
+          <a:p>
+            <a:endParaRPr lang="en-US" dirty="0">
+              <a:latin typeface="+mj-lt"/>
+              <a:cs typeface="Courier New" panose="02070309020205020404" pitchFamily="49" charset="0"/>
+            </a:endParaRPr>
+          </a:p>
+          <a:p>
             <a:r>
               <a:rPr lang="en-US" dirty="0">
-                <a:solidFill>
-                  <a:prstClr val="black"/>
-                </a:solidFill>
-                <a:latin typeface="Calisto MT" panose="02040603050505030304"/>
+                <a:latin typeface="+mj-lt"/>
                 <a:cs typeface="Courier New" panose="02070309020205020404" pitchFamily="49" charset="0"/>
               </a:rPr>
-              <a:t>e </a:t>
-            </a:r>
-            <a:r>
-              <a:rPr kumimoji="0" lang="en-US" sz="1800" b="0" i="0" u="none" strike="noStrike" kern="1200" cap="none" spc="0" normalizeH="0" baseline="0" noProof="0" dirty="0">
-                <a:ln>
-                  <a:noFill/>
-                </a:ln>
-                <a:solidFill>
-                  <a:prstClr val="black"/>
-                </a:solidFill>
-                <a:effectLst/>
-                <a:uLnTx/>
-                <a:uFillTx/>
-                <a:latin typeface="Calisto MT" panose="02040603050505030304"/>
-                <a:ea typeface="+mn-ea"/>
+              <a:t>What types of indicators, data, or other information would you include on the dashboard to inform this(/these) dimension(s)?</a:t>
+            </a:r>
+          </a:p>
+          <a:p>
+            <a:endParaRPr lang="en-US" dirty="0">
+              <a:latin typeface="+mj-lt"/>
+              <a:cs typeface="Courier New" panose="02070309020205020404" pitchFamily="49" charset="0"/>
+            </a:endParaRPr>
+          </a:p>
+          <a:p>
+            <a:r>
+              <a:rPr lang="en-US" dirty="0">
+                <a:latin typeface="+mj-lt"/>
                 <a:cs typeface="Courier New" panose="02070309020205020404" pitchFamily="49" charset="0"/>
               </a:rPr>
-              <a:t>Mode Share, 2019</a:t>
-            </a:r>
-          </a:p>
-        </p:txBody>
-      </p:sp>
-      <p:sp>
-        <p:nvSpPr>
-          <p:cNvPr id="11" name="TextBox 10">
+              <a:t>Who (i.e., what constituencies and stakeholders?) do you think would benefit from using the dashboard (e.g., community-based organizations, federal agencies, commuters)?</a:t>
+            </a:r>
+          </a:p>
+          <a:p>
+            <a:endParaRPr lang="en-US" dirty="0">
+              <a:latin typeface="+mj-lt"/>
+              <a:cs typeface="Courier New" panose="02070309020205020404" pitchFamily="49" charset="0"/>
+            </a:endParaRPr>
+          </a:p>
+          <a:p>
+            <a:r>
+              <a:rPr lang="en-US" dirty="0">
+                <a:latin typeface="+mj-lt"/>
+                <a:cs typeface="Courier New" panose="02070309020205020404" pitchFamily="49" charset="0"/>
+              </a:rPr>
+              <a:t>How could these constituencies or stakeholders use the information on the dashboard?</a:t>
+            </a:r>
+          </a:p>
+        </p:txBody>
+      </p:sp>
+      <p:pic>
+        <p:nvPicPr>
+          <p:cNvPr id="3" name="Graphic 2" descr="Bar chart outline">
             <a:extLst>
               <a:ext uri="{FF2B5EF4-FFF2-40B4-BE49-F238E27FC236}">
-                <a16:creationId xmlns:a16="http://schemas.microsoft.com/office/drawing/2014/main" id="{89BA7AD5-915D-404C-85FE-4A0CC7F14065}"/>
+                <a16:creationId xmlns:a16="http://schemas.microsoft.com/office/drawing/2014/main" id="{6E57148D-1021-EEA1-4D82-C0E62F3B0331}"/>
               </a:ext>
             </a:extLst>
           </p:cNvPr>
-          <p:cNvSpPr txBox="1"/>
+          <p:cNvPicPr>
+            <a:picLocks noChangeAspect="1"/>
+          </p:cNvPicPr>
           <p:nvPr/>
-        </p:nvSpPr>
+        </p:nvPicPr>
+        <p:blipFill>
+          <a:blip r:embed="rId3">
+            <a:extLst>
+              <a:ext uri="{28A0092B-C50C-407E-A947-70E740481C1C}">
+                <a14:useLocalDpi xmlns:a14="http://schemas.microsoft.com/office/drawing/2010/main" val="0"/>
+              </a:ext>
+              <a:ext uri="{96DAC541-7B7A-43D3-8B79-37D633B846F1}">
+                <asvg:svgBlip xmlns:asvg="http://schemas.microsoft.com/office/drawing/2016/SVG/main" r:embed="rId4"/>
+              </a:ext>
+            </a:extLst>
+          </a:blip>
+          <a:stretch>
+            <a:fillRect/>
+          </a:stretch>
+        </p:blipFill>
         <p:spPr>
           <a:xfrm>
-            <a:off x="4845126" y="5003101"/>
-            <a:ext cx="7143049" cy="830997"/>
-          </a:xfrm>
-          <a:prstGeom prst="rect">
-            <a:avLst/>
-          </a:prstGeom>
-          <a:noFill/>
-        </p:spPr>
-        <p:txBody>
-          <a:bodyPr wrap="square" rtlCol="0">
-            <a:spAutoFit/>
-          </a:bodyPr>
-          <a:lstStyle/>
-          <a:p>
-            <a:pPr marL="0" marR="0" lvl="0" indent="0" algn="l" defTabSz="914400" rtl="0" eaLnBrk="1" fontAlgn="auto" latinLnBrk="0" hangingPunct="1">
-              <a:lnSpc>
-                <a:spcPct val="100000"/>
-              </a:lnSpc>
-              <a:spcBef>
-                <a:spcPts val="0"/>
-              </a:spcBef>
-              <a:spcAft>
-                <a:spcPts val="0"/>
-              </a:spcAft>
-              <a:buClrTx/>
-              <a:buSzTx/>
-              <a:buFontTx/>
-              <a:buNone/>
-              <a:tabLst/>
-              <a:defRPr/>
-            </a:pPr>
-            <a:r>
-              <a:rPr kumimoji="0" lang="en-US" altLang="en-US" sz="1800" b="1" i="0" u="none" strike="noStrike" kern="1200" cap="none" spc="0" normalizeH="0" baseline="0" noProof="0" dirty="0">
-                <a:ln>
-                  <a:noFill/>
-                </a:ln>
-                <a:solidFill>
-                  <a:srgbClr val="212123"/>
-                </a:solidFill>
-                <a:effectLst/>
-                <a:uLnTx/>
-                <a:uFillTx/>
-                <a:latin typeface="Calisto MT" panose="02040603050505030304"/>
-                <a:ea typeface="+mn-ea"/>
-                <a:cs typeface="+mn-cs"/>
-              </a:rPr>
-              <a:t>What stands </a:t>
-            </a:r>
-            <a:r>
-              <a:rPr kumimoji="0" lang="en-US" altLang="en-US" sz="1800" b="1" i="0" u="none" strike="noStrike" kern="1200" cap="none" spc="0" normalizeH="0" baseline="0" noProof="0" dirty="0" err="1">
-                <a:ln>
-                  <a:noFill/>
-                </a:ln>
-                <a:solidFill>
-                  <a:srgbClr val="212123"/>
-                </a:solidFill>
-                <a:effectLst/>
-                <a:uLnTx/>
-                <a:uFillTx/>
-                <a:latin typeface="Calisto MT" panose="02040603050505030304"/>
-                <a:ea typeface="+mn-ea"/>
-                <a:cs typeface="+mn-cs"/>
-              </a:rPr>
-              <a:t>ou</a:t>
-            </a:r>
-            <a:r>
-              <a:rPr kumimoji="0" lang="en-US" altLang="en-US" sz="1800" b="1" i="0" u="none" strike="noStrike" kern="1200" cap="none" spc="0" normalizeH="0" baseline="0" noProof="0" dirty="0">
-                <a:ln>
-                  <a:noFill/>
-                </a:ln>
-                <a:solidFill>
-                  <a:srgbClr val="212123"/>
-                </a:solidFill>
-                <a:effectLst/>
-                <a:uLnTx/>
-                <a:uFillTx/>
-                <a:latin typeface="Calisto MT" panose="02040603050505030304"/>
-                <a:ea typeface="+mn-ea"/>
-                <a:cs typeface="+mn-cs"/>
-              </a:rPr>
-              <a:t>t from this list?</a:t>
-            </a:r>
-          </a:p>
-          <a:p>
-            <a:pPr marL="0" marR="0" lvl="0" indent="0" algn="l" defTabSz="914400" rtl="0" eaLnBrk="1" fontAlgn="auto" latinLnBrk="0" hangingPunct="1">
-              <a:lnSpc>
-                <a:spcPct val="100000"/>
-              </a:lnSpc>
-              <a:spcBef>
-                <a:spcPts val="0"/>
-              </a:spcBef>
-              <a:spcAft>
-                <a:spcPts val="0"/>
-              </a:spcAft>
-              <a:buClrTx/>
-              <a:buSzTx/>
-              <a:buFontTx/>
-              <a:buNone/>
-              <a:tabLst/>
-              <a:defRPr/>
-            </a:pPr>
-            <a:endParaRPr kumimoji="0" lang="en-US" altLang="en-US" sz="1000" b="1" i="0" u="none" strike="noStrike" kern="1200" cap="none" spc="0" normalizeH="0" baseline="0" noProof="0" dirty="0">
-              <a:ln>
-                <a:noFill/>
-              </a:ln>
-              <a:solidFill>
-                <a:srgbClr val="212123"/>
-              </a:solidFill>
-              <a:effectLst/>
-              <a:uLnTx/>
-              <a:uFillTx/>
-              <a:latin typeface="Calisto MT" panose="02040603050505030304"/>
-              <a:ea typeface="+mn-ea"/>
-              <a:cs typeface="+mn-cs"/>
-            </a:endParaRPr>
-          </a:p>
-          <a:p>
-            <a:pPr marL="0" marR="0" lvl="0" indent="0" algn="l" defTabSz="914400" rtl="0" eaLnBrk="1" fontAlgn="auto" latinLnBrk="0" hangingPunct="1">
-              <a:lnSpc>
-                <a:spcPct val="100000"/>
-              </a:lnSpc>
-              <a:spcBef>
-                <a:spcPts val="0"/>
-              </a:spcBef>
-              <a:spcAft>
-                <a:spcPts val="0"/>
-              </a:spcAft>
-              <a:buClrTx/>
-              <a:buSzTx/>
-              <a:buFontTx/>
-              <a:buNone/>
-              <a:tabLst/>
-              <a:defRPr/>
-            </a:pPr>
-            <a:endParaRPr kumimoji="0" lang="en-US" altLang="en-US" sz="1000" b="1" i="0" u="none" strike="noStrike" kern="1200" cap="none" spc="0" normalizeH="0" baseline="0" noProof="0" dirty="0">
-              <a:ln>
-                <a:noFill/>
-              </a:ln>
-              <a:solidFill>
-                <a:srgbClr val="212123"/>
-              </a:solidFill>
-              <a:effectLst/>
-              <a:uLnTx/>
-              <a:uFillTx/>
-              <a:latin typeface="Calisto MT" panose="02040603050505030304"/>
-              <a:ea typeface="+mn-ea"/>
-              <a:cs typeface="+mn-cs"/>
-            </a:endParaRPr>
-          </a:p>
-          <a:p>
-            <a:pPr marL="0" marR="0" lvl="0" indent="0" algn="l" defTabSz="914400" rtl="0" eaLnBrk="1" fontAlgn="auto" latinLnBrk="0" hangingPunct="1">
-              <a:lnSpc>
-                <a:spcPct val="100000"/>
-              </a:lnSpc>
-              <a:spcBef>
-                <a:spcPts val="0"/>
-              </a:spcBef>
-              <a:spcAft>
-                <a:spcPts val="0"/>
-              </a:spcAft>
-              <a:buClrTx/>
-              <a:buSzTx/>
-              <a:buFontTx/>
-              <a:buNone/>
-              <a:tabLst/>
-              <a:defRPr/>
-            </a:pPr>
-            <a:endParaRPr kumimoji="0" lang="en-US" sz="1000" b="0" i="0" u="none" strike="noStrike" kern="1200" cap="none" spc="0" normalizeH="0" baseline="0" noProof="0" dirty="0">
-              <a:ln>
-                <a:noFill/>
-              </a:ln>
-              <a:solidFill>
-                <a:srgbClr val="212123"/>
-              </a:solidFill>
-              <a:effectLst/>
-              <a:uLnTx/>
-              <a:uFillTx/>
-              <a:latin typeface="Calisto MT" panose="02040603050505030304"/>
-              <a:ea typeface="+mn-ea"/>
-              <a:cs typeface="Courier New" panose="02070309020205020404" pitchFamily="49" charset="0"/>
-            </a:endParaRPr>
-          </a:p>
-        </p:txBody>
-      </p:sp>
-      <p:graphicFrame>
-        <p:nvGraphicFramePr>
-          <p:cNvPr id="2" name="Table 2">
-            <a:extLst>
-              <a:ext uri="{FF2B5EF4-FFF2-40B4-BE49-F238E27FC236}">
-                <a16:creationId xmlns:a16="http://schemas.microsoft.com/office/drawing/2014/main" id="{32C6692F-134E-0677-6DC5-05584379AE03}"/>
-              </a:ext>
-            </a:extLst>
-          </p:cNvPr>
-          <p:cNvGraphicFramePr>
-            <a:graphicFrameLocks noGrp="1"/>
-          </p:cNvGraphicFramePr>
-          <p:nvPr>
-            <p:extLst>
-              <p:ext uri="{D42A27DB-BD31-4B8C-83A1-F6EECF244321}">
-                <p14:modId xmlns:p14="http://schemas.microsoft.com/office/powerpoint/2010/main" val="3914244150"/>
-              </p:ext>
-            </p:extLst>
-          </p:nvPr>
-        </p:nvGraphicFramePr>
-        <p:xfrm>
-          <a:off x="4934937" y="730957"/>
-          <a:ext cx="6924832" cy="4079240"/>
-        </p:xfrm>
-        <a:graphic>
-          <a:graphicData uri="http://schemas.openxmlformats.org/drawingml/2006/table">
-            <a:tbl>
-              <a:tblPr firstRow="1" bandRow="1">
-                <a:tableStyleId>{5C22544A-7EE6-4342-B048-85BDC9FD1C3A}</a:tableStyleId>
-              </a:tblPr>
-              <a:tblGrid>
-                <a:gridCol w="1731208">
-                  <a:extLst>
-                    <a:ext uri="{9D8B030D-6E8A-4147-A177-3AD203B41FA5}">
-                      <a16:colId xmlns:a16="http://schemas.microsoft.com/office/drawing/2014/main" val="2926590613"/>
-                    </a:ext>
-                  </a:extLst>
-                </a:gridCol>
-                <a:gridCol w="1731208">
-                  <a:extLst>
-                    <a:ext uri="{9D8B030D-6E8A-4147-A177-3AD203B41FA5}">
-                      <a16:colId xmlns:a16="http://schemas.microsoft.com/office/drawing/2014/main" val="535855478"/>
-                    </a:ext>
-                  </a:extLst>
-                </a:gridCol>
-                <a:gridCol w="1731208">
-                  <a:extLst>
-                    <a:ext uri="{9D8B030D-6E8A-4147-A177-3AD203B41FA5}">
-                      <a16:colId xmlns:a16="http://schemas.microsoft.com/office/drawing/2014/main" val="1019973300"/>
-                    </a:ext>
-                  </a:extLst>
-                </a:gridCol>
-                <a:gridCol w="1731208">
-                  <a:extLst>
-                    <a:ext uri="{9D8B030D-6E8A-4147-A177-3AD203B41FA5}">
-                      <a16:colId xmlns:a16="http://schemas.microsoft.com/office/drawing/2014/main" val="4067929022"/>
-                    </a:ext>
-                  </a:extLst>
-                </a:gridCol>
-              </a:tblGrid>
-              <a:tr h="370840">
-                <a:tc>
-                  <a:txBody>
-                    <a:bodyPr/>
-                    <a:lstStyle/>
-                    <a:p>
-                      <a:r>
-                        <a:rPr lang="en-US" dirty="0"/>
-                        <a:t>County Name</a:t>
-                      </a:r>
-                    </a:p>
-                  </a:txBody>
-                  <a:tcPr/>
-                </a:tc>
-                <a:tc>
-                  <a:txBody>
-                    <a:bodyPr/>
-                    <a:lstStyle/>
-                    <a:p>
-                      <a:r>
-                        <a:rPr lang="en-US" dirty="0"/>
-                        <a:t>State</a:t>
-                      </a:r>
-                    </a:p>
-                  </a:txBody>
-                  <a:tcPr/>
-                </a:tc>
-                <a:tc>
-                  <a:txBody>
-                    <a:bodyPr/>
-                    <a:lstStyle/>
-                    <a:p>
-                      <a:r>
-                        <a:rPr lang="en-US" dirty="0"/>
-                        <a:t>Division</a:t>
-                      </a:r>
-                    </a:p>
-                  </a:txBody>
-                  <a:tcPr/>
-                </a:tc>
-                <a:tc>
-                  <a:txBody>
-                    <a:bodyPr/>
-                    <a:lstStyle/>
-                    <a:p>
-                      <a:r>
-                        <a:rPr lang="en-US" dirty="0"/>
-                        <a:t>Home Share</a:t>
-                      </a:r>
-                    </a:p>
-                  </a:txBody>
-                  <a:tcPr/>
-                </a:tc>
-                <a:extLst>
-                  <a:ext uri="{0D108BD9-81ED-4DB2-BD59-A6C34878D82A}">
-                    <a16:rowId xmlns:a16="http://schemas.microsoft.com/office/drawing/2014/main" val="43561861"/>
-                  </a:ext>
-                </a:extLst>
-              </a:tr>
-              <a:tr h="370840">
-                <a:tc>
-                  <a:txBody>
-                    <a:bodyPr/>
-                    <a:lstStyle/>
-                    <a:p>
-                      <a:endParaRPr lang="en-US" dirty="0"/>
-                    </a:p>
-                  </a:txBody>
-                  <a:tcPr/>
-                </a:tc>
-                <a:tc>
-                  <a:txBody>
-                    <a:bodyPr/>
-                    <a:lstStyle/>
-                    <a:p>
-                      <a:endParaRPr lang="en-US"/>
-                    </a:p>
-                  </a:txBody>
-                  <a:tcPr/>
-                </a:tc>
-                <a:tc>
-                  <a:txBody>
-                    <a:bodyPr/>
-                    <a:lstStyle/>
-                    <a:p>
-                      <a:endParaRPr lang="en-US"/>
-                    </a:p>
-                  </a:txBody>
-                  <a:tcPr/>
-                </a:tc>
-                <a:tc>
-                  <a:txBody>
-                    <a:bodyPr/>
-                    <a:lstStyle/>
-                    <a:p>
-                      <a:endParaRPr lang="en-US"/>
-                    </a:p>
-                  </a:txBody>
-                  <a:tcPr/>
-                </a:tc>
-                <a:extLst>
-                  <a:ext uri="{0D108BD9-81ED-4DB2-BD59-A6C34878D82A}">
-                    <a16:rowId xmlns:a16="http://schemas.microsoft.com/office/drawing/2014/main" val="957544947"/>
-                  </a:ext>
-                </a:extLst>
-              </a:tr>
-              <a:tr h="370840">
-                <a:tc>
-                  <a:txBody>
-                    <a:bodyPr/>
-                    <a:lstStyle/>
-                    <a:p>
-                      <a:endParaRPr lang="en-US"/>
-                    </a:p>
-                  </a:txBody>
-                  <a:tcPr/>
-                </a:tc>
-                <a:tc>
-                  <a:txBody>
-                    <a:bodyPr/>
-                    <a:lstStyle/>
-                    <a:p>
-                      <a:endParaRPr lang="en-US"/>
-                    </a:p>
-                  </a:txBody>
-                  <a:tcPr/>
-                </a:tc>
-                <a:tc>
-                  <a:txBody>
-                    <a:bodyPr/>
-                    <a:lstStyle/>
-                    <a:p>
-                      <a:endParaRPr lang="en-US"/>
-                    </a:p>
-                  </a:txBody>
-                  <a:tcPr/>
-                </a:tc>
-                <a:tc>
-                  <a:txBody>
-                    <a:bodyPr/>
-                    <a:lstStyle/>
-                    <a:p>
-                      <a:endParaRPr lang="en-US"/>
-                    </a:p>
-                  </a:txBody>
-                  <a:tcPr/>
-                </a:tc>
-                <a:extLst>
-                  <a:ext uri="{0D108BD9-81ED-4DB2-BD59-A6C34878D82A}">
-                    <a16:rowId xmlns:a16="http://schemas.microsoft.com/office/drawing/2014/main" val="2049587867"/>
-                  </a:ext>
-                </a:extLst>
-              </a:tr>
-              <a:tr h="370840">
-                <a:tc>
-                  <a:txBody>
-                    <a:bodyPr/>
-                    <a:lstStyle/>
-                    <a:p>
-                      <a:endParaRPr lang="en-US"/>
-                    </a:p>
-                  </a:txBody>
-                  <a:tcPr/>
-                </a:tc>
-                <a:tc>
-                  <a:txBody>
-                    <a:bodyPr/>
-                    <a:lstStyle/>
-                    <a:p>
-                      <a:endParaRPr lang="en-US"/>
-                    </a:p>
-                  </a:txBody>
-                  <a:tcPr/>
-                </a:tc>
-                <a:tc>
-                  <a:txBody>
-                    <a:bodyPr/>
-                    <a:lstStyle/>
-                    <a:p>
-                      <a:endParaRPr lang="en-US"/>
-                    </a:p>
-                  </a:txBody>
-                  <a:tcPr/>
-                </a:tc>
-                <a:tc>
-                  <a:txBody>
-                    <a:bodyPr/>
-                    <a:lstStyle/>
-                    <a:p>
-                      <a:endParaRPr lang="en-US"/>
-                    </a:p>
-                  </a:txBody>
-                  <a:tcPr/>
-                </a:tc>
-                <a:extLst>
-                  <a:ext uri="{0D108BD9-81ED-4DB2-BD59-A6C34878D82A}">
-                    <a16:rowId xmlns:a16="http://schemas.microsoft.com/office/drawing/2014/main" val="3380233555"/>
-                  </a:ext>
-                </a:extLst>
-              </a:tr>
-              <a:tr h="370840">
-                <a:tc>
-                  <a:txBody>
-                    <a:bodyPr/>
-                    <a:lstStyle/>
-                    <a:p>
-                      <a:endParaRPr lang="en-US"/>
-                    </a:p>
-                  </a:txBody>
-                  <a:tcPr/>
-                </a:tc>
-                <a:tc>
-                  <a:txBody>
-                    <a:bodyPr/>
-                    <a:lstStyle/>
-                    <a:p>
-                      <a:endParaRPr lang="en-US"/>
-                    </a:p>
-                  </a:txBody>
-                  <a:tcPr/>
-                </a:tc>
-                <a:tc>
-                  <a:txBody>
-                    <a:bodyPr/>
-                    <a:lstStyle/>
-                    <a:p>
-                      <a:endParaRPr lang="en-US"/>
-                    </a:p>
-                  </a:txBody>
-                  <a:tcPr/>
-                </a:tc>
-                <a:tc>
-                  <a:txBody>
-                    <a:bodyPr/>
-                    <a:lstStyle/>
-                    <a:p>
-                      <a:endParaRPr lang="en-US"/>
-                    </a:p>
-                  </a:txBody>
-                  <a:tcPr/>
-                </a:tc>
-                <a:extLst>
-                  <a:ext uri="{0D108BD9-81ED-4DB2-BD59-A6C34878D82A}">
-                    <a16:rowId xmlns:a16="http://schemas.microsoft.com/office/drawing/2014/main" val="67982749"/>
-                  </a:ext>
-                </a:extLst>
-              </a:tr>
-              <a:tr h="370840">
-                <a:tc>
-                  <a:txBody>
-                    <a:bodyPr/>
-                    <a:lstStyle/>
-                    <a:p>
-                      <a:endParaRPr lang="en-US"/>
-                    </a:p>
-                  </a:txBody>
-                  <a:tcPr/>
-                </a:tc>
-                <a:tc>
-                  <a:txBody>
-                    <a:bodyPr/>
-                    <a:lstStyle/>
-                    <a:p>
-                      <a:endParaRPr lang="en-US"/>
-                    </a:p>
-                  </a:txBody>
-                  <a:tcPr/>
-                </a:tc>
-                <a:tc>
-                  <a:txBody>
-                    <a:bodyPr/>
-                    <a:lstStyle/>
-                    <a:p>
-                      <a:endParaRPr lang="en-US"/>
-                    </a:p>
-                  </a:txBody>
-                  <a:tcPr/>
-                </a:tc>
-                <a:tc>
-                  <a:txBody>
-                    <a:bodyPr/>
-                    <a:lstStyle/>
-                    <a:p>
-                      <a:endParaRPr lang="en-US"/>
-                    </a:p>
-                  </a:txBody>
-                  <a:tcPr/>
-                </a:tc>
-                <a:extLst>
-                  <a:ext uri="{0D108BD9-81ED-4DB2-BD59-A6C34878D82A}">
-                    <a16:rowId xmlns:a16="http://schemas.microsoft.com/office/drawing/2014/main" val="1464760776"/>
-                  </a:ext>
-                </a:extLst>
-              </a:tr>
-              <a:tr h="370840">
-                <a:tc>
-                  <a:txBody>
-                    <a:bodyPr/>
-                    <a:lstStyle/>
-                    <a:p>
-                      <a:endParaRPr lang="en-US"/>
-                    </a:p>
-                  </a:txBody>
-                  <a:tcPr/>
-                </a:tc>
-                <a:tc>
-                  <a:txBody>
-                    <a:bodyPr/>
-                    <a:lstStyle/>
-                    <a:p>
-                      <a:endParaRPr lang="en-US"/>
-                    </a:p>
-                  </a:txBody>
-                  <a:tcPr/>
-                </a:tc>
-                <a:tc>
-                  <a:txBody>
-                    <a:bodyPr/>
-                    <a:lstStyle/>
-                    <a:p>
-                      <a:endParaRPr lang="en-US"/>
-                    </a:p>
-                  </a:txBody>
-                  <a:tcPr/>
-                </a:tc>
-                <a:tc>
-                  <a:txBody>
-                    <a:bodyPr/>
-                    <a:lstStyle/>
-                    <a:p>
-                      <a:endParaRPr lang="en-US"/>
-                    </a:p>
-                  </a:txBody>
-                  <a:tcPr/>
-                </a:tc>
-                <a:extLst>
-                  <a:ext uri="{0D108BD9-81ED-4DB2-BD59-A6C34878D82A}">
-                    <a16:rowId xmlns:a16="http://schemas.microsoft.com/office/drawing/2014/main" val="2095514223"/>
-                  </a:ext>
-                </a:extLst>
-              </a:tr>
-              <a:tr h="370840">
-                <a:tc>
-                  <a:txBody>
-                    <a:bodyPr/>
-                    <a:lstStyle/>
-                    <a:p>
-                      <a:endParaRPr lang="en-US"/>
-                    </a:p>
-                  </a:txBody>
-                  <a:tcPr/>
-                </a:tc>
-                <a:tc>
-                  <a:txBody>
-                    <a:bodyPr/>
-                    <a:lstStyle/>
-                    <a:p>
-                      <a:endParaRPr lang="en-US"/>
-                    </a:p>
-                  </a:txBody>
-                  <a:tcPr/>
-                </a:tc>
-                <a:tc>
-                  <a:txBody>
-                    <a:bodyPr/>
-                    <a:lstStyle/>
-                    <a:p>
-                      <a:endParaRPr lang="en-US"/>
-                    </a:p>
-                  </a:txBody>
-                  <a:tcPr/>
-                </a:tc>
-                <a:tc>
-                  <a:txBody>
-                    <a:bodyPr/>
-                    <a:lstStyle/>
-                    <a:p>
-                      <a:endParaRPr lang="en-US"/>
-                    </a:p>
-                  </a:txBody>
-                  <a:tcPr/>
-                </a:tc>
-                <a:extLst>
-                  <a:ext uri="{0D108BD9-81ED-4DB2-BD59-A6C34878D82A}">
-                    <a16:rowId xmlns:a16="http://schemas.microsoft.com/office/drawing/2014/main" val="3100473543"/>
-                  </a:ext>
-                </a:extLst>
-              </a:tr>
-              <a:tr h="370840">
-                <a:tc>
-                  <a:txBody>
-                    <a:bodyPr/>
-                    <a:lstStyle/>
-                    <a:p>
-                      <a:endParaRPr lang="en-US"/>
-                    </a:p>
-                  </a:txBody>
-                  <a:tcPr/>
-                </a:tc>
-                <a:tc>
-                  <a:txBody>
-                    <a:bodyPr/>
-                    <a:lstStyle/>
-                    <a:p>
-                      <a:endParaRPr lang="en-US"/>
-                    </a:p>
-                  </a:txBody>
-                  <a:tcPr/>
-                </a:tc>
-                <a:tc>
-                  <a:txBody>
-                    <a:bodyPr/>
-                    <a:lstStyle/>
-                    <a:p>
-                      <a:endParaRPr lang="en-US"/>
-                    </a:p>
-                  </a:txBody>
-                  <a:tcPr/>
-                </a:tc>
-                <a:tc>
-                  <a:txBody>
-                    <a:bodyPr/>
-                    <a:lstStyle/>
-                    <a:p>
-                      <a:endParaRPr lang="en-US"/>
-                    </a:p>
-                  </a:txBody>
-                  <a:tcPr/>
-                </a:tc>
-                <a:extLst>
-                  <a:ext uri="{0D108BD9-81ED-4DB2-BD59-A6C34878D82A}">
-                    <a16:rowId xmlns:a16="http://schemas.microsoft.com/office/drawing/2014/main" val="3675330201"/>
-                  </a:ext>
-                </a:extLst>
-              </a:tr>
-              <a:tr h="370840">
-                <a:tc>
-                  <a:txBody>
-                    <a:bodyPr/>
-                    <a:lstStyle/>
-                    <a:p>
-                      <a:endParaRPr lang="en-US"/>
-                    </a:p>
-                  </a:txBody>
-                  <a:tcPr/>
-                </a:tc>
-                <a:tc>
-                  <a:txBody>
-                    <a:bodyPr/>
-                    <a:lstStyle/>
-                    <a:p>
-                      <a:endParaRPr lang="en-US"/>
-                    </a:p>
-                  </a:txBody>
-                  <a:tcPr/>
-                </a:tc>
-                <a:tc>
-                  <a:txBody>
-                    <a:bodyPr/>
-                    <a:lstStyle/>
-                    <a:p>
-                      <a:endParaRPr lang="en-US" dirty="0"/>
-                    </a:p>
-                  </a:txBody>
-                  <a:tcPr/>
-                </a:tc>
-                <a:tc>
-                  <a:txBody>
-                    <a:bodyPr/>
-                    <a:lstStyle/>
-                    <a:p>
-                      <a:endParaRPr lang="en-US" dirty="0"/>
-                    </a:p>
-                  </a:txBody>
-                  <a:tcPr/>
-                </a:tc>
-                <a:extLst>
-                  <a:ext uri="{0D108BD9-81ED-4DB2-BD59-A6C34878D82A}">
-                    <a16:rowId xmlns:a16="http://schemas.microsoft.com/office/drawing/2014/main" val="1007980443"/>
-                  </a:ext>
-                </a:extLst>
-              </a:tr>
-              <a:tr h="370840">
-                <a:tc>
-                  <a:txBody>
-                    <a:bodyPr/>
-                    <a:lstStyle/>
-                    <a:p>
-                      <a:endParaRPr lang="en-US" dirty="0"/>
-                    </a:p>
-                  </a:txBody>
-                  <a:tcPr/>
-                </a:tc>
-                <a:tc>
-                  <a:txBody>
-                    <a:bodyPr/>
-                    <a:lstStyle/>
-                    <a:p>
-                      <a:endParaRPr lang="en-US"/>
-                    </a:p>
-                  </a:txBody>
-                  <a:tcPr/>
-                </a:tc>
-                <a:tc>
-                  <a:txBody>
-                    <a:bodyPr/>
-                    <a:lstStyle/>
-                    <a:p>
-                      <a:endParaRPr lang="en-US" dirty="0"/>
-                    </a:p>
-                  </a:txBody>
-                  <a:tcPr/>
-                </a:tc>
-                <a:tc>
-                  <a:txBody>
-                    <a:bodyPr/>
-                    <a:lstStyle/>
-                    <a:p>
-                      <a:endParaRPr lang="en-US" dirty="0"/>
-                    </a:p>
-                  </a:txBody>
-                  <a:tcPr/>
-                </a:tc>
-                <a:extLst>
-                  <a:ext uri="{0D108BD9-81ED-4DB2-BD59-A6C34878D82A}">
-                    <a16:rowId xmlns:a16="http://schemas.microsoft.com/office/drawing/2014/main" val="3844206101"/>
-                  </a:ext>
-                </a:extLst>
-              </a:tr>
-            </a:tbl>
-          </a:graphicData>
-        </a:graphic>
-      </p:graphicFrame>
-      <p:sp>
-        <p:nvSpPr>
-          <p:cNvPr id="3" name="TextBox 2">
-            <a:extLst>
-              <a:ext uri="{FF2B5EF4-FFF2-40B4-BE49-F238E27FC236}">
-                <a16:creationId xmlns:a16="http://schemas.microsoft.com/office/drawing/2014/main" id="{E0A624A4-FE57-2855-2AC7-6340AEB92AAE}"/>
-              </a:ext>
-            </a:extLst>
-          </p:cNvPr>
-          <p:cNvSpPr txBox="1"/>
-          <p:nvPr/>
-        </p:nvSpPr>
-        <p:spPr>
-          <a:xfrm>
-            <a:off x="861791" y="835383"/>
-            <a:ext cx="3382832" cy="3499549"/>
+            <a:off x="4733334" y="721360"/>
+            <a:ext cx="2306320" cy="2306320"/>
           </a:xfrm>
           <a:prstGeom prst="rect">
             <a:avLst/>
           </a:prstGeom>
         </p:spPr>
-        <p:txBody>
-          <a:bodyPr vert="horz" lIns="91440" tIns="45720" rIns="91440" bIns="45720" rtlCol="0" anchor="b">
-            <a:normAutofit/>
-          </a:bodyPr>
-          <a:lstStyle/>
-          <a:p>
-            <a:pPr marL="0" marR="0" lvl="0" indent="0" algn="l" defTabSz="457200" rtl="0" eaLnBrk="1" fontAlgn="auto" latinLnBrk="0" hangingPunct="1">
-              <a:lnSpc>
-                <a:spcPct val="90000"/>
-              </a:lnSpc>
-              <a:spcBef>
-                <a:spcPct val="0"/>
-              </a:spcBef>
-              <a:spcAft>
-                <a:spcPts val="600"/>
-              </a:spcAft>
-              <a:buClrTx/>
-              <a:buSzTx/>
-              <a:buFontTx/>
-              <a:buNone/>
-              <a:tabLst/>
-              <a:defRPr/>
-            </a:pPr>
-            <a:r>
-              <a:rPr kumimoji="0" lang="en-US" sz="2900" b="0" i="0" u="none" strike="noStrike" kern="1200" cap="none" spc="0" normalizeH="0" baseline="0" noProof="0" dirty="0">
-                <a:ln>
-                  <a:solidFill>
-                    <a:prstClr val="black">
-                      <a:lumMod val="75000"/>
-                      <a:lumOff val="25000"/>
-                      <a:alpha val="10000"/>
-                    </a:prstClr>
-                  </a:solidFill>
-                </a:ln>
-                <a:solidFill>
-                  <a:srgbClr val="DADADA"/>
-                </a:solidFill>
-                <a:effectLst>
-                  <a:outerShdw blurRad="9525" dist="25400" dir="14640000" algn="tl" rotWithShape="0">
-                    <a:prstClr val="black">
-                      <a:alpha val="30000"/>
-                    </a:prstClr>
-                  </a:outerShdw>
-                </a:effectLst>
-                <a:uLnTx/>
-                <a:uFillTx/>
-                <a:latin typeface="Calisto MT" panose="02040603050505030304"/>
-                <a:ea typeface="+mn-ea"/>
-                <a:cs typeface="+mn-cs"/>
-              </a:rPr>
-              <a:t>GEO 330 Sustainable Urban Transportation</a:t>
-            </a:r>
-          </a:p>
-          <a:p>
-            <a:pPr marL="0" marR="0" lvl="0" indent="0" algn="l" defTabSz="457200" rtl="0" eaLnBrk="1" fontAlgn="auto" latinLnBrk="0" hangingPunct="1">
-              <a:lnSpc>
-                <a:spcPct val="90000"/>
-              </a:lnSpc>
-              <a:spcBef>
-                <a:spcPct val="0"/>
-              </a:spcBef>
-              <a:spcAft>
-                <a:spcPts val="600"/>
-              </a:spcAft>
-              <a:buClrTx/>
-              <a:buSzTx/>
-              <a:buFontTx/>
-              <a:buNone/>
-              <a:tabLst/>
-              <a:defRPr/>
-            </a:pPr>
-            <a:r>
-              <a:rPr kumimoji="0" lang="en-US" sz="2900" b="0" i="0" u="none" strike="noStrike" kern="1200" cap="none" spc="0" normalizeH="0" baseline="0" noProof="0" dirty="0">
-                <a:ln>
-                  <a:solidFill>
-                    <a:prstClr val="black">
-                      <a:lumMod val="75000"/>
-                      <a:lumOff val="25000"/>
-                      <a:alpha val="10000"/>
-                    </a:prstClr>
-                  </a:solidFill>
-                </a:ln>
-                <a:solidFill>
-                  <a:srgbClr val="DADADA"/>
-                </a:solidFill>
-                <a:effectLst>
-                  <a:outerShdw blurRad="9525" dist="25400" dir="14640000" algn="tl" rotWithShape="0">
-                    <a:prstClr val="black">
-                      <a:alpha val="30000"/>
-                    </a:prstClr>
-                  </a:outerShdw>
-                </a:effectLst>
-                <a:uLnTx/>
-                <a:uFillTx/>
-                <a:latin typeface="Calisto MT" panose="02040603050505030304"/>
-                <a:ea typeface="+mn-ea"/>
-                <a:cs typeface="+mn-cs"/>
-              </a:rPr>
-              <a:t>Exercise #1: Commute Mode Share</a:t>
-            </a:r>
-          </a:p>
-        </p:txBody>
-      </p:sp>
+      </p:pic>
+      <p:pic>
+        <p:nvPicPr>
+          <p:cNvPr id="6" name="Graphic 5" descr="Signal with solid fill">
+            <a:extLst>
+              <a:ext uri="{FF2B5EF4-FFF2-40B4-BE49-F238E27FC236}">
+                <a16:creationId xmlns:a16="http://schemas.microsoft.com/office/drawing/2014/main" id="{5A1CD3C8-BE06-9034-0BDA-96454933867E}"/>
+              </a:ext>
+            </a:extLst>
+          </p:cNvPr>
+          <p:cNvPicPr>
+            <a:picLocks noChangeAspect="1"/>
+          </p:cNvPicPr>
+          <p:nvPr/>
+        </p:nvPicPr>
+        <p:blipFill>
+          <a:blip r:embed="rId5">
+            <a:extLst>
+              <a:ext uri="{28A0092B-C50C-407E-A947-70E740481C1C}">
+                <a14:useLocalDpi xmlns:a14="http://schemas.microsoft.com/office/drawing/2010/main" val="0"/>
+              </a:ext>
+              <a:ext uri="{96DAC541-7B7A-43D3-8B79-37D633B846F1}">
+                <asvg:svgBlip xmlns:asvg="http://schemas.microsoft.com/office/drawing/2016/SVG/main" r:embed="rId6"/>
+              </a:ext>
+            </a:extLst>
+          </a:blip>
+          <a:stretch>
+            <a:fillRect/>
+          </a:stretch>
+        </p:blipFill>
+        <p:spPr>
+          <a:xfrm>
+            <a:off x="6877094" y="3337840"/>
+            <a:ext cx="2286000" cy="2286000"/>
+          </a:xfrm>
+          <a:prstGeom prst="rect">
+            <a:avLst/>
+          </a:prstGeom>
+        </p:spPr>
+      </p:pic>
+      <p:pic>
+        <p:nvPicPr>
+          <p:cNvPr id="8" name="Graphic 7" descr="Decision chart outline">
+            <a:extLst>
+              <a:ext uri="{FF2B5EF4-FFF2-40B4-BE49-F238E27FC236}">
+                <a16:creationId xmlns:a16="http://schemas.microsoft.com/office/drawing/2014/main" id="{00F2B1FC-9A3D-9E15-D513-A56C53852979}"/>
+              </a:ext>
+            </a:extLst>
+          </p:cNvPr>
+          <p:cNvPicPr>
+            <a:picLocks noChangeAspect="1"/>
+          </p:cNvPicPr>
+          <p:nvPr/>
+        </p:nvPicPr>
+        <p:blipFill>
+          <a:blip r:embed="rId7">
+            <a:extLst>
+              <a:ext uri="{28A0092B-C50C-407E-A947-70E740481C1C}">
+                <a14:useLocalDpi xmlns:a14="http://schemas.microsoft.com/office/drawing/2010/main" val="0"/>
+              </a:ext>
+              <a:ext uri="{96DAC541-7B7A-43D3-8B79-37D633B846F1}">
+                <asvg:svgBlip xmlns:asvg="http://schemas.microsoft.com/office/drawing/2016/SVG/main" r:embed="rId8"/>
+              </a:ext>
+            </a:extLst>
+          </a:blip>
+          <a:stretch>
+            <a:fillRect/>
+          </a:stretch>
+        </p:blipFill>
+        <p:spPr>
+          <a:xfrm>
+            <a:off x="4753654" y="3182760"/>
+            <a:ext cx="2286000" cy="2286000"/>
+          </a:xfrm>
+          <a:prstGeom prst="rect">
+            <a:avLst/>
+          </a:prstGeom>
+        </p:spPr>
+      </p:pic>
+      <p:pic>
+        <p:nvPicPr>
+          <p:cNvPr id="10" name="Graphic 9" descr="Upward trend outline">
+            <a:extLst>
+              <a:ext uri="{FF2B5EF4-FFF2-40B4-BE49-F238E27FC236}">
+                <a16:creationId xmlns:a16="http://schemas.microsoft.com/office/drawing/2014/main" id="{657F7B07-646E-655D-7334-C0E17EEA40E4}"/>
+              </a:ext>
+            </a:extLst>
+          </p:cNvPr>
+          <p:cNvPicPr>
+            <a:picLocks noChangeAspect="1"/>
+          </p:cNvPicPr>
+          <p:nvPr/>
+        </p:nvPicPr>
+        <p:blipFill>
+          <a:blip r:embed="rId9">
+            <a:extLst>
+              <a:ext uri="{28A0092B-C50C-407E-A947-70E740481C1C}">
+                <a14:useLocalDpi xmlns:a14="http://schemas.microsoft.com/office/drawing/2010/main" val="0"/>
+              </a:ext>
+              <a:ext uri="{96DAC541-7B7A-43D3-8B79-37D633B846F1}">
+                <asvg:svgBlip xmlns:asvg="http://schemas.microsoft.com/office/drawing/2016/SVG/main" r:embed="rId10"/>
+              </a:ext>
+            </a:extLst>
+          </a:blip>
+          <a:stretch>
+            <a:fillRect/>
+          </a:stretch>
+        </p:blipFill>
+        <p:spPr>
+          <a:xfrm>
+            <a:off x="6877094" y="741680"/>
+            <a:ext cx="2286000" cy="2286000"/>
+          </a:xfrm>
+          <a:prstGeom prst="rect">
+            <a:avLst/>
+          </a:prstGeom>
+        </p:spPr>
+      </p:pic>
+      <p:pic>
+        <p:nvPicPr>
+          <p:cNvPr id="12" name="Picture 11">
+            <a:extLst>
+              <a:ext uri="{FF2B5EF4-FFF2-40B4-BE49-F238E27FC236}">
+                <a16:creationId xmlns:a16="http://schemas.microsoft.com/office/drawing/2014/main" id="{5654E116-125E-D9F9-D81A-BD14179D994D}"/>
+              </a:ext>
+            </a:extLst>
+          </p:cNvPr>
+          <p:cNvPicPr>
+            <a:picLocks noChangeAspect="1"/>
+          </p:cNvPicPr>
+          <p:nvPr/>
+        </p:nvPicPr>
+        <p:blipFill rotWithShape="1">
+          <a:blip r:embed="rId11"/>
+          <a:srcRect l="3751" r="4216"/>
+          <a:stretch/>
+        </p:blipFill>
+        <p:spPr>
+          <a:xfrm>
+            <a:off x="9264694" y="970280"/>
+            <a:ext cx="1835698" cy="1828800"/>
+          </a:xfrm>
+          <a:prstGeom prst="rect">
+            <a:avLst/>
+          </a:prstGeom>
+        </p:spPr>
+      </p:pic>
+      <p:pic>
+        <p:nvPicPr>
+          <p:cNvPr id="14" name="Graphic 13" descr="Table outline">
+            <a:extLst>
+              <a:ext uri="{FF2B5EF4-FFF2-40B4-BE49-F238E27FC236}">
+                <a16:creationId xmlns:a16="http://schemas.microsoft.com/office/drawing/2014/main" id="{E4670E6A-E1FB-FB72-9493-2D1F40A85F8D}"/>
+              </a:ext>
+            </a:extLst>
+          </p:cNvPr>
+          <p:cNvPicPr>
+            <a:picLocks noChangeAspect="1"/>
+          </p:cNvPicPr>
+          <p:nvPr/>
+        </p:nvPicPr>
+        <p:blipFill>
+          <a:blip r:embed="rId12">
+            <a:extLst>
+              <a:ext uri="{28A0092B-C50C-407E-A947-70E740481C1C}">
+                <a14:useLocalDpi xmlns:a14="http://schemas.microsoft.com/office/drawing/2010/main" val="0"/>
+              </a:ext>
+              <a:ext uri="{96DAC541-7B7A-43D3-8B79-37D633B846F1}">
+                <asvg:svgBlip xmlns:asvg="http://schemas.microsoft.com/office/drawing/2016/SVG/main" r:embed="rId13"/>
+              </a:ext>
+            </a:extLst>
+          </a:blip>
+          <a:stretch>
+            <a:fillRect/>
+          </a:stretch>
+        </p:blipFill>
+        <p:spPr>
+          <a:xfrm>
+            <a:off x="9039543" y="3337840"/>
+            <a:ext cx="2286000" cy="2286000"/>
+          </a:xfrm>
+          <a:prstGeom prst="rect">
+            <a:avLst/>
+          </a:prstGeom>
+        </p:spPr>
+      </p:pic>
     </p:spTree>
     <p:extLst>
       <p:ext uri="{BB962C8B-B14F-4D97-AF65-F5344CB8AC3E}">
-        <p14:creationId xmlns:p14="http://schemas.microsoft.com/office/powerpoint/2010/main" val="925576105"/>
+        <p14:creationId xmlns:p14="http://schemas.microsoft.com/office/powerpoint/2010/main" val="1306908851"/>
       </p:ext>
     </p:extLst>
   </p:cSld>
@@ -13364,78 +12178,10 @@
           <a:chExt cx="0" cy="0"/>
         </a:xfrm>
       </p:grpSpPr>
-      <p:sp>
-        <p:nvSpPr>
-          <p:cNvPr id="5" name="TextBox 4">
-            <a:extLst>
-              <a:ext uri="{FF2B5EF4-FFF2-40B4-BE49-F238E27FC236}">
-                <a16:creationId xmlns:a16="http://schemas.microsoft.com/office/drawing/2014/main" id="{DF43B869-E6A4-406B-24AF-C0477DB7A457}"/>
-              </a:ext>
-            </a:extLst>
-          </p:cNvPr>
-          <p:cNvSpPr txBox="1"/>
-          <p:nvPr/>
-        </p:nvSpPr>
-        <p:spPr>
-          <a:xfrm>
-            <a:off x="0" y="115994"/>
-            <a:ext cx="4457700" cy="2862322"/>
-          </a:xfrm>
-          <a:prstGeom prst="rect">
-            <a:avLst/>
-          </a:prstGeom>
-          <a:noFill/>
-        </p:spPr>
-        <p:txBody>
-          <a:bodyPr wrap="square" rtlCol="0">
-            <a:spAutoFit/>
-          </a:bodyPr>
-          <a:lstStyle/>
-          <a:p>
-            <a:r>
-              <a:rPr lang="en-US" dirty="0">
-                <a:latin typeface="+mj-lt"/>
-                <a:cs typeface="Courier New" panose="02070309020205020404" pitchFamily="49" charset="0"/>
-              </a:rPr>
-              <a:t>Use this slide to create an annotated mockup of a sustainable urban transportation dashboard.</a:t>
-            </a:r>
-          </a:p>
-          <a:p>
-            <a:endParaRPr lang="en-US" dirty="0">
-              <a:latin typeface="+mj-lt"/>
-              <a:cs typeface="Courier New" panose="02070309020205020404" pitchFamily="49" charset="0"/>
-            </a:endParaRPr>
-          </a:p>
-          <a:p>
-            <a:r>
-              <a:rPr lang="en-US" dirty="0">
-                <a:latin typeface="+mj-lt"/>
-                <a:cs typeface="Courier New" panose="02070309020205020404" pitchFamily="49" charset="0"/>
-              </a:rPr>
-              <a:t>What types of indicators, data, or other information would you include on the dashboard?</a:t>
-            </a:r>
-          </a:p>
-          <a:p>
-            <a:endParaRPr lang="en-US" dirty="0">
-              <a:latin typeface="+mj-lt"/>
-              <a:cs typeface="Courier New" panose="02070309020205020404" pitchFamily="49" charset="0"/>
-            </a:endParaRPr>
-          </a:p>
-          <a:p>
-            <a:r>
-              <a:rPr lang="en-US" dirty="0">
-                <a:latin typeface="+mj-lt"/>
-                <a:cs typeface="Courier New" panose="02070309020205020404" pitchFamily="49" charset="0"/>
-              </a:rPr>
-              <a:t>Who do you think would benefit from using the dashboard?</a:t>
-            </a:r>
-          </a:p>
-        </p:txBody>
-      </p:sp>
     </p:spTree>
     <p:extLst>
       <p:ext uri="{BB962C8B-B14F-4D97-AF65-F5344CB8AC3E}">
-        <p14:creationId xmlns:p14="http://schemas.microsoft.com/office/powerpoint/2010/main" val="1306908851"/>
+        <p14:creationId xmlns:p14="http://schemas.microsoft.com/office/powerpoint/2010/main" val="2661061613"/>
       </p:ext>
     </p:extLst>
   </p:cSld>
